--- a/Presentation.pptx
+++ b/Presentation.pptx
@@ -11,6 +11,7 @@
     <p:sldId id="257" r:id="rId5"/>
     <p:sldId id="258" r:id="rId6"/>
     <p:sldId id="259" r:id="rId7"/>
+    <p:sldId id="260" r:id="rId8"/>
   </p:sldIdLst>
   <p:sldSz cx="9144000" cy="6858000" type="screen4x3"/>
   <p:notesSz cx="6858000" cy="9144000"/>
@@ -17366,6 +17367,99 @@
 </p:sld>
 </file>
 
+<file path=ppt/slides/slide5.xml><?xml version="1.0" encoding="utf-8"?>
+<p:sld xmlns:a="http://schemas.openxmlformats.org/drawingml/2006/main" xmlns:r="http://schemas.openxmlformats.org/officeDocument/2006/relationships" xmlns:p="http://schemas.openxmlformats.org/presentationml/2006/main">
+  <p:cSld>
+    <p:spTree>
+      <p:nvGrpSpPr>
+        <p:cNvPr id="1" name=""/>
+        <p:cNvGrpSpPr/>
+        <p:nvPr/>
+      </p:nvGrpSpPr>
+      <p:grpSpPr>
+        <a:xfrm>
+          <a:off x="0" y="0"/>
+          <a:ext cx="0" cy="0"/>
+          <a:chOff x="0" y="0"/>
+          <a:chExt cx="0" cy="0"/>
+        </a:xfrm>
+      </p:grpSpPr>
+      <p:sp>
+        <p:nvSpPr>
+          <p:cNvPr id="2" name="Title 1"/>
+          <p:cNvSpPr>
+            <a:spLocks noGrp="1"/>
+          </p:cNvSpPr>
+          <p:nvPr>
+            <p:ph type="title"/>
+          </p:nvPr>
+        </p:nvSpPr>
+        <p:spPr/>
+        <p:txBody>
+          <a:bodyPr/>
+          <a:lstStyle/>
+          <a:p>
+            <a:pPr algn="ctr"/>
+            <a:r>
+              <a:rPr lang="en-US" dirty="0" smtClean="0"/>
+              <a:t>Block Structure</a:t>
+            </a:r>
+            <a:endParaRPr lang="en-IN" dirty="0"/>
+          </a:p>
+        </p:txBody>
+      </p:sp>
+      <p:pic>
+        <p:nvPicPr>
+          <p:cNvPr id="1026" name="Picture 2" descr="C:\Users\Dits\Desktop\biconnected.png"/>
+          <p:cNvPicPr>
+            <a:picLocks noChangeAspect="1" noChangeArrowheads="1"/>
+          </p:cNvPicPr>
+          <p:nvPr/>
+        </p:nvPicPr>
+        <p:blipFill>
+          <a:blip r:embed="rId2" cstate="print">
+            <a:clrChange>
+              <a:clrFrom>
+                <a:srgbClr val="FFFFFF"/>
+              </a:clrFrom>
+              <a:clrTo>
+                <a:srgbClr val="FFFFFF">
+                  <a:alpha val="0"/>
+                </a:srgbClr>
+              </a:clrTo>
+            </a:clrChange>
+          </a:blip>
+          <a:srcRect/>
+          <a:stretch>
+            <a:fillRect/>
+          </a:stretch>
+        </p:blipFill>
+        <p:spPr bwMode="auto">
+          <a:xfrm>
+            <a:off x="2209800" y="1676400"/>
+            <a:ext cx="4905375" cy="4844514"/>
+          </a:xfrm>
+          <a:prstGeom prst="rect">
+            <a:avLst/>
+          </a:prstGeom>
+          <a:noFill/>
+        </p:spPr>
+      </p:pic>
+    </p:spTree>
+  </p:cSld>
+  <p:clrMapOvr>
+    <a:masterClrMapping/>
+  </p:clrMapOvr>
+  <p:timing>
+    <p:tnLst>
+      <p:par>
+        <p:cTn id="1" dur="indefinite" restart="never" nodeType="tmRoot"/>
+      </p:par>
+    </p:tnLst>
+  </p:timing>
+</p:sld>
+</file>
+
 <file path=ppt/theme/theme1.xml><?xml version="1.0" encoding="utf-8"?>
 <a:theme xmlns:a="http://schemas.openxmlformats.org/drawingml/2006/main" name="Solstice">
   <a:themeElements>

--- a/Presentation.pptx
+++ b/Presentation.pptx
@@ -12,6 +12,7 @@
     <p:sldId id="258" r:id="rId6"/>
     <p:sldId id="259" r:id="rId7"/>
     <p:sldId id="260" r:id="rId8"/>
+    <p:sldId id="261" r:id="rId9"/>
   </p:sldIdLst>
   <p:sldSz cx="9144000" cy="6858000" type="screen4x3"/>
   <p:notesSz cx="6858000" cy="9144000"/>
@@ -17460,6 +17461,3197 @@
 </p:sld>
 </file>
 
+<file path=ppt/slides/slide6.xml><?xml version="1.0" encoding="utf-8"?>
+<p:sld xmlns:a="http://schemas.openxmlformats.org/drawingml/2006/main" xmlns:r="http://schemas.openxmlformats.org/officeDocument/2006/relationships" xmlns:p="http://schemas.openxmlformats.org/presentationml/2006/main">
+  <p:cSld>
+    <p:spTree>
+      <p:nvGrpSpPr>
+        <p:cNvPr id="1" name=""/>
+        <p:cNvGrpSpPr/>
+        <p:nvPr/>
+      </p:nvGrpSpPr>
+      <p:grpSpPr>
+        <a:xfrm>
+          <a:off x="0" y="0"/>
+          <a:ext cx="0" cy="0"/>
+          <a:chOff x="0" y="0"/>
+          <a:chExt cx="0" cy="0"/>
+        </a:xfrm>
+      </p:grpSpPr>
+      <p:sp>
+        <p:nvSpPr>
+          <p:cNvPr id="2" name="Title 1"/>
+          <p:cNvSpPr>
+            <a:spLocks noGrp="1"/>
+          </p:cNvSpPr>
+          <p:nvPr>
+            <p:ph type="title"/>
+          </p:nvPr>
+        </p:nvSpPr>
+        <p:spPr/>
+        <p:txBody>
+          <a:bodyPr/>
+          <a:lstStyle/>
+          <a:p>
+            <a:r>
+              <a:rPr lang="en-US" dirty="0" smtClean="0"/>
+              <a:t>Depth-First Search</a:t>
+            </a:r>
+            <a:endParaRPr lang="en-IN" dirty="0"/>
+          </a:p>
+        </p:txBody>
+      </p:sp>
+      <p:sp>
+        <p:nvSpPr>
+          <p:cNvPr id="4" name="Oval 3"/>
+          <p:cNvSpPr/>
+          <p:nvPr/>
+        </p:nvSpPr>
+        <p:spPr>
+          <a:xfrm>
+            <a:off x="3276600" y="1828800"/>
+            <a:ext cx="914400" cy="914400"/>
+          </a:xfrm>
+          <a:prstGeom prst="ellipse">
+            <a:avLst/>
+          </a:prstGeom>
+          <a:ln>
+            <a:noFill/>
+          </a:ln>
+          <a:effectLst>
+            <a:outerShdw blurRad="44450" dist="27940" dir="5400000" algn="ctr">
+              <a:srgbClr val="000000">
+                <a:alpha val="32000"/>
+              </a:srgbClr>
+            </a:outerShdw>
+          </a:effectLst>
+          <a:scene3d>
+            <a:camera prst="orthographicFront">
+              <a:rot lat="0" lon="0" rev="0"/>
+            </a:camera>
+            <a:lightRig rig="balanced" dir="t">
+              <a:rot lat="0" lon="0" rev="8700000"/>
+            </a:lightRig>
+          </a:scene3d>
+          <a:sp3d>
+            <a:bevelT w="190500" h="38100"/>
+          </a:sp3d>
+        </p:spPr>
+        <p:style>
+          <a:lnRef idx="2">
+            <a:schemeClr val="accent1">
+              <a:shade val="50000"/>
+            </a:schemeClr>
+          </a:lnRef>
+          <a:fillRef idx="1">
+            <a:schemeClr val="accent1"/>
+          </a:fillRef>
+          <a:effectRef idx="0">
+            <a:schemeClr val="accent1"/>
+          </a:effectRef>
+          <a:fontRef idx="minor">
+            <a:schemeClr val="lt1"/>
+          </a:fontRef>
+        </p:style>
+        <p:txBody>
+          <a:bodyPr rtlCol="0" anchor="ctr"/>
+          <a:lstStyle/>
+          <a:p>
+            <a:pPr algn="ctr"/>
+            <a:endParaRPr lang="en-IN" sz="2400" b="1" spc="50" dirty="0">
+              <a:ln w="12700" cmpd="sng">
+                <a:solidFill>
+                  <a:schemeClr val="accent6">
+                    <a:satMod val="120000"/>
+                    <a:shade val="80000"/>
+                  </a:schemeClr>
+                </a:solidFill>
+                <a:prstDash val="solid"/>
+              </a:ln>
+              <a:solidFill>
+                <a:schemeClr val="accent6">
+                  <a:tint val="1000"/>
+                </a:schemeClr>
+              </a:solidFill>
+              <a:effectLst>
+                <a:glow rad="53100">
+                  <a:schemeClr val="accent6">
+                    <a:satMod val="180000"/>
+                    <a:alpha val="30000"/>
+                  </a:schemeClr>
+                </a:glow>
+              </a:effectLst>
+            </a:endParaRPr>
+          </a:p>
+        </p:txBody>
+      </p:sp>
+      <p:sp>
+        <p:nvSpPr>
+          <p:cNvPr id="5" name="Oval 4"/>
+          <p:cNvSpPr/>
+          <p:nvPr/>
+        </p:nvSpPr>
+        <p:spPr>
+          <a:xfrm>
+            <a:off x="5029200" y="5638800"/>
+            <a:ext cx="914400" cy="914400"/>
+          </a:xfrm>
+          <a:prstGeom prst="ellipse">
+            <a:avLst/>
+          </a:prstGeom>
+          <a:ln>
+            <a:noFill/>
+          </a:ln>
+          <a:effectLst>
+            <a:outerShdw blurRad="44450" dist="27940" dir="5400000" algn="ctr">
+              <a:srgbClr val="000000">
+                <a:alpha val="32000"/>
+              </a:srgbClr>
+            </a:outerShdw>
+          </a:effectLst>
+          <a:scene3d>
+            <a:camera prst="orthographicFront">
+              <a:rot lat="0" lon="0" rev="0"/>
+            </a:camera>
+            <a:lightRig rig="balanced" dir="t">
+              <a:rot lat="0" lon="0" rev="8700000"/>
+            </a:lightRig>
+          </a:scene3d>
+          <a:sp3d>
+            <a:bevelT w="190500" h="38100"/>
+          </a:sp3d>
+        </p:spPr>
+        <p:style>
+          <a:lnRef idx="2">
+            <a:schemeClr val="accent1">
+              <a:shade val="50000"/>
+            </a:schemeClr>
+          </a:lnRef>
+          <a:fillRef idx="1">
+            <a:schemeClr val="accent1"/>
+          </a:fillRef>
+          <a:effectRef idx="0">
+            <a:schemeClr val="accent1"/>
+          </a:effectRef>
+          <a:fontRef idx="minor">
+            <a:schemeClr val="lt1"/>
+          </a:fontRef>
+        </p:style>
+        <p:txBody>
+          <a:bodyPr rtlCol="0" anchor="ctr"/>
+          <a:lstStyle/>
+          <a:p>
+            <a:pPr algn="ctr"/>
+            <a:endParaRPr lang="en-US" sz="2400" b="1" spc="50" dirty="0" smtClean="0">
+              <a:ln w="12700" cmpd="sng">
+                <a:solidFill>
+                  <a:schemeClr val="accent6">
+                    <a:satMod val="120000"/>
+                    <a:shade val="80000"/>
+                  </a:schemeClr>
+                </a:solidFill>
+                <a:prstDash val="solid"/>
+              </a:ln>
+              <a:solidFill>
+                <a:schemeClr val="accent6">
+                  <a:tint val="1000"/>
+                </a:schemeClr>
+              </a:solidFill>
+              <a:effectLst>
+                <a:glow rad="53100">
+                  <a:schemeClr val="accent6">
+                    <a:satMod val="180000"/>
+                    <a:alpha val="30000"/>
+                  </a:schemeClr>
+                </a:glow>
+              </a:effectLst>
+            </a:endParaRPr>
+          </a:p>
+        </p:txBody>
+      </p:sp>
+      <p:sp>
+        <p:nvSpPr>
+          <p:cNvPr id="6" name="Oval 5"/>
+          <p:cNvSpPr/>
+          <p:nvPr/>
+        </p:nvSpPr>
+        <p:spPr>
+          <a:xfrm>
+            <a:off x="7620000" y="5562600"/>
+            <a:ext cx="914400" cy="914400"/>
+          </a:xfrm>
+          <a:prstGeom prst="ellipse">
+            <a:avLst/>
+          </a:prstGeom>
+          <a:ln>
+            <a:noFill/>
+          </a:ln>
+          <a:effectLst>
+            <a:outerShdw blurRad="44450" dist="27940" dir="5400000" algn="ctr">
+              <a:srgbClr val="000000">
+                <a:alpha val="32000"/>
+              </a:srgbClr>
+            </a:outerShdw>
+          </a:effectLst>
+          <a:scene3d>
+            <a:camera prst="orthographicFront">
+              <a:rot lat="0" lon="0" rev="0"/>
+            </a:camera>
+            <a:lightRig rig="balanced" dir="t">
+              <a:rot lat="0" lon="0" rev="8700000"/>
+            </a:lightRig>
+          </a:scene3d>
+          <a:sp3d>
+            <a:bevelT w="190500" h="38100"/>
+          </a:sp3d>
+        </p:spPr>
+        <p:style>
+          <a:lnRef idx="2">
+            <a:schemeClr val="accent1">
+              <a:shade val="50000"/>
+            </a:schemeClr>
+          </a:lnRef>
+          <a:fillRef idx="1">
+            <a:schemeClr val="accent1"/>
+          </a:fillRef>
+          <a:effectRef idx="0">
+            <a:schemeClr val="accent1"/>
+          </a:effectRef>
+          <a:fontRef idx="minor">
+            <a:schemeClr val="lt1"/>
+          </a:fontRef>
+        </p:style>
+        <p:txBody>
+          <a:bodyPr rtlCol="0" anchor="ctr"/>
+          <a:lstStyle/>
+          <a:p>
+            <a:pPr algn="ctr"/>
+            <a:endParaRPr lang="en-US" sz="2400" b="1" spc="50" dirty="0" smtClean="0">
+              <a:ln w="12700" cmpd="sng">
+                <a:solidFill>
+                  <a:schemeClr val="accent6">
+                    <a:satMod val="120000"/>
+                    <a:shade val="80000"/>
+                  </a:schemeClr>
+                </a:solidFill>
+                <a:prstDash val="solid"/>
+              </a:ln>
+              <a:solidFill>
+                <a:schemeClr val="accent6">
+                  <a:tint val="1000"/>
+                </a:schemeClr>
+              </a:solidFill>
+              <a:effectLst>
+                <a:glow rad="53100">
+                  <a:schemeClr val="accent6">
+                    <a:satMod val="180000"/>
+                    <a:alpha val="30000"/>
+                  </a:schemeClr>
+                </a:glow>
+              </a:effectLst>
+            </a:endParaRPr>
+          </a:p>
+        </p:txBody>
+      </p:sp>
+      <p:sp>
+        <p:nvSpPr>
+          <p:cNvPr id="7" name="Oval 6"/>
+          <p:cNvSpPr/>
+          <p:nvPr/>
+        </p:nvSpPr>
+        <p:spPr>
+          <a:xfrm>
+            <a:off x="1676400" y="2286000"/>
+            <a:ext cx="914400" cy="914400"/>
+          </a:xfrm>
+          <a:prstGeom prst="ellipse">
+            <a:avLst/>
+          </a:prstGeom>
+          <a:ln>
+            <a:noFill/>
+          </a:ln>
+          <a:effectLst>
+            <a:outerShdw blurRad="44450" dist="27940" dir="5400000" algn="ctr">
+              <a:srgbClr val="000000">
+                <a:alpha val="32000"/>
+              </a:srgbClr>
+            </a:outerShdw>
+          </a:effectLst>
+          <a:scene3d>
+            <a:camera prst="orthographicFront">
+              <a:rot lat="0" lon="0" rev="0"/>
+            </a:camera>
+            <a:lightRig rig="balanced" dir="t">
+              <a:rot lat="0" lon="0" rev="8700000"/>
+            </a:lightRig>
+          </a:scene3d>
+          <a:sp3d>
+            <a:bevelT w="190500" h="38100"/>
+          </a:sp3d>
+        </p:spPr>
+        <p:style>
+          <a:lnRef idx="2">
+            <a:schemeClr val="accent1">
+              <a:shade val="50000"/>
+            </a:schemeClr>
+          </a:lnRef>
+          <a:fillRef idx="1">
+            <a:schemeClr val="accent1"/>
+          </a:fillRef>
+          <a:effectRef idx="0">
+            <a:schemeClr val="accent1"/>
+          </a:effectRef>
+          <a:fontRef idx="minor">
+            <a:schemeClr val="lt1"/>
+          </a:fontRef>
+        </p:style>
+        <p:txBody>
+          <a:bodyPr rtlCol="0" anchor="ctr"/>
+          <a:lstStyle/>
+          <a:p>
+            <a:pPr algn="ctr"/>
+            <a:endParaRPr lang="en-IN" sz="2400" b="1" spc="50" dirty="0">
+              <a:ln w="12700" cmpd="sng">
+                <a:solidFill>
+                  <a:schemeClr val="accent6">
+                    <a:satMod val="120000"/>
+                    <a:shade val="80000"/>
+                  </a:schemeClr>
+                </a:solidFill>
+                <a:prstDash val="solid"/>
+              </a:ln>
+              <a:solidFill>
+                <a:schemeClr val="accent6">
+                  <a:tint val="1000"/>
+                </a:schemeClr>
+              </a:solidFill>
+              <a:effectLst>
+                <a:glow rad="53100">
+                  <a:schemeClr val="accent6">
+                    <a:satMod val="180000"/>
+                    <a:alpha val="30000"/>
+                  </a:schemeClr>
+                </a:glow>
+              </a:effectLst>
+            </a:endParaRPr>
+          </a:p>
+        </p:txBody>
+      </p:sp>
+      <p:sp>
+        <p:nvSpPr>
+          <p:cNvPr id="8" name="Oval 7"/>
+          <p:cNvSpPr/>
+          <p:nvPr/>
+        </p:nvSpPr>
+        <p:spPr>
+          <a:xfrm>
+            <a:off x="2514600" y="3886200"/>
+            <a:ext cx="914400" cy="914400"/>
+          </a:xfrm>
+          <a:prstGeom prst="ellipse">
+            <a:avLst/>
+          </a:prstGeom>
+          <a:ln>
+            <a:noFill/>
+          </a:ln>
+          <a:effectLst>
+            <a:outerShdw blurRad="44450" dist="27940" dir="5400000" algn="ctr">
+              <a:srgbClr val="000000">
+                <a:alpha val="32000"/>
+              </a:srgbClr>
+            </a:outerShdw>
+          </a:effectLst>
+          <a:scene3d>
+            <a:camera prst="orthographicFront">
+              <a:rot lat="0" lon="0" rev="0"/>
+            </a:camera>
+            <a:lightRig rig="balanced" dir="t">
+              <a:rot lat="0" lon="0" rev="8700000"/>
+            </a:lightRig>
+          </a:scene3d>
+          <a:sp3d>
+            <a:bevelT w="190500" h="38100"/>
+          </a:sp3d>
+        </p:spPr>
+        <p:style>
+          <a:lnRef idx="2">
+            <a:schemeClr val="accent1">
+              <a:shade val="50000"/>
+            </a:schemeClr>
+          </a:lnRef>
+          <a:fillRef idx="1">
+            <a:schemeClr val="accent1"/>
+          </a:fillRef>
+          <a:effectRef idx="0">
+            <a:schemeClr val="accent1"/>
+          </a:effectRef>
+          <a:fontRef idx="minor">
+            <a:schemeClr val="lt1"/>
+          </a:fontRef>
+        </p:style>
+        <p:txBody>
+          <a:bodyPr rtlCol="0" anchor="ctr"/>
+          <a:lstStyle/>
+          <a:p>
+            <a:pPr algn="ctr"/>
+            <a:endParaRPr lang="en-US" sz="2400" b="1" spc="50" dirty="0" smtClean="0">
+              <a:ln w="12700" cmpd="sng">
+                <a:solidFill>
+                  <a:schemeClr val="accent6">
+                    <a:satMod val="120000"/>
+                    <a:shade val="80000"/>
+                  </a:schemeClr>
+                </a:solidFill>
+                <a:prstDash val="solid"/>
+              </a:ln>
+              <a:solidFill>
+                <a:schemeClr val="accent6">
+                  <a:tint val="1000"/>
+                </a:schemeClr>
+              </a:solidFill>
+              <a:effectLst>
+                <a:glow rad="53100">
+                  <a:schemeClr val="accent6">
+                    <a:satMod val="180000"/>
+                    <a:alpha val="30000"/>
+                  </a:schemeClr>
+                </a:glow>
+              </a:effectLst>
+            </a:endParaRPr>
+          </a:p>
+        </p:txBody>
+      </p:sp>
+      <p:sp>
+        <p:nvSpPr>
+          <p:cNvPr id="9" name="Oval 8"/>
+          <p:cNvSpPr/>
+          <p:nvPr/>
+        </p:nvSpPr>
+        <p:spPr>
+          <a:xfrm>
+            <a:off x="990600" y="4876800"/>
+            <a:ext cx="914400" cy="914400"/>
+          </a:xfrm>
+          <a:prstGeom prst="ellipse">
+            <a:avLst/>
+          </a:prstGeom>
+          <a:ln>
+            <a:noFill/>
+          </a:ln>
+          <a:effectLst>
+            <a:outerShdw blurRad="44450" dist="27940" dir="5400000" algn="ctr">
+              <a:srgbClr val="000000">
+                <a:alpha val="32000"/>
+              </a:srgbClr>
+            </a:outerShdw>
+          </a:effectLst>
+          <a:scene3d>
+            <a:camera prst="orthographicFront">
+              <a:rot lat="0" lon="0" rev="0"/>
+            </a:camera>
+            <a:lightRig rig="balanced" dir="t">
+              <a:rot lat="0" lon="0" rev="8700000"/>
+            </a:lightRig>
+          </a:scene3d>
+          <a:sp3d>
+            <a:bevelT w="190500" h="38100"/>
+          </a:sp3d>
+        </p:spPr>
+        <p:style>
+          <a:lnRef idx="2">
+            <a:schemeClr val="accent1">
+              <a:shade val="50000"/>
+            </a:schemeClr>
+          </a:lnRef>
+          <a:fillRef idx="1">
+            <a:schemeClr val="accent1"/>
+          </a:fillRef>
+          <a:effectRef idx="0">
+            <a:schemeClr val="accent1"/>
+          </a:effectRef>
+          <a:fontRef idx="minor">
+            <a:schemeClr val="lt1"/>
+          </a:fontRef>
+        </p:style>
+        <p:txBody>
+          <a:bodyPr rtlCol="0" anchor="ctr"/>
+          <a:lstStyle/>
+          <a:p>
+            <a:pPr algn="ctr"/>
+            <a:endParaRPr lang="en-IN" sz="2400" b="1" spc="50" dirty="0">
+              <a:ln w="12700" cmpd="sng">
+                <a:solidFill>
+                  <a:schemeClr val="accent6">
+                    <a:satMod val="120000"/>
+                    <a:shade val="80000"/>
+                  </a:schemeClr>
+                </a:solidFill>
+                <a:prstDash val="solid"/>
+              </a:ln>
+              <a:solidFill>
+                <a:schemeClr val="accent6">
+                  <a:tint val="1000"/>
+                </a:schemeClr>
+              </a:solidFill>
+              <a:effectLst>
+                <a:glow rad="53100">
+                  <a:schemeClr val="accent6">
+                    <a:satMod val="180000"/>
+                    <a:alpha val="30000"/>
+                  </a:schemeClr>
+                </a:glow>
+              </a:effectLst>
+            </a:endParaRPr>
+          </a:p>
+        </p:txBody>
+      </p:sp>
+      <p:sp>
+        <p:nvSpPr>
+          <p:cNvPr id="10" name="Oval 9"/>
+          <p:cNvSpPr/>
+          <p:nvPr/>
+        </p:nvSpPr>
+        <p:spPr>
+          <a:xfrm>
+            <a:off x="4343400" y="2971800"/>
+            <a:ext cx="914400" cy="914400"/>
+          </a:xfrm>
+          <a:prstGeom prst="ellipse">
+            <a:avLst/>
+          </a:prstGeom>
+          <a:ln>
+            <a:noFill/>
+          </a:ln>
+          <a:effectLst>
+            <a:outerShdw blurRad="44450" dist="27940" dir="5400000" algn="ctr">
+              <a:srgbClr val="000000">
+                <a:alpha val="32000"/>
+              </a:srgbClr>
+            </a:outerShdw>
+          </a:effectLst>
+          <a:scene3d>
+            <a:camera prst="orthographicFront">
+              <a:rot lat="0" lon="0" rev="0"/>
+            </a:camera>
+            <a:lightRig rig="balanced" dir="t">
+              <a:rot lat="0" lon="0" rev="8700000"/>
+            </a:lightRig>
+          </a:scene3d>
+          <a:sp3d>
+            <a:bevelT w="190500" h="38100"/>
+          </a:sp3d>
+        </p:spPr>
+        <p:style>
+          <a:lnRef idx="2">
+            <a:schemeClr val="accent1">
+              <a:shade val="50000"/>
+            </a:schemeClr>
+          </a:lnRef>
+          <a:fillRef idx="1">
+            <a:schemeClr val="accent1"/>
+          </a:fillRef>
+          <a:effectRef idx="0">
+            <a:schemeClr val="accent1"/>
+          </a:effectRef>
+          <a:fontRef idx="minor">
+            <a:schemeClr val="lt1"/>
+          </a:fontRef>
+        </p:style>
+        <p:txBody>
+          <a:bodyPr rtlCol="0" anchor="ctr"/>
+          <a:lstStyle/>
+          <a:p>
+            <a:pPr algn="ctr"/>
+            <a:endParaRPr lang="en-US" sz="2400" b="1" spc="50" dirty="0" smtClean="0">
+              <a:ln w="12700" cmpd="sng">
+                <a:solidFill>
+                  <a:schemeClr val="accent6">
+                    <a:satMod val="120000"/>
+                    <a:shade val="80000"/>
+                  </a:schemeClr>
+                </a:solidFill>
+                <a:prstDash val="solid"/>
+              </a:ln>
+              <a:solidFill>
+                <a:schemeClr val="accent6">
+                  <a:tint val="1000"/>
+                </a:schemeClr>
+              </a:solidFill>
+              <a:effectLst>
+                <a:glow rad="53100">
+                  <a:schemeClr val="accent6">
+                    <a:satMod val="180000"/>
+                    <a:alpha val="30000"/>
+                  </a:schemeClr>
+                </a:glow>
+              </a:effectLst>
+            </a:endParaRPr>
+          </a:p>
+        </p:txBody>
+      </p:sp>
+      <p:sp>
+        <p:nvSpPr>
+          <p:cNvPr id="11" name="Oval 10"/>
+          <p:cNvSpPr/>
+          <p:nvPr/>
+        </p:nvSpPr>
+        <p:spPr>
+          <a:xfrm>
+            <a:off x="5943600" y="3962400"/>
+            <a:ext cx="914400" cy="914400"/>
+          </a:xfrm>
+          <a:prstGeom prst="ellipse">
+            <a:avLst/>
+          </a:prstGeom>
+          <a:ln>
+            <a:noFill/>
+          </a:ln>
+          <a:effectLst>
+            <a:outerShdw blurRad="44450" dist="27940" dir="5400000" algn="ctr">
+              <a:srgbClr val="000000">
+                <a:alpha val="32000"/>
+              </a:srgbClr>
+            </a:outerShdw>
+          </a:effectLst>
+          <a:scene3d>
+            <a:camera prst="orthographicFront">
+              <a:rot lat="0" lon="0" rev="0"/>
+            </a:camera>
+            <a:lightRig rig="balanced" dir="t">
+              <a:rot lat="0" lon="0" rev="8700000"/>
+            </a:lightRig>
+          </a:scene3d>
+          <a:sp3d>
+            <a:bevelT w="190500" h="38100"/>
+          </a:sp3d>
+        </p:spPr>
+        <p:style>
+          <a:lnRef idx="2">
+            <a:schemeClr val="accent1">
+              <a:shade val="50000"/>
+            </a:schemeClr>
+          </a:lnRef>
+          <a:fillRef idx="1">
+            <a:schemeClr val="accent1"/>
+          </a:fillRef>
+          <a:effectRef idx="0">
+            <a:schemeClr val="accent1"/>
+          </a:effectRef>
+          <a:fontRef idx="minor">
+            <a:schemeClr val="lt1"/>
+          </a:fontRef>
+        </p:style>
+        <p:txBody>
+          <a:bodyPr rtlCol="0" anchor="ctr"/>
+          <a:lstStyle/>
+          <a:p>
+            <a:pPr algn="ctr"/>
+            <a:endParaRPr lang="en-IN" sz="2400" b="1" spc="50" dirty="0">
+              <a:ln w="12700" cmpd="sng">
+                <a:solidFill>
+                  <a:schemeClr val="accent6">
+                    <a:satMod val="120000"/>
+                    <a:shade val="80000"/>
+                  </a:schemeClr>
+                </a:solidFill>
+                <a:prstDash val="solid"/>
+              </a:ln>
+              <a:solidFill>
+                <a:schemeClr val="accent6">
+                  <a:tint val="1000"/>
+                </a:schemeClr>
+              </a:solidFill>
+              <a:effectLst>
+                <a:glow rad="53100">
+                  <a:schemeClr val="accent6">
+                    <a:satMod val="180000"/>
+                    <a:alpha val="30000"/>
+                  </a:schemeClr>
+                </a:glow>
+              </a:effectLst>
+            </a:endParaRPr>
+          </a:p>
+        </p:txBody>
+      </p:sp>
+      <p:sp>
+        <p:nvSpPr>
+          <p:cNvPr id="12" name="Oval 11"/>
+          <p:cNvSpPr/>
+          <p:nvPr/>
+        </p:nvSpPr>
+        <p:spPr>
+          <a:xfrm>
+            <a:off x="5791200" y="2286000"/>
+            <a:ext cx="914400" cy="914400"/>
+          </a:xfrm>
+          <a:prstGeom prst="ellipse">
+            <a:avLst/>
+          </a:prstGeom>
+          <a:ln>
+            <a:noFill/>
+          </a:ln>
+          <a:effectLst>
+            <a:outerShdw blurRad="44450" dist="27940" dir="5400000" algn="ctr">
+              <a:srgbClr val="000000">
+                <a:alpha val="32000"/>
+              </a:srgbClr>
+            </a:outerShdw>
+          </a:effectLst>
+          <a:scene3d>
+            <a:camera prst="orthographicFront">
+              <a:rot lat="0" lon="0" rev="0"/>
+            </a:camera>
+            <a:lightRig rig="balanced" dir="t">
+              <a:rot lat="0" lon="0" rev="8700000"/>
+            </a:lightRig>
+          </a:scene3d>
+          <a:sp3d>
+            <a:bevelT w="190500" h="38100"/>
+          </a:sp3d>
+        </p:spPr>
+        <p:style>
+          <a:lnRef idx="2">
+            <a:schemeClr val="accent1">
+              <a:shade val="50000"/>
+            </a:schemeClr>
+          </a:lnRef>
+          <a:fillRef idx="1">
+            <a:schemeClr val="accent1"/>
+          </a:fillRef>
+          <a:effectRef idx="0">
+            <a:schemeClr val="accent1"/>
+          </a:effectRef>
+          <a:fontRef idx="minor">
+            <a:schemeClr val="lt1"/>
+          </a:fontRef>
+        </p:style>
+        <p:txBody>
+          <a:bodyPr rtlCol="0" anchor="ctr"/>
+          <a:lstStyle/>
+          <a:p>
+            <a:pPr algn="ctr"/>
+            <a:endParaRPr lang="en-IN" sz="2400" b="1" spc="50" dirty="0">
+              <a:ln w="12700" cmpd="sng">
+                <a:solidFill>
+                  <a:schemeClr val="accent6">
+                    <a:satMod val="120000"/>
+                    <a:shade val="80000"/>
+                  </a:schemeClr>
+                </a:solidFill>
+                <a:prstDash val="solid"/>
+              </a:ln>
+              <a:solidFill>
+                <a:schemeClr val="accent6">
+                  <a:tint val="1000"/>
+                </a:schemeClr>
+              </a:solidFill>
+              <a:effectLst>
+                <a:glow rad="53100">
+                  <a:schemeClr val="accent6">
+                    <a:satMod val="180000"/>
+                    <a:alpha val="30000"/>
+                  </a:schemeClr>
+                </a:glow>
+              </a:effectLst>
+            </a:endParaRPr>
+          </a:p>
+        </p:txBody>
+      </p:sp>
+      <p:cxnSp>
+        <p:nvCxnSpPr>
+          <p:cNvPr id="13" name="Straight Connector 12"/>
+          <p:cNvCxnSpPr>
+            <a:stCxn id="9" idx="0"/>
+          </p:cNvCxnSpPr>
+          <p:nvPr/>
+        </p:nvCxnSpPr>
+        <p:spPr>
+          <a:xfrm flipV="1">
+            <a:off x="1447800" y="3200400"/>
+            <a:ext cx="609600" cy="1676400"/>
+          </a:xfrm>
+          <a:prstGeom prst="line">
+            <a:avLst/>
+          </a:prstGeom>
+        </p:spPr>
+        <p:style>
+          <a:lnRef idx="1">
+            <a:schemeClr val="accent1"/>
+          </a:lnRef>
+          <a:fillRef idx="0">
+            <a:schemeClr val="accent1"/>
+          </a:fillRef>
+          <a:effectRef idx="0">
+            <a:schemeClr val="accent1"/>
+          </a:effectRef>
+          <a:fontRef idx="minor">
+            <a:schemeClr val="tx1"/>
+          </a:fontRef>
+        </p:style>
+      </p:cxnSp>
+      <p:cxnSp>
+        <p:nvCxnSpPr>
+          <p:cNvPr id="14" name="Straight Connector 13"/>
+          <p:cNvCxnSpPr>
+            <a:stCxn id="9" idx="7"/>
+            <a:endCxn id="8" idx="3"/>
+          </p:cNvCxnSpPr>
+          <p:nvPr/>
+        </p:nvCxnSpPr>
+        <p:spPr>
+          <a:xfrm flipV="1">
+            <a:off x="1771089" y="4666689"/>
+            <a:ext cx="877422" cy="344022"/>
+          </a:xfrm>
+          <a:prstGeom prst="line">
+            <a:avLst/>
+          </a:prstGeom>
+        </p:spPr>
+        <p:style>
+          <a:lnRef idx="1">
+            <a:schemeClr val="accent1"/>
+          </a:lnRef>
+          <a:fillRef idx="0">
+            <a:schemeClr val="accent1"/>
+          </a:fillRef>
+          <a:effectRef idx="0">
+            <a:schemeClr val="accent1"/>
+          </a:effectRef>
+          <a:fontRef idx="minor">
+            <a:schemeClr val="tx1"/>
+          </a:fontRef>
+        </p:style>
+      </p:cxnSp>
+      <p:cxnSp>
+        <p:nvCxnSpPr>
+          <p:cNvPr id="15" name="Straight Connector 14"/>
+          <p:cNvCxnSpPr>
+            <a:endCxn id="4" idx="2"/>
+          </p:cNvCxnSpPr>
+          <p:nvPr/>
+        </p:nvCxnSpPr>
+        <p:spPr>
+          <a:xfrm flipV="1">
+            <a:off x="2590800" y="2286000"/>
+            <a:ext cx="685800" cy="381000"/>
+          </a:xfrm>
+          <a:prstGeom prst="line">
+            <a:avLst/>
+          </a:prstGeom>
+        </p:spPr>
+        <p:style>
+          <a:lnRef idx="1">
+            <a:schemeClr val="accent1"/>
+          </a:lnRef>
+          <a:fillRef idx="0">
+            <a:schemeClr val="accent1"/>
+          </a:fillRef>
+          <a:effectRef idx="0">
+            <a:schemeClr val="accent1"/>
+          </a:effectRef>
+          <a:fontRef idx="minor">
+            <a:schemeClr val="tx1"/>
+          </a:fontRef>
+        </p:style>
+      </p:cxnSp>
+      <p:cxnSp>
+        <p:nvCxnSpPr>
+          <p:cNvPr id="16" name="Straight Connector 15"/>
+          <p:cNvCxnSpPr>
+            <a:endCxn id="10" idx="3"/>
+          </p:cNvCxnSpPr>
+          <p:nvPr/>
+        </p:nvCxnSpPr>
+        <p:spPr>
+          <a:xfrm flipV="1">
+            <a:off x="3429000" y="3752289"/>
+            <a:ext cx="1048311" cy="591111"/>
+          </a:xfrm>
+          <a:prstGeom prst="line">
+            <a:avLst/>
+          </a:prstGeom>
+        </p:spPr>
+        <p:style>
+          <a:lnRef idx="1">
+            <a:schemeClr val="accent1"/>
+          </a:lnRef>
+          <a:fillRef idx="0">
+            <a:schemeClr val="accent1"/>
+          </a:fillRef>
+          <a:effectRef idx="0">
+            <a:schemeClr val="accent1"/>
+          </a:effectRef>
+          <a:fontRef idx="minor">
+            <a:schemeClr val="tx1"/>
+          </a:fontRef>
+        </p:style>
+      </p:cxnSp>
+      <p:cxnSp>
+        <p:nvCxnSpPr>
+          <p:cNvPr id="17" name="Straight Connector 16"/>
+          <p:cNvCxnSpPr>
+            <a:stCxn id="5" idx="0"/>
+            <a:endCxn id="11" idx="3"/>
+          </p:cNvCxnSpPr>
+          <p:nvPr/>
+        </p:nvCxnSpPr>
+        <p:spPr>
+          <a:xfrm flipV="1">
+            <a:off x="5486400" y="4742889"/>
+            <a:ext cx="591111" cy="895911"/>
+          </a:xfrm>
+          <a:prstGeom prst="line">
+            <a:avLst/>
+          </a:prstGeom>
+        </p:spPr>
+        <p:style>
+          <a:lnRef idx="1">
+            <a:schemeClr val="accent1"/>
+          </a:lnRef>
+          <a:fillRef idx="0">
+            <a:schemeClr val="accent1"/>
+          </a:fillRef>
+          <a:effectRef idx="0">
+            <a:schemeClr val="accent1"/>
+          </a:effectRef>
+          <a:fontRef idx="minor">
+            <a:schemeClr val="tx1"/>
+          </a:fontRef>
+        </p:style>
+      </p:cxnSp>
+      <p:cxnSp>
+        <p:nvCxnSpPr>
+          <p:cNvPr id="18" name="Straight Connector 17"/>
+          <p:cNvCxnSpPr>
+            <a:stCxn id="5" idx="6"/>
+            <a:endCxn id="6" idx="2"/>
+          </p:cNvCxnSpPr>
+          <p:nvPr/>
+        </p:nvCxnSpPr>
+        <p:spPr>
+          <a:xfrm flipV="1">
+            <a:off x="5943600" y="6019800"/>
+            <a:ext cx="1676400" cy="76200"/>
+          </a:xfrm>
+          <a:prstGeom prst="line">
+            <a:avLst/>
+          </a:prstGeom>
+        </p:spPr>
+        <p:style>
+          <a:lnRef idx="1">
+            <a:schemeClr val="accent1"/>
+          </a:lnRef>
+          <a:fillRef idx="0">
+            <a:schemeClr val="accent1"/>
+          </a:fillRef>
+          <a:effectRef idx="0">
+            <a:schemeClr val="accent1"/>
+          </a:effectRef>
+          <a:fontRef idx="minor">
+            <a:schemeClr val="tx1"/>
+          </a:fontRef>
+        </p:style>
+      </p:cxnSp>
+      <p:cxnSp>
+        <p:nvCxnSpPr>
+          <p:cNvPr id="19" name="Straight Connector 18"/>
+          <p:cNvCxnSpPr>
+            <a:stCxn id="4" idx="5"/>
+            <a:endCxn id="10" idx="1"/>
+          </p:cNvCxnSpPr>
+          <p:nvPr/>
+        </p:nvCxnSpPr>
+        <p:spPr>
+          <a:xfrm>
+            <a:off x="4057089" y="2609289"/>
+            <a:ext cx="420222" cy="496422"/>
+          </a:xfrm>
+          <a:prstGeom prst="line">
+            <a:avLst/>
+          </a:prstGeom>
+        </p:spPr>
+        <p:style>
+          <a:lnRef idx="1">
+            <a:schemeClr val="accent1"/>
+          </a:lnRef>
+          <a:fillRef idx="0">
+            <a:schemeClr val="accent1"/>
+          </a:fillRef>
+          <a:effectRef idx="0">
+            <a:schemeClr val="accent1"/>
+          </a:effectRef>
+          <a:fontRef idx="minor">
+            <a:schemeClr val="tx1"/>
+          </a:fontRef>
+        </p:style>
+      </p:cxnSp>
+      <p:cxnSp>
+        <p:nvCxnSpPr>
+          <p:cNvPr id="20" name="Straight Connector 19"/>
+          <p:cNvCxnSpPr>
+            <a:stCxn id="10" idx="7"/>
+            <a:endCxn id="12" idx="2"/>
+          </p:cNvCxnSpPr>
+          <p:nvPr/>
+        </p:nvCxnSpPr>
+        <p:spPr>
+          <a:xfrm flipV="1">
+            <a:off x="5123889" y="2743200"/>
+            <a:ext cx="667311" cy="362511"/>
+          </a:xfrm>
+          <a:prstGeom prst="line">
+            <a:avLst/>
+          </a:prstGeom>
+        </p:spPr>
+        <p:style>
+          <a:lnRef idx="1">
+            <a:schemeClr val="accent1"/>
+          </a:lnRef>
+          <a:fillRef idx="0">
+            <a:schemeClr val="accent1"/>
+          </a:fillRef>
+          <a:effectRef idx="0">
+            <a:schemeClr val="accent1"/>
+          </a:effectRef>
+          <a:fontRef idx="minor">
+            <a:schemeClr val="tx1"/>
+          </a:fontRef>
+        </p:style>
+      </p:cxnSp>
+      <p:cxnSp>
+        <p:nvCxnSpPr>
+          <p:cNvPr id="21" name="Straight Connector 20"/>
+          <p:cNvCxnSpPr>
+            <a:stCxn id="10" idx="5"/>
+            <a:endCxn id="11" idx="1"/>
+          </p:cNvCxnSpPr>
+          <p:nvPr/>
+        </p:nvCxnSpPr>
+        <p:spPr>
+          <a:xfrm>
+            <a:off x="5123889" y="3752289"/>
+            <a:ext cx="953622" cy="344022"/>
+          </a:xfrm>
+          <a:prstGeom prst="line">
+            <a:avLst/>
+          </a:prstGeom>
+        </p:spPr>
+        <p:style>
+          <a:lnRef idx="1">
+            <a:schemeClr val="accent1"/>
+          </a:lnRef>
+          <a:fillRef idx="0">
+            <a:schemeClr val="accent1"/>
+          </a:fillRef>
+          <a:effectRef idx="0">
+            <a:schemeClr val="accent1"/>
+          </a:effectRef>
+          <a:fontRef idx="minor">
+            <a:schemeClr val="tx1"/>
+          </a:fontRef>
+        </p:style>
+      </p:cxnSp>
+      <p:sp>
+        <p:nvSpPr>
+          <p:cNvPr id="22" name="TextBox 21"/>
+          <p:cNvSpPr txBox="1"/>
+          <p:nvPr/>
+        </p:nvSpPr>
+        <p:spPr>
+          <a:xfrm>
+            <a:off x="1295400" y="5181600"/>
+            <a:ext cx="312906" cy="369332"/>
+          </a:xfrm>
+          <a:prstGeom prst="rect">
+            <a:avLst/>
+          </a:prstGeom>
+          <a:noFill/>
+        </p:spPr>
+        <p:txBody>
+          <a:bodyPr wrap="none" rtlCol="0">
+            <a:spAutoFit/>
+          </a:bodyPr>
+          <a:lstStyle/>
+          <a:p>
+            <a:r>
+              <a:rPr lang="en-US" dirty="0" smtClean="0"/>
+              <a:t>1</a:t>
+            </a:r>
+            <a:endParaRPr lang="en-IN" dirty="0"/>
+          </a:p>
+        </p:txBody>
+      </p:sp>
+      <p:sp>
+        <p:nvSpPr>
+          <p:cNvPr id="23" name="TextBox 22"/>
+          <p:cNvSpPr txBox="1"/>
+          <p:nvPr/>
+        </p:nvSpPr>
+        <p:spPr>
+          <a:xfrm>
+            <a:off x="1981200" y="2590800"/>
+            <a:ext cx="312906" cy="369332"/>
+          </a:xfrm>
+          <a:prstGeom prst="rect">
+            <a:avLst/>
+          </a:prstGeom>
+          <a:noFill/>
+        </p:spPr>
+        <p:txBody>
+          <a:bodyPr wrap="none" rtlCol="0">
+            <a:spAutoFit/>
+          </a:bodyPr>
+          <a:lstStyle/>
+          <a:p>
+            <a:r>
+              <a:rPr lang="en-US" dirty="0" smtClean="0"/>
+              <a:t>2</a:t>
+            </a:r>
+            <a:endParaRPr lang="en-IN" dirty="0"/>
+          </a:p>
+        </p:txBody>
+      </p:sp>
+      <p:sp>
+        <p:nvSpPr>
+          <p:cNvPr id="24" name="TextBox 23"/>
+          <p:cNvSpPr txBox="1"/>
+          <p:nvPr/>
+        </p:nvSpPr>
+        <p:spPr>
+          <a:xfrm>
+            <a:off x="3581400" y="2133600"/>
+            <a:ext cx="312906" cy="369332"/>
+          </a:xfrm>
+          <a:prstGeom prst="rect">
+            <a:avLst/>
+          </a:prstGeom>
+          <a:noFill/>
+        </p:spPr>
+        <p:txBody>
+          <a:bodyPr wrap="none" rtlCol="0">
+            <a:spAutoFit/>
+          </a:bodyPr>
+          <a:lstStyle/>
+          <a:p>
+            <a:r>
+              <a:rPr lang="en-US" dirty="0" smtClean="0"/>
+              <a:t>3</a:t>
+            </a:r>
+            <a:endParaRPr lang="en-IN" dirty="0"/>
+          </a:p>
+        </p:txBody>
+      </p:sp>
+      <p:sp>
+        <p:nvSpPr>
+          <p:cNvPr id="25" name="TextBox 24"/>
+          <p:cNvSpPr txBox="1"/>
+          <p:nvPr/>
+        </p:nvSpPr>
+        <p:spPr>
+          <a:xfrm>
+            <a:off x="4648200" y="3276600"/>
+            <a:ext cx="312906" cy="369332"/>
+          </a:xfrm>
+          <a:prstGeom prst="rect">
+            <a:avLst/>
+          </a:prstGeom>
+          <a:noFill/>
+        </p:spPr>
+        <p:txBody>
+          <a:bodyPr wrap="none" rtlCol="0">
+            <a:spAutoFit/>
+          </a:bodyPr>
+          <a:lstStyle/>
+          <a:p>
+            <a:r>
+              <a:rPr lang="en-US" dirty="0" smtClean="0"/>
+              <a:t>4</a:t>
+            </a:r>
+            <a:endParaRPr lang="en-IN" dirty="0"/>
+          </a:p>
+        </p:txBody>
+      </p:sp>
+      <p:sp>
+        <p:nvSpPr>
+          <p:cNvPr id="26" name="TextBox 25"/>
+          <p:cNvSpPr txBox="1"/>
+          <p:nvPr/>
+        </p:nvSpPr>
+        <p:spPr>
+          <a:xfrm>
+            <a:off x="2819400" y="4191000"/>
+            <a:ext cx="312906" cy="369332"/>
+          </a:xfrm>
+          <a:prstGeom prst="rect">
+            <a:avLst/>
+          </a:prstGeom>
+          <a:noFill/>
+        </p:spPr>
+        <p:txBody>
+          <a:bodyPr wrap="none" rtlCol="0">
+            <a:spAutoFit/>
+          </a:bodyPr>
+          <a:lstStyle/>
+          <a:p>
+            <a:r>
+              <a:rPr lang="en-US" dirty="0" smtClean="0"/>
+              <a:t>5</a:t>
+            </a:r>
+            <a:endParaRPr lang="en-IN" dirty="0"/>
+          </a:p>
+        </p:txBody>
+      </p:sp>
+      <p:sp>
+        <p:nvSpPr>
+          <p:cNvPr id="27" name="TextBox 26"/>
+          <p:cNvSpPr txBox="1"/>
+          <p:nvPr/>
+        </p:nvSpPr>
+        <p:spPr>
+          <a:xfrm>
+            <a:off x="6248400" y="4267200"/>
+            <a:ext cx="312906" cy="369332"/>
+          </a:xfrm>
+          <a:prstGeom prst="rect">
+            <a:avLst/>
+          </a:prstGeom>
+          <a:noFill/>
+        </p:spPr>
+        <p:txBody>
+          <a:bodyPr wrap="none" rtlCol="0">
+            <a:spAutoFit/>
+          </a:bodyPr>
+          <a:lstStyle/>
+          <a:p>
+            <a:r>
+              <a:rPr lang="en-US" dirty="0" smtClean="0"/>
+              <a:t>6</a:t>
+            </a:r>
+            <a:endParaRPr lang="en-IN" dirty="0"/>
+          </a:p>
+        </p:txBody>
+      </p:sp>
+      <p:sp>
+        <p:nvSpPr>
+          <p:cNvPr id="28" name="TextBox 27"/>
+          <p:cNvSpPr txBox="1"/>
+          <p:nvPr/>
+        </p:nvSpPr>
+        <p:spPr>
+          <a:xfrm>
+            <a:off x="5334000" y="5943600"/>
+            <a:ext cx="312906" cy="369332"/>
+          </a:xfrm>
+          <a:prstGeom prst="rect">
+            <a:avLst/>
+          </a:prstGeom>
+          <a:noFill/>
+        </p:spPr>
+        <p:txBody>
+          <a:bodyPr wrap="none" rtlCol="0">
+            <a:spAutoFit/>
+          </a:bodyPr>
+          <a:lstStyle/>
+          <a:p>
+            <a:r>
+              <a:rPr lang="en-US" dirty="0" smtClean="0"/>
+              <a:t>7</a:t>
+            </a:r>
+            <a:endParaRPr lang="en-IN" dirty="0"/>
+          </a:p>
+        </p:txBody>
+      </p:sp>
+      <p:sp>
+        <p:nvSpPr>
+          <p:cNvPr id="32" name="TextBox 31"/>
+          <p:cNvSpPr txBox="1"/>
+          <p:nvPr/>
+        </p:nvSpPr>
+        <p:spPr>
+          <a:xfrm>
+            <a:off x="7924800" y="5791200"/>
+            <a:ext cx="312906" cy="369332"/>
+          </a:xfrm>
+          <a:prstGeom prst="rect">
+            <a:avLst/>
+          </a:prstGeom>
+          <a:noFill/>
+        </p:spPr>
+        <p:txBody>
+          <a:bodyPr wrap="none" rtlCol="0">
+            <a:spAutoFit/>
+          </a:bodyPr>
+          <a:lstStyle/>
+          <a:p>
+            <a:r>
+              <a:rPr lang="en-US" dirty="0" smtClean="0"/>
+              <a:t>8</a:t>
+            </a:r>
+            <a:endParaRPr lang="en-IN" dirty="0"/>
+          </a:p>
+        </p:txBody>
+      </p:sp>
+      <p:sp>
+        <p:nvSpPr>
+          <p:cNvPr id="33" name="TextBox 32"/>
+          <p:cNvSpPr txBox="1"/>
+          <p:nvPr/>
+        </p:nvSpPr>
+        <p:spPr>
+          <a:xfrm>
+            <a:off x="6096000" y="2590800"/>
+            <a:ext cx="312906" cy="369332"/>
+          </a:xfrm>
+          <a:prstGeom prst="rect">
+            <a:avLst/>
+          </a:prstGeom>
+          <a:noFill/>
+        </p:spPr>
+        <p:txBody>
+          <a:bodyPr wrap="none" rtlCol="0">
+            <a:spAutoFit/>
+          </a:bodyPr>
+          <a:lstStyle/>
+          <a:p>
+            <a:r>
+              <a:rPr lang="en-US" dirty="0" smtClean="0"/>
+              <a:t>9</a:t>
+            </a:r>
+            <a:endParaRPr lang="en-IN" dirty="0"/>
+          </a:p>
+        </p:txBody>
+      </p:sp>
+    </p:spTree>
+  </p:cSld>
+  <p:clrMapOvr>
+    <a:masterClrMapping/>
+  </p:clrMapOvr>
+  <p:timing>
+    <p:tnLst>
+      <p:par>
+        <p:cTn id="1" dur="indefinite" restart="never" nodeType="tmRoot">
+          <p:childTnLst>
+            <p:seq concurrent="1" nextAc="seek">
+              <p:cTn id="2" dur="indefinite" nodeType="mainSeq">
+                <p:childTnLst>
+                  <p:par>
+                    <p:cTn id="3" fill="hold">
+                      <p:stCondLst>
+                        <p:cond delay="indefinite"/>
+                      </p:stCondLst>
+                      <p:childTnLst>
+                        <p:par>
+                          <p:cTn id="4" fill="hold">
+                            <p:stCondLst>
+                              <p:cond delay="0"/>
+                            </p:stCondLst>
+                            <p:childTnLst>
+                              <p:par>
+                                <p:cTn id="5" presetID="21" presetClass="emph" presetSubtype="0" fill="hold" grpId="0" nodeType="clickEffect">
+                                  <p:stCondLst>
+                                    <p:cond delay="0"/>
+                                  </p:stCondLst>
+                                  <p:childTnLst>
+                                    <p:animClr clrSpc="hsl">
+                                      <p:cBhvr override="childStyle">
+                                        <p:cTn id="6" dur="500" fill="hold"/>
+                                        <p:tgtEl>
+                                          <p:spTgt spid="9"/>
+                                        </p:tgtEl>
+                                        <p:attrNameLst>
+                                          <p:attrName>style.color</p:attrName>
+                                        </p:attrNameLst>
+                                      </p:cBhvr>
+                                      <p:by>
+                                        <p:hsl h="7200000" s="0" l="0"/>
+                                      </p:by>
+                                    </p:animClr>
+                                    <p:animClr clrSpc="hsl">
+                                      <p:cBhvr>
+                                        <p:cTn id="7" dur="500" fill="hold"/>
+                                        <p:tgtEl>
+                                          <p:spTgt spid="9"/>
+                                        </p:tgtEl>
+                                        <p:attrNameLst>
+                                          <p:attrName>fillcolor</p:attrName>
+                                        </p:attrNameLst>
+                                      </p:cBhvr>
+                                      <p:by>
+                                        <p:hsl h="7200000" s="0" l="0"/>
+                                      </p:by>
+                                    </p:animClr>
+                                    <p:animClr clrSpc="hsl">
+                                      <p:cBhvr>
+                                        <p:cTn id="8" dur="500" fill="hold"/>
+                                        <p:tgtEl>
+                                          <p:spTgt spid="9"/>
+                                        </p:tgtEl>
+                                        <p:attrNameLst>
+                                          <p:attrName>stroke.color</p:attrName>
+                                        </p:attrNameLst>
+                                      </p:cBhvr>
+                                      <p:by>
+                                        <p:hsl h="7200000" s="0" l="0"/>
+                                      </p:by>
+                                    </p:animClr>
+                                    <p:set>
+                                      <p:cBhvr>
+                                        <p:cTn id="9" dur="500" fill="hold"/>
+                                        <p:tgtEl>
+                                          <p:spTgt spid="9"/>
+                                        </p:tgtEl>
+                                        <p:attrNameLst>
+                                          <p:attrName>fill.type</p:attrName>
+                                        </p:attrNameLst>
+                                      </p:cBhvr>
+                                      <p:to>
+                                        <p:strVal val="solid"/>
+                                      </p:to>
+                                    </p:set>
+                                  </p:childTnLst>
+                                </p:cTn>
+                              </p:par>
+                              <p:par>
+                                <p:cTn id="10" presetID="1" presetClass="entr" presetSubtype="0" fill="hold" grpId="0" nodeType="withEffect">
+                                  <p:stCondLst>
+                                    <p:cond delay="0"/>
+                                  </p:stCondLst>
+                                  <p:childTnLst>
+                                    <p:set>
+                                      <p:cBhvr>
+                                        <p:cTn id="11" dur="1" fill="hold">
+                                          <p:stCondLst>
+                                            <p:cond delay="0"/>
+                                          </p:stCondLst>
+                                        </p:cTn>
+                                        <p:tgtEl>
+                                          <p:spTgt spid="22"/>
+                                        </p:tgtEl>
+                                        <p:attrNameLst>
+                                          <p:attrName>style.visibility</p:attrName>
+                                        </p:attrNameLst>
+                                      </p:cBhvr>
+                                      <p:to>
+                                        <p:strVal val="visible"/>
+                                      </p:to>
+                                    </p:set>
+                                  </p:childTnLst>
+                                </p:cTn>
+                              </p:par>
+                            </p:childTnLst>
+                          </p:cTn>
+                        </p:par>
+                      </p:childTnLst>
+                    </p:cTn>
+                  </p:par>
+                  <p:par>
+                    <p:cTn id="12" fill="hold">
+                      <p:stCondLst>
+                        <p:cond delay="indefinite"/>
+                      </p:stCondLst>
+                      <p:childTnLst>
+                        <p:par>
+                          <p:cTn id="13" fill="hold">
+                            <p:stCondLst>
+                              <p:cond delay="0"/>
+                            </p:stCondLst>
+                            <p:childTnLst>
+                              <p:par>
+                                <p:cTn id="14" presetID="21" presetClass="emph" presetSubtype="0" fill="hold" grpId="0" nodeType="clickEffect">
+                                  <p:stCondLst>
+                                    <p:cond delay="0"/>
+                                  </p:stCondLst>
+                                  <p:childTnLst>
+                                    <p:animClr clrSpc="hsl">
+                                      <p:cBhvr override="childStyle">
+                                        <p:cTn id="15" dur="500" fill="hold"/>
+                                        <p:tgtEl>
+                                          <p:spTgt spid="7"/>
+                                        </p:tgtEl>
+                                        <p:attrNameLst>
+                                          <p:attrName>style.color</p:attrName>
+                                        </p:attrNameLst>
+                                      </p:cBhvr>
+                                      <p:by>
+                                        <p:hsl h="7200000" s="0" l="0"/>
+                                      </p:by>
+                                    </p:animClr>
+                                    <p:animClr clrSpc="hsl">
+                                      <p:cBhvr>
+                                        <p:cTn id="16" dur="500" fill="hold"/>
+                                        <p:tgtEl>
+                                          <p:spTgt spid="7"/>
+                                        </p:tgtEl>
+                                        <p:attrNameLst>
+                                          <p:attrName>fillcolor</p:attrName>
+                                        </p:attrNameLst>
+                                      </p:cBhvr>
+                                      <p:by>
+                                        <p:hsl h="7200000" s="0" l="0"/>
+                                      </p:by>
+                                    </p:animClr>
+                                    <p:animClr clrSpc="hsl">
+                                      <p:cBhvr>
+                                        <p:cTn id="17" dur="500" fill="hold"/>
+                                        <p:tgtEl>
+                                          <p:spTgt spid="7"/>
+                                        </p:tgtEl>
+                                        <p:attrNameLst>
+                                          <p:attrName>stroke.color</p:attrName>
+                                        </p:attrNameLst>
+                                      </p:cBhvr>
+                                      <p:by>
+                                        <p:hsl h="7200000" s="0" l="0"/>
+                                      </p:by>
+                                    </p:animClr>
+                                    <p:set>
+                                      <p:cBhvr>
+                                        <p:cTn id="18" dur="500" fill="hold"/>
+                                        <p:tgtEl>
+                                          <p:spTgt spid="7"/>
+                                        </p:tgtEl>
+                                        <p:attrNameLst>
+                                          <p:attrName>fill.type</p:attrName>
+                                        </p:attrNameLst>
+                                      </p:cBhvr>
+                                      <p:to>
+                                        <p:strVal val="solid"/>
+                                      </p:to>
+                                    </p:set>
+                                  </p:childTnLst>
+                                </p:cTn>
+                              </p:par>
+                              <p:par>
+                                <p:cTn id="19" presetID="1" presetClass="entr" presetSubtype="0" fill="hold" grpId="0" nodeType="withEffect">
+                                  <p:stCondLst>
+                                    <p:cond delay="0"/>
+                                  </p:stCondLst>
+                                  <p:childTnLst>
+                                    <p:set>
+                                      <p:cBhvr>
+                                        <p:cTn id="20" dur="1" fill="hold">
+                                          <p:stCondLst>
+                                            <p:cond delay="0"/>
+                                          </p:stCondLst>
+                                        </p:cTn>
+                                        <p:tgtEl>
+                                          <p:spTgt spid="23"/>
+                                        </p:tgtEl>
+                                        <p:attrNameLst>
+                                          <p:attrName>style.visibility</p:attrName>
+                                        </p:attrNameLst>
+                                      </p:cBhvr>
+                                      <p:to>
+                                        <p:strVal val="visible"/>
+                                      </p:to>
+                                    </p:set>
+                                  </p:childTnLst>
+                                </p:cTn>
+                              </p:par>
+                            </p:childTnLst>
+                          </p:cTn>
+                        </p:par>
+                      </p:childTnLst>
+                    </p:cTn>
+                  </p:par>
+                  <p:par>
+                    <p:cTn id="21" fill="hold">
+                      <p:stCondLst>
+                        <p:cond delay="indefinite"/>
+                      </p:stCondLst>
+                      <p:childTnLst>
+                        <p:par>
+                          <p:cTn id="22" fill="hold">
+                            <p:stCondLst>
+                              <p:cond delay="0"/>
+                            </p:stCondLst>
+                            <p:childTnLst>
+                              <p:par>
+                                <p:cTn id="23" presetID="21" presetClass="emph" presetSubtype="0" fill="hold" grpId="0" nodeType="clickEffect">
+                                  <p:stCondLst>
+                                    <p:cond delay="0"/>
+                                  </p:stCondLst>
+                                  <p:childTnLst>
+                                    <p:animClr clrSpc="hsl">
+                                      <p:cBhvr override="childStyle">
+                                        <p:cTn id="24" dur="500" fill="hold"/>
+                                        <p:tgtEl>
+                                          <p:spTgt spid="4"/>
+                                        </p:tgtEl>
+                                        <p:attrNameLst>
+                                          <p:attrName>style.color</p:attrName>
+                                        </p:attrNameLst>
+                                      </p:cBhvr>
+                                      <p:by>
+                                        <p:hsl h="7200000" s="0" l="0"/>
+                                      </p:by>
+                                    </p:animClr>
+                                    <p:animClr clrSpc="hsl">
+                                      <p:cBhvr>
+                                        <p:cTn id="25" dur="500" fill="hold"/>
+                                        <p:tgtEl>
+                                          <p:spTgt spid="4"/>
+                                        </p:tgtEl>
+                                        <p:attrNameLst>
+                                          <p:attrName>fillcolor</p:attrName>
+                                        </p:attrNameLst>
+                                      </p:cBhvr>
+                                      <p:by>
+                                        <p:hsl h="7200000" s="0" l="0"/>
+                                      </p:by>
+                                    </p:animClr>
+                                    <p:animClr clrSpc="hsl">
+                                      <p:cBhvr>
+                                        <p:cTn id="26" dur="500" fill="hold"/>
+                                        <p:tgtEl>
+                                          <p:spTgt spid="4"/>
+                                        </p:tgtEl>
+                                        <p:attrNameLst>
+                                          <p:attrName>stroke.color</p:attrName>
+                                        </p:attrNameLst>
+                                      </p:cBhvr>
+                                      <p:by>
+                                        <p:hsl h="7200000" s="0" l="0"/>
+                                      </p:by>
+                                    </p:animClr>
+                                    <p:set>
+                                      <p:cBhvr>
+                                        <p:cTn id="27" dur="500" fill="hold"/>
+                                        <p:tgtEl>
+                                          <p:spTgt spid="4"/>
+                                        </p:tgtEl>
+                                        <p:attrNameLst>
+                                          <p:attrName>fill.type</p:attrName>
+                                        </p:attrNameLst>
+                                      </p:cBhvr>
+                                      <p:to>
+                                        <p:strVal val="solid"/>
+                                      </p:to>
+                                    </p:set>
+                                  </p:childTnLst>
+                                </p:cTn>
+                              </p:par>
+                              <p:par>
+                                <p:cTn id="28" presetID="1" presetClass="entr" presetSubtype="0" fill="hold" grpId="0" nodeType="withEffect">
+                                  <p:stCondLst>
+                                    <p:cond delay="0"/>
+                                  </p:stCondLst>
+                                  <p:childTnLst>
+                                    <p:set>
+                                      <p:cBhvr>
+                                        <p:cTn id="29" dur="1" fill="hold">
+                                          <p:stCondLst>
+                                            <p:cond delay="0"/>
+                                          </p:stCondLst>
+                                        </p:cTn>
+                                        <p:tgtEl>
+                                          <p:spTgt spid="24"/>
+                                        </p:tgtEl>
+                                        <p:attrNameLst>
+                                          <p:attrName>style.visibility</p:attrName>
+                                        </p:attrNameLst>
+                                      </p:cBhvr>
+                                      <p:to>
+                                        <p:strVal val="visible"/>
+                                      </p:to>
+                                    </p:set>
+                                  </p:childTnLst>
+                                </p:cTn>
+                              </p:par>
+                            </p:childTnLst>
+                          </p:cTn>
+                        </p:par>
+                      </p:childTnLst>
+                    </p:cTn>
+                  </p:par>
+                  <p:par>
+                    <p:cTn id="30" fill="hold">
+                      <p:stCondLst>
+                        <p:cond delay="indefinite"/>
+                      </p:stCondLst>
+                      <p:childTnLst>
+                        <p:par>
+                          <p:cTn id="31" fill="hold">
+                            <p:stCondLst>
+                              <p:cond delay="0"/>
+                            </p:stCondLst>
+                            <p:childTnLst>
+                              <p:par>
+                                <p:cTn id="32" presetID="21" presetClass="emph" presetSubtype="0" fill="hold" grpId="0" nodeType="clickEffect">
+                                  <p:stCondLst>
+                                    <p:cond delay="0"/>
+                                  </p:stCondLst>
+                                  <p:childTnLst>
+                                    <p:animClr clrSpc="hsl">
+                                      <p:cBhvr override="childStyle">
+                                        <p:cTn id="33" dur="500" fill="hold"/>
+                                        <p:tgtEl>
+                                          <p:spTgt spid="10"/>
+                                        </p:tgtEl>
+                                        <p:attrNameLst>
+                                          <p:attrName>style.color</p:attrName>
+                                        </p:attrNameLst>
+                                      </p:cBhvr>
+                                      <p:by>
+                                        <p:hsl h="7200000" s="0" l="0"/>
+                                      </p:by>
+                                    </p:animClr>
+                                    <p:animClr clrSpc="hsl">
+                                      <p:cBhvr>
+                                        <p:cTn id="34" dur="500" fill="hold"/>
+                                        <p:tgtEl>
+                                          <p:spTgt spid="10"/>
+                                        </p:tgtEl>
+                                        <p:attrNameLst>
+                                          <p:attrName>fillcolor</p:attrName>
+                                        </p:attrNameLst>
+                                      </p:cBhvr>
+                                      <p:by>
+                                        <p:hsl h="7200000" s="0" l="0"/>
+                                      </p:by>
+                                    </p:animClr>
+                                    <p:animClr clrSpc="hsl">
+                                      <p:cBhvr>
+                                        <p:cTn id="35" dur="500" fill="hold"/>
+                                        <p:tgtEl>
+                                          <p:spTgt spid="10"/>
+                                        </p:tgtEl>
+                                        <p:attrNameLst>
+                                          <p:attrName>stroke.color</p:attrName>
+                                        </p:attrNameLst>
+                                      </p:cBhvr>
+                                      <p:by>
+                                        <p:hsl h="7200000" s="0" l="0"/>
+                                      </p:by>
+                                    </p:animClr>
+                                    <p:set>
+                                      <p:cBhvr>
+                                        <p:cTn id="36" dur="500" fill="hold"/>
+                                        <p:tgtEl>
+                                          <p:spTgt spid="10"/>
+                                        </p:tgtEl>
+                                        <p:attrNameLst>
+                                          <p:attrName>fill.type</p:attrName>
+                                        </p:attrNameLst>
+                                      </p:cBhvr>
+                                      <p:to>
+                                        <p:strVal val="solid"/>
+                                      </p:to>
+                                    </p:set>
+                                  </p:childTnLst>
+                                </p:cTn>
+                              </p:par>
+                              <p:par>
+                                <p:cTn id="37" presetID="1" presetClass="entr" presetSubtype="0" fill="hold" grpId="0" nodeType="withEffect">
+                                  <p:stCondLst>
+                                    <p:cond delay="0"/>
+                                  </p:stCondLst>
+                                  <p:childTnLst>
+                                    <p:set>
+                                      <p:cBhvr>
+                                        <p:cTn id="38" dur="1" fill="hold">
+                                          <p:stCondLst>
+                                            <p:cond delay="0"/>
+                                          </p:stCondLst>
+                                        </p:cTn>
+                                        <p:tgtEl>
+                                          <p:spTgt spid="25"/>
+                                        </p:tgtEl>
+                                        <p:attrNameLst>
+                                          <p:attrName>style.visibility</p:attrName>
+                                        </p:attrNameLst>
+                                      </p:cBhvr>
+                                      <p:to>
+                                        <p:strVal val="visible"/>
+                                      </p:to>
+                                    </p:set>
+                                  </p:childTnLst>
+                                </p:cTn>
+                              </p:par>
+                            </p:childTnLst>
+                          </p:cTn>
+                        </p:par>
+                      </p:childTnLst>
+                    </p:cTn>
+                  </p:par>
+                  <p:par>
+                    <p:cTn id="39" fill="hold">
+                      <p:stCondLst>
+                        <p:cond delay="indefinite"/>
+                      </p:stCondLst>
+                      <p:childTnLst>
+                        <p:par>
+                          <p:cTn id="40" fill="hold">
+                            <p:stCondLst>
+                              <p:cond delay="0"/>
+                            </p:stCondLst>
+                            <p:childTnLst>
+                              <p:par>
+                                <p:cTn id="41" presetID="21" presetClass="emph" presetSubtype="0" fill="hold" grpId="0" nodeType="clickEffect">
+                                  <p:stCondLst>
+                                    <p:cond delay="0"/>
+                                  </p:stCondLst>
+                                  <p:childTnLst>
+                                    <p:animClr clrSpc="hsl">
+                                      <p:cBhvr override="childStyle">
+                                        <p:cTn id="42" dur="500" fill="hold"/>
+                                        <p:tgtEl>
+                                          <p:spTgt spid="8"/>
+                                        </p:tgtEl>
+                                        <p:attrNameLst>
+                                          <p:attrName>style.color</p:attrName>
+                                        </p:attrNameLst>
+                                      </p:cBhvr>
+                                      <p:by>
+                                        <p:hsl h="7200000" s="0" l="0"/>
+                                      </p:by>
+                                    </p:animClr>
+                                    <p:animClr clrSpc="hsl">
+                                      <p:cBhvr>
+                                        <p:cTn id="43" dur="500" fill="hold"/>
+                                        <p:tgtEl>
+                                          <p:spTgt spid="8"/>
+                                        </p:tgtEl>
+                                        <p:attrNameLst>
+                                          <p:attrName>fillcolor</p:attrName>
+                                        </p:attrNameLst>
+                                      </p:cBhvr>
+                                      <p:by>
+                                        <p:hsl h="7200000" s="0" l="0"/>
+                                      </p:by>
+                                    </p:animClr>
+                                    <p:animClr clrSpc="hsl">
+                                      <p:cBhvr>
+                                        <p:cTn id="44" dur="500" fill="hold"/>
+                                        <p:tgtEl>
+                                          <p:spTgt spid="8"/>
+                                        </p:tgtEl>
+                                        <p:attrNameLst>
+                                          <p:attrName>stroke.color</p:attrName>
+                                        </p:attrNameLst>
+                                      </p:cBhvr>
+                                      <p:by>
+                                        <p:hsl h="7200000" s="0" l="0"/>
+                                      </p:by>
+                                    </p:animClr>
+                                    <p:set>
+                                      <p:cBhvr>
+                                        <p:cTn id="45" dur="500" fill="hold"/>
+                                        <p:tgtEl>
+                                          <p:spTgt spid="8"/>
+                                        </p:tgtEl>
+                                        <p:attrNameLst>
+                                          <p:attrName>fill.type</p:attrName>
+                                        </p:attrNameLst>
+                                      </p:cBhvr>
+                                      <p:to>
+                                        <p:strVal val="solid"/>
+                                      </p:to>
+                                    </p:set>
+                                  </p:childTnLst>
+                                </p:cTn>
+                              </p:par>
+                              <p:par>
+                                <p:cTn id="46" presetID="1" presetClass="entr" presetSubtype="0" fill="hold" grpId="0" nodeType="withEffect">
+                                  <p:stCondLst>
+                                    <p:cond delay="0"/>
+                                  </p:stCondLst>
+                                  <p:childTnLst>
+                                    <p:set>
+                                      <p:cBhvr>
+                                        <p:cTn id="47" dur="1" fill="hold">
+                                          <p:stCondLst>
+                                            <p:cond delay="0"/>
+                                          </p:stCondLst>
+                                        </p:cTn>
+                                        <p:tgtEl>
+                                          <p:spTgt spid="26"/>
+                                        </p:tgtEl>
+                                        <p:attrNameLst>
+                                          <p:attrName>style.visibility</p:attrName>
+                                        </p:attrNameLst>
+                                      </p:cBhvr>
+                                      <p:to>
+                                        <p:strVal val="visible"/>
+                                      </p:to>
+                                    </p:set>
+                                  </p:childTnLst>
+                                </p:cTn>
+                              </p:par>
+                              <p:par>
+                                <p:cTn id="48" presetID="1" presetClass="exit" presetSubtype="0" fill="hold" nodeType="withEffect">
+                                  <p:stCondLst>
+                                    <p:cond delay="0"/>
+                                  </p:stCondLst>
+                                  <p:childTnLst>
+                                    <p:set>
+                                      <p:cBhvr>
+                                        <p:cTn id="49" dur="1" fill="hold">
+                                          <p:stCondLst>
+                                            <p:cond delay="0"/>
+                                          </p:stCondLst>
+                                        </p:cTn>
+                                        <p:tgtEl>
+                                          <p:spTgt spid="14"/>
+                                        </p:tgtEl>
+                                        <p:attrNameLst>
+                                          <p:attrName>style.visibility</p:attrName>
+                                        </p:attrNameLst>
+                                      </p:cBhvr>
+                                      <p:to>
+                                        <p:strVal val="hidden"/>
+                                      </p:to>
+                                    </p:set>
+                                  </p:childTnLst>
+                                </p:cTn>
+                              </p:par>
+                            </p:childTnLst>
+                          </p:cTn>
+                        </p:par>
+                      </p:childTnLst>
+                    </p:cTn>
+                  </p:par>
+                  <p:par>
+                    <p:cTn id="50" fill="hold">
+                      <p:stCondLst>
+                        <p:cond delay="indefinite"/>
+                      </p:stCondLst>
+                      <p:childTnLst>
+                        <p:par>
+                          <p:cTn id="51" fill="hold">
+                            <p:stCondLst>
+                              <p:cond delay="0"/>
+                            </p:stCondLst>
+                            <p:childTnLst>
+                              <p:par>
+                                <p:cTn id="52" presetID="21" presetClass="emph" presetSubtype="0" fill="hold" grpId="1" nodeType="clickEffect">
+                                  <p:stCondLst>
+                                    <p:cond delay="0"/>
+                                  </p:stCondLst>
+                                  <p:childTnLst>
+                                    <p:animClr clrSpc="hsl">
+                                      <p:cBhvr override="childStyle">
+                                        <p:cTn id="53" dur="500" fill="hold"/>
+                                        <p:tgtEl>
+                                          <p:spTgt spid="8"/>
+                                        </p:tgtEl>
+                                        <p:attrNameLst>
+                                          <p:attrName>style.color</p:attrName>
+                                        </p:attrNameLst>
+                                      </p:cBhvr>
+                                      <p:by>
+                                        <p:hsl h="7200000" s="0" l="0"/>
+                                      </p:by>
+                                    </p:animClr>
+                                    <p:animClr clrSpc="hsl">
+                                      <p:cBhvr>
+                                        <p:cTn id="54" dur="500" fill="hold"/>
+                                        <p:tgtEl>
+                                          <p:spTgt spid="8"/>
+                                        </p:tgtEl>
+                                        <p:attrNameLst>
+                                          <p:attrName>fillcolor</p:attrName>
+                                        </p:attrNameLst>
+                                      </p:cBhvr>
+                                      <p:by>
+                                        <p:hsl h="7200000" s="0" l="0"/>
+                                      </p:by>
+                                    </p:animClr>
+                                    <p:animClr clrSpc="hsl">
+                                      <p:cBhvr>
+                                        <p:cTn id="55" dur="500" fill="hold"/>
+                                        <p:tgtEl>
+                                          <p:spTgt spid="8"/>
+                                        </p:tgtEl>
+                                        <p:attrNameLst>
+                                          <p:attrName>stroke.color</p:attrName>
+                                        </p:attrNameLst>
+                                      </p:cBhvr>
+                                      <p:by>
+                                        <p:hsl h="7200000" s="0" l="0"/>
+                                      </p:by>
+                                    </p:animClr>
+                                    <p:set>
+                                      <p:cBhvr>
+                                        <p:cTn id="56" dur="500" fill="hold"/>
+                                        <p:tgtEl>
+                                          <p:spTgt spid="8"/>
+                                        </p:tgtEl>
+                                        <p:attrNameLst>
+                                          <p:attrName>fill.type</p:attrName>
+                                        </p:attrNameLst>
+                                      </p:cBhvr>
+                                      <p:to>
+                                        <p:strVal val="solid"/>
+                                      </p:to>
+                                    </p:set>
+                                  </p:childTnLst>
+                                </p:cTn>
+                              </p:par>
+                            </p:childTnLst>
+                          </p:cTn>
+                        </p:par>
+                      </p:childTnLst>
+                    </p:cTn>
+                  </p:par>
+                  <p:par>
+                    <p:cTn id="57" fill="hold">
+                      <p:stCondLst>
+                        <p:cond delay="indefinite"/>
+                      </p:stCondLst>
+                      <p:childTnLst>
+                        <p:par>
+                          <p:cTn id="58" fill="hold">
+                            <p:stCondLst>
+                              <p:cond delay="0"/>
+                            </p:stCondLst>
+                            <p:childTnLst>
+                              <p:par>
+                                <p:cTn id="59" presetID="21" presetClass="emph" presetSubtype="0" fill="hold" grpId="0" nodeType="clickEffect">
+                                  <p:stCondLst>
+                                    <p:cond delay="0"/>
+                                  </p:stCondLst>
+                                  <p:childTnLst>
+                                    <p:animClr clrSpc="hsl">
+                                      <p:cBhvr override="childStyle">
+                                        <p:cTn id="60" dur="500" fill="hold"/>
+                                        <p:tgtEl>
+                                          <p:spTgt spid="11"/>
+                                        </p:tgtEl>
+                                        <p:attrNameLst>
+                                          <p:attrName>style.color</p:attrName>
+                                        </p:attrNameLst>
+                                      </p:cBhvr>
+                                      <p:by>
+                                        <p:hsl h="7200000" s="0" l="0"/>
+                                      </p:by>
+                                    </p:animClr>
+                                    <p:animClr clrSpc="hsl">
+                                      <p:cBhvr>
+                                        <p:cTn id="61" dur="500" fill="hold"/>
+                                        <p:tgtEl>
+                                          <p:spTgt spid="11"/>
+                                        </p:tgtEl>
+                                        <p:attrNameLst>
+                                          <p:attrName>fillcolor</p:attrName>
+                                        </p:attrNameLst>
+                                      </p:cBhvr>
+                                      <p:by>
+                                        <p:hsl h="7200000" s="0" l="0"/>
+                                      </p:by>
+                                    </p:animClr>
+                                    <p:animClr clrSpc="hsl">
+                                      <p:cBhvr>
+                                        <p:cTn id="62" dur="500" fill="hold"/>
+                                        <p:tgtEl>
+                                          <p:spTgt spid="11"/>
+                                        </p:tgtEl>
+                                        <p:attrNameLst>
+                                          <p:attrName>stroke.color</p:attrName>
+                                        </p:attrNameLst>
+                                      </p:cBhvr>
+                                      <p:by>
+                                        <p:hsl h="7200000" s="0" l="0"/>
+                                      </p:by>
+                                    </p:animClr>
+                                    <p:set>
+                                      <p:cBhvr>
+                                        <p:cTn id="63" dur="500" fill="hold"/>
+                                        <p:tgtEl>
+                                          <p:spTgt spid="11"/>
+                                        </p:tgtEl>
+                                        <p:attrNameLst>
+                                          <p:attrName>fill.type</p:attrName>
+                                        </p:attrNameLst>
+                                      </p:cBhvr>
+                                      <p:to>
+                                        <p:strVal val="solid"/>
+                                      </p:to>
+                                    </p:set>
+                                  </p:childTnLst>
+                                </p:cTn>
+                              </p:par>
+                              <p:par>
+                                <p:cTn id="64" presetID="1" presetClass="entr" presetSubtype="0" fill="hold" grpId="0" nodeType="withEffect">
+                                  <p:stCondLst>
+                                    <p:cond delay="0"/>
+                                  </p:stCondLst>
+                                  <p:childTnLst>
+                                    <p:set>
+                                      <p:cBhvr>
+                                        <p:cTn id="65" dur="1" fill="hold">
+                                          <p:stCondLst>
+                                            <p:cond delay="0"/>
+                                          </p:stCondLst>
+                                        </p:cTn>
+                                        <p:tgtEl>
+                                          <p:spTgt spid="27"/>
+                                        </p:tgtEl>
+                                        <p:attrNameLst>
+                                          <p:attrName>style.visibility</p:attrName>
+                                        </p:attrNameLst>
+                                      </p:cBhvr>
+                                      <p:to>
+                                        <p:strVal val="visible"/>
+                                      </p:to>
+                                    </p:set>
+                                  </p:childTnLst>
+                                </p:cTn>
+                              </p:par>
+                            </p:childTnLst>
+                          </p:cTn>
+                        </p:par>
+                      </p:childTnLst>
+                    </p:cTn>
+                  </p:par>
+                  <p:par>
+                    <p:cTn id="66" fill="hold">
+                      <p:stCondLst>
+                        <p:cond delay="indefinite"/>
+                      </p:stCondLst>
+                      <p:childTnLst>
+                        <p:par>
+                          <p:cTn id="67" fill="hold">
+                            <p:stCondLst>
+                              <p:cond delay="0"/>
+                            </p:stCondLst>
+                            <p:childTnLst>
+                              <p:par>
+                                <p:cTn id="68" presetID="21" presetClass="emph" presetSubtype="0" fill="hold" grpId="0" nodeType="clickEffect">
+                                  <p:stCondLst>
+                                    <p:cond delay="0"/>
+                                  </p:stCondLst>
+                                  <p:childTnLst>
+                                    <p:animClr clrSpc="hsl">
+                                      <p:cBhvr override="childStyle">
+                                        <p:cTn id="69" dur="500" fill="hold"/>
+                                        <p:tgtEl>
+                                          <p:spTgt spid="5"/>
+                                        </p:tgtEl>
+                                        <p:attrNameLst>
+                                          <p:attrName>style.color</p:attrName>
+                                        </p:attrNameLst>
+                                      </p:cBhvr>
+                                      <p:by>
+                                        <p:hsl h="7200000" s="0" l="0"/>
+                                      </p:by>
+                                    </p:animClr>
+                                    <p:animClr clrSpc="hsl">
+                                      <p:cBhvr>
+                                        <p:cTn id="70" dur="500" fill="hold"/>
+                                        <p:tgtEl>
+                                          <p:spTgt spid="5"/>
+                                        </p:tgtEl>
+                                        <p:attrNameLst>
+                                          <p:attrName>fillcolor</p:attrName>
+                                        </p:attrNameLst>
+                                      </p:cBhvr>
+                                      <p:by>
+                                        <p:hsl h="7200000" s="0" l="0"/>
+                                      </p:by>
+                                    </p:animClr>
+                                    <p:animClr clrSpc="hsl">
+                                      <p:cBhvr>
+                                        <p:cTn id="71" dur="500" fill="hold"/>
+                                        <p:tgtEl>
+                                          <p:spTgt spid="5"/>
+                                        </p:tgtEl>
+                                        <p:attrNameLst>
+                                          <p:attrName>stroke.color</p:attrName>
+                                        </p:attrNameLst>
+                                      </p:cBhvr>
+                                      <p:by>
+                                        <p:hsl h="7200000" s="0" l="0"/>
+                                      </p:by>
+                                    </p:animClr>
+                                    <p:set>
+                                      <p:cBhvr>
+                                        <p:cTn id="72" dur="500" fill="hold"/>
+                                        <p:tgtEl>
+                                          <p:spTgt spid="5"/>
+                                        </p:tgtEl>
+                                        <p:attrNameLst>
+                                          <p:attrName>fill.type</p:attrName>
+                                        </p:attrNameLst>
+                                      </p:cBhvr>
+                                      <p:to>
+                                        <p:strVal val="solid"/>
+                                      </p:to>
+                                    </p:set>
+                                  </p:childTnLst>
+                                </p:cTn>
+                              </p:par>
+                              <p:par>
+                                <p:cTn id="73" presetID="1" presetClass="entr" presetSubtype="0" fill="hold" grpId="0" nodeType="withEffect">
+                                  <p:stCondLst>
+                                    <p:cond delay="0"/>
+                                  </p:stCondLst>
+                                  <p:childTnLst>
+                                    <p:set>
+                                      <p:cBhvr>
+                                        <p:cTn id="74" dur="1" fill="hold">
+                                          <p:stCondLst>
+                                            <p:cond delay="0"/>
+                                          </p:stCondLst>
+                                        </p:cTn>
+                                        <p:tgtEl>
+                                          <p:spTgt spid="28"/>
+                                        </p:tgtEl>
+                                        <p:attrNameLst>
+                                          <p:attrName>style.visibility</p:attrName>
+                                        </p:attrNameLst>
+                                      </p:cBhvr>
+                                      <p:to>
+                                        <p:strVal val="visible"/>
+                                      </p:to>
+                                    </p:set>
+                                  </p:childTnLst>
+                                </p:cTn>
+                              </p:par>
+                            </p:childTnLst>
+                          </p:cTn>
+                        </p:par>
+                      </p:childTnLst>
+                    </p:cTn>
+                  </p:par>
+                  <p:par>
+                    <p:cTn id="75" fill="hold">
+                      <p:stCondLst>
+                        <p:cond delay="indefinite"/>
+                      </p:stCondLst>
+                      <p:childTnLst>
+                        <p:par>
+                          <p:cTn id="76" fill="hold">
+                            <p:stCondLst>
+                              <p:cond delay="0"/>
+                            </p:stCondLst>
+                            <p:childTnLst>
+                              <p:par>
+                                <p:cTn id="77" presetID="21" presetClass="emph" presetSubtype="0" fill="hold" grpId="0" nodeType="clickEffect">
+                                  <p:stCondLst>
+                                    <p:cond delay="0"/>
+                                  </p:stCondLst>
+                                  <p:childTnLst>
+                                    <p:animClr clrSpc="hsl">
+                                      <p:cBhvr override="childStyle">
+                                        <p:cTn id="78" dur="500" fill="hold"/>
+                                        <p:tgtEl>
+                                          <p:spTgt spid="6"/>
+                                        </p:tgtEl>
+                                        <p:attrNameLst>
+                                          <p:attrName>style.color</p:attrName>
+                                        </p:attrNameLst>
+                                      </p:cBhvr>
+                                      <p:by>
+                                        <p:hsl h="7200000" s="0" l="0"/>
+                                      </p:by>
+                                    </p:animClr>
+                                    <p:animClr clrSpc="hsl">
+                                      <p:cBhvr>
+                                        <p:cTn id="79" dur="500" fill="hold"/>
+                                        <p:tgtEl>
+                                          <p:spTgt spid="6"/>
+                                        </p:tgtEl>
+                                        <p:attrNameLst>
+                                          <p:attrName>fillcolor</p:attrName>
+                                        </p:attrNameLst>
+                                      </p:cBhvr>
+                                      <p:by>
+                                        <p:hsl h="7200000" s="0" l="0"/>
+                                      </p:by>
+                                    </p:animClr>
+                                    <p:animClr clrSpc="hsl">
+                                      <p:cBhvr>
+                                        <p:cTn id="80" dur="500" fill="hold"/>
+                                        <p:tgtEl>
+                                          <p:spTgt spid="6"/>
+                                        </p:tgtEl>
+                                        <p:attrNameLst>
+                                          <p:attrName>stroke.color</p:attrName>
+                                        </p:attrNameLst>
+                                      </p:cBhvr>
+                                      <p:by>
+                                        <p:hsl h="7200000" s="0" l="0"/>
+                                      </p:by>
+                                    </p:animClr>
+                                    <p:set>
+                                      <p:cBhvr>
+                                        <p:cTn id="81" dur="500" fill="hold"/>
+                                        <p:tgtEl>
+                                          <p:spTgt spid="6"/>
+                                        </p:tgtEl>
+                                        <p:attrNameLst>
+                                          <p:attrName>fill.type</p:attrName>
+                                        </p:attrNameLst>
+                                      </p:cBhvr>
+                                      <p:to>
+                                        <p:strVal val="solid"/>
+                                      </p:to>
+                                    </p:set>
+                                  </p:childTnLst>
+                                </p:cTn>
+                              </p:par>
+                              <p:par>
+                                <p:cTn id="82" presetID="1" presetClass="entr" presetSubtype="0" fill="hold" grpId="0" nodeType="withEffect">
+                                  <p:stCondLst>
+                                    <p:cond delay="0"/>
+                                  </p:stCondLst>
+                                  <p:childTnLst>
+                                    <p:set>
+                                      <p:cBhvr>
+                                        <p:cTn id="83" dur="1" fill="hold">
+                                          <p:stCondLst>
+                                            <p:cond delay="0"/>
+                                          </p:stCondLst>
+                                        </p:cTn>
+                                        <p:tgtEl>
+                                          <p:spTgt spid="32"/>
+                                        </p:tgtEl>
+                                        <p:attrNameLst>
+                                          <p:attrName>style.visibility</p:attrName>
+                                        </p:attrNameLst>
+                                      </p:cBhvr>
+                                      <p:to>
+                                        <p:strVal val="visible"/>
+                                      </p:to>
+                                    </p:set>
+                                  </p:childTnLst>
+                                </p:cTn>
+                              </p:par>
+                            </p:childTnLst>
+                          </p:cTn>
+                        </p:par>
+                      </p:childTnLst>
+                    </p:cTn>
+                  </p:par>
+                  <p:par>
+                    <p:cTn id="84" fill="hold">
+                      <p:stCondLst>
+                        <p:cond delay="indefinite"/>
+                      </p:stCondLst>
+                      <p:childTnLst>
+                        <p:par>
+                          <p:cTn id="85" fill="hold">
+                            <p:stCondLst>
+                              <p:cond delay="0"/>
+                            </p:stCondLst>
+                            <p:childTnLst>
+                              <p:par>
+                                <p:cTn id="86" presetID="21" presetClass="emph" presetSubtype="0" fill="hold" grpId="1" nodeType="clickEffect">
+                                  <p:stCondLst>
+                                    <p:cond delay="0"/>
+                                  </p:stCondLst>
+                                  <p:childTnLst>
+                                    <p:animClr clrSpc="hsl">
+                                      <p:cBhvr override="childStyle">
+                                        <p:cTn id="87" dur="500" fill="hold"/>
+                                        <p:tgtEl>
+                                          <p:spTgt spid="6"/>
+                                        </p:tgtEl>
+                                        <p:attrNameLst>
+                                          <p:attrName>style.color</p:attrName>
+                                        </p:attrNameLst>
+                                      </p:cBhvr>
+                                      <p:by>
+                                        <p:hsl h="7200000" s="0" l="0"/>
+                                      </p:by>
+                                    </p:animClr>
+                                    <p:animClr clrSpc="hsl">
+                                      <p:cBhvr>
+                                        <p:cTn id="88" dur="500" fill="hold"/>
+                                        <p:tgtEl>
+                                          <p:spTgt spid="6"/>
+                                        </p:tgtEl>
+                                        <p:attrNameLst>
+                                          <p:attrName>fillcolor</p:attrName>
+                                        </p:attrNameLst>
+                                      </p:cBhvr>
+                                      <p:by>
+                                        <p:hsl h="7200000" s="0" l="0"/>
+                                      </p:by>
+                                    </p:animClr>
+                                    <p:animClr clrSpc="hsl">
+                                      <p:cBhvr>
+                                        <p:cTn id="89" dur="500" fill="hold"/>
+                                        <p:tgtEl>
+                                          <p:spTgt spid="6"/>
+                                        </p:tgtEl>
+                                        <p:attrNameLst>
+                                          <p:attrName>stroke.color</p:attrName>
+                                        </p:attrNameLst>
+                                      </p:cBhvr>
+                                      <p:by>
+                                        <p:hsl h="7200000" s="0" l="0"/>
+                                      </p:by>
+                                    </p:animClr>
+                                    <p:set>
+                                      <p:cBhvr>
+                                        <p:cTn id="90" dur="500" fill="hold"/>
+                                        <p:tgtEl>
+                                          <p:spTgt spid="6"/>
+                                        </p:tgtEl>
+                                        <p:attrNameLst>
+                                          <p:attrName>fill.type</p:attrName>
+                                        </p:attrNameLst>
+                                      </p:cBhvr>
+                                      <p:to>
+                                        <p:strVal val="solid"/>
+                                      </p:to>
+                                    </p:set>
+                                  </p:childTnLst>
+                                </p:cTn>
+                              </p:par>
+                            </p:childTnLst>
+                          </p:cTn>
+                        </p:par>
+                      </p:childTnLst>
+                    </p:cTn>
+                  </p:par>
+                  <p:par>
+                    <p:cTn id="91" fill="hold">
+                      <p:stCondLst>
+                        <p:cond delay="indefinite"/>
+                      </p:stCondLst>
+                      <p:childTnLst>
+                        <p:par>
+                          <p:cTn id="92" fill="hold">
+                            <p:stCondLst>
+                              <p:cond delay="0"/>
+                            </p:stCondLst>
+                            <p:childTnLst>
+                              <p:par>
+                                <p:cTn id="93" presetID="21" presetClass="emph" presetSubtype="0" fill="hold" grpId="1" nodeType="clickEffect">
+                                  <p:stCondLst>
+                                    <p:cond delay="0"/>
+                                  </p:stCondLst>
+                                  <p:childTnLst>
+                                    <p:animClr clrSpc="hsl">
+                                      <p:cBhvr override="childStyle">
+                                        <p:cTn id="94" dur="500" fill="hold"/>
+                                        <p:tgtEl>
+                                          <p:spTgt spid="5"/>
+                                        </p:tgtEl>
+                                        <p:attrNameLst>
+                                          <p:attrName>style.color</p:attrName>
+                                        </p:attrNameLst>
+                                      </p:cBhvr>
+                                      <p:by>
+                                        <p:hsl h="7200000" s="0" l="0"/>
+                                      </p:by>
+                                    </p:animClr>
+                                    <p:animClr clrSpc="hsl">
+                                      <p:cBhvr>
+                                        <p:cTn id="95" dur="500" fill="hold"/>
+                                        <p:tgtEl>
+                                          <p:spTgt spid="5"/>
+                                        </p:tgtEl>
+                                        <p:attrNameLst>
+                                          <p:attrName>fillcolor</p:attrName>
+                                        </p:attrNameLst>
+                                      </p:cBhvr>
+                                      <p:by>
+                                        <p:hsl h="7200000" s="0" l="0"/>
+                                      </p:by>
+                                    </p:animClr>
+                                    <p:animClr clrSpc="hsl">
+                                      <p:cBhvr>
+                                        <p:cTn id="96" dur="500" fill="hold"/>
+                                        <p:tgtEl>
+                                          <p:spTgt spid="5"/>
+                                        </p:tgtEl>
+                                        <p:attrNameLst>
+                                          <p:attrName>stroke.color</p:attrName>
+                                        </p:attrNameLst>
+                                      </p:cBhvr>
+                                      <p:by>
+                                        <p:hsl h="7200000" s="0" l="0"/>
+                                      </p:by>
+                                    </p:animClr>
+                                    <p:set>
+                                      <p:cBhvr>
+                                        <p:cTn id="97" dur="500" fill="hold"/>
+                                        <p:tgtEl>
+                                          <p:spTgt spid="5"/>
+                                        </p:tgtEl>
+                                        <p:attrNameLst>
+                                          <p:attrName>fill.type</p:attrName>
+                                        </p:attrNameLst>
+                                      </p:cBhvr>
+                                      <p:to>
+                                        <p:strVal val="solid"/>
+                                      </p:to>
+                                    </p:set>
+                                  </p:childTnLst>
+                                </p:cTn>
+                              </p:par>
+                            </p:childTnLst>
+                          </p:cTn>
+                        </p:par>
+                      </p:childTnLst>
+                    </p:cTn>
+                  </p:par>
+                  <p:par>
+                    <p:cTn id="98" fill="hold">
+                      <p:stCondLst>
+                        <p:cond delay="indefinite"/>
+                      </p:stCondLst>
+                      <p:childTnLst>
+                        <p:par>
+                          <p:cTn id="99" fill="hold">
+                            <p:stCondLst>
+                              <p:cond delay="0"/>
+                            </p:stCondLst>
+                            <p:childTnLst>
+                              <p:par>
+                                <p:cTn id="100" presetID="21" presetClass="emph" presetSubtype="0" fill="hold" grpId="1" nodeType="clickEffect">
+                                  <p:stCondLst>
+                                    <p:cond delay="0"/>
+                                  </p:stCondLst>
+                                  <p:childTnLst>
+                                    <p:animClr clrSpc="hsl">
+                                      <p:cBhvr override="childStyle">
+                                        <p:cTn id="101" dur="500" fill="hold"/>
+                                        <p:tgtEl>
+                                          <p:spTgt spid="11"/>
+                                        </p:tgtEl>
+                                        <p:attrNameLst>
+                                          <p:attrName>style.color</p:attrName>
+                                        </p:attrNameLst>
+                                      </p:cBhvr>
+                                      <p:by>
+                                        <p:hsl h="7200000" s="0" l="0"/>
+                                      </p:by>
+                                    </p:animClr>
+                                    <p:animClr clrSpc="hsl">
+                                      <p:cBhvr>
+                                        <p:cTn id="102" dur="500" fill="hold"/>
+                                        <p:tgtEl>
+                                          <p:spTgt spid="11"/>
+                                        </p:tgtEl>
+                                        <p:attrNameLst>
+                                          <p:attrName>fillcolor</p:attrName>
+                                        </p:attrNameLst>
+                                      </p:cBhvr>
+                                      <p:by>
+                                        <p:hsl h="7200000" s="0" l="0"/>
+                                      </p:by>
+                                    </p:animClr>
+                                    <p:animClr clrSpc="hsl">
+                                      <p:cBhvr>
+                                        <p:cTn id="103" dur="500" fill="hold"/>
+                                        <p:tgtEl>
+                                          <p:spTgt spid="11"/>
+                                        </p:tgtEl>
+                                        <p:attrNameLst>
+                                          <p:attrName>stroke.color</p:attrName>
+                                        </p:attrNameLst>
+                                      </p:cBhvr>
+                                      <p:by>
+                                        <p:hsl h="7200000" s="0" l="0"/>
+                                      </p:by>
+                                    </p:animClr>
+                                    <p:set>
+                                      <p:cBhvr>
+                                        <p:cTn id="104" dur="500" fill="hold"/>
+                                        <p:tgtEl>
+                                          <p:spTgt spid="11"/>
+                                        </p:tgtEl>
+                                        <p:attrNameLst>
+                                          <p:attrName>fill.type</p:attrName>
+                                        </p:attrNameLst>
+                                      </p:cBhvr>
+                                      <p:to>
+                                        <p:strVal val="solid"/>
+                                      </p:to>
+                                    </p:set>
+                                  </p:childTnLst>
+                                </p:cTn>
+                              </p:par>
+                            </p:childTnLst>
+                          </p:cTn>
+                        </p:par>
+                      </p:childTnLst>
+                    </p:cTn>
+                  </p:par>
+                  <p:par>
+                    <p:cTn id="105" fill="hold">
+                      <p:stCondLst>
+                        <p:cond delay="indefinite"/>
+                      </p:stCondLst>
+                      <p:childTnLst>
+                        <p:par>
+                          <p:cTn id="106" fill="hold">
+                            <p:stCondLst>
+                              <p:cond delay="0"/>
+                            </p:stCondLst>
+                            <p:childTnLst>
+                              <p:par>
+                                <p:cTn id="107" presetID="21" presetClass="emph" presetSubtype="0" fill="hold" grpId="0" nodeType="clickEffect">
+                                  <p:stCondLst>
+                                    <p:cond delay="0"/>
+                                  </p:stCondLst>
+                                  <p:childTnLst>
+                                    <p:animClr clrSpc="hsl">
+                                      <p:cBhvr override="childStyle">
+                                        <p:cTn id="108" dur="500" fill="hold"/>
+                                        <p:tgtEl>
+                                          <p:spTgt spid="12"/>
+                                        </p:tgtEl>
+                                        <p:attrNameLst>
+                                          <p:attrName>style.color</p:attrName>
+                                        </p:attrNameLst>
+                                      </p:cBhvr>
+                                      <p:by>
+                                        <p:hsl h="7200000" s="0" l="0"/>
+                                      </p:by>
+                                    </p:animClr>
+                                    <p:animClr clrSpc="hsl">
+                                      <p:cBhvr>
+                                        <p:cTn id="109" dur="500" fill="hold"/>
+                                        <p:tgtEl>
+                                          <p:spTgt spid="12"/>
+                                        </p:tgtEl>
+                                        <p:attrNameLst>
+                                          <p:attrName>fillcolor</p:attrName>
+                                        </p:attrNameLst>
+                                      </p:cBhvr>
+                                      <p:by>
+                                        <p:hsl h="7200000" s="0" l="0"/>
+                                      </p:by>
+                                    </p:animClr>
+                                    <p:animClr clrSpc="hsl">
+                                      <p:cBhvr>
+                                        <p:cTn id="110" dur="500" fill="hold"/>
+                                        <p:tgtEl>
+                                          <p:spTgt spid="12"/>
+                                        </p:tgtEl>
+                                        <p:attrNameLst>
+                                          <p:attrName>stroke.color</p:attrName>
+                                        </p:attrNameLst>
+                                      </p:cBhvr>
+                                      <p:by>
+                                        <p:hsl h="7200000" s="0" l="0"/>
+                                      </p:by>
+                                    </p:animClr>
+                                    <p:set>
+                                      <p:cBhvr>
+                                        <p:cTn id="111" dur="500" fill="hold"/>
+                                        <p:tgtEl>
+                                          <p:spTgt spid="12"/>
+                                        </p:tgtEl>
+                                        <p:attrNameLst>
+                                          <p:attrName>fill.type</p:attrName>
+                                        </p:attrNameLst>
+                                      </p:cBhvr>
+                                      <p:to>
+                                        <p:strVal val="solid"/>
+                                      </p:to>
+                                    </p:set>
+                                  </p:childTnLst>
+                                </p:cTn>
+                              </p:par>
+                              <p:par>
+                                <p:cTn id="112" presetID="1" presetClass="entr" presetSubtype="0" fill="hold" grpId="0" nodeType="withEffect">
+                                  <p:stCondLst>
+                                    <p:cond delay="0"/>
+                                  </p:stCondLst>
+                                  <p:childTnLst>
+                                    <p:set>
+                                      <p:cBhvr>
+                                        <p:cTn id="113" dur="1" fill="hold">
+                                          <p:stCondLst>
+                                            <p:cond delay="0"/>
+                                          </p:stCondLst>
+                                        </p:cTn>
+                                        <p:tgtEl>
+                                          <p:spTgt spid="33"/>
+                                        </p:tgtEl>
+                                        <p:attrNameLst>
+                                          <p:attrName>style.visibility</p:attrName>
+                                        </p:attrNameLst>
+                                      </p:cBhvr>
+                                      <p:to>
+                                        <p:strVal val="visible"/>
+                                      </p:to>
+                                    </p:set>
+                                  </p:childTnLst>
+                                </p:cTn>
+                              </p:par>
+                            </p:childTnLst>
+                          </p:cTn>
+                        </p:par>
+                      </p:childTnLst>
+                    </p:cTn>
+                  </p:par>
+                  <p:par>
+                    <p:cTn id="114" fill="hold">
+                      <p:stCondLst>
+                        <p:cond delay="indefinite"/>
+                      </p:stCondLst>
+                      <p:childTnLst>
+                        <p:par>
+                          <p:cTn id="115" fill="hold">
+                            <p:stCondLst>
+                              <p:cond delay="0"/>
+                            </p:stCondLst>
+                            <p:childTnLst>
+                              <p:par>
+                                <p:cTn id="116" presetID="21" presetClass="emph" presetSubtype="0" fill="hold" grpId="1" nodeType="clickEffect">
+                                  <p:stCondLst>
+                                    <p:cond delay="0"/>
+                                  </p:stCondLst>
+                                  <p:childTnLst>
+                                    <p:animClr clrSpc="hsl">
+                                      <p:cBhvr override="childStyle">
+                                        <p:cTn id="117" dur="500" fill="hold"/>
+                                        <p:tgtEl>
+                                          <p:spTgt spid="12"/>
+                                        </p:tgtEl>
+                                        <p:attrNameLst>
+                                          <p:attrName>style.color</p:attrName>
+                                        </p:attrNameLst>
+                                      </p:cBhvr>
+                                      <p:by>
+                                        <p:hsl h="7200000" s="0" l="0"/>
+                                      </p:by>
+                                    </p:animClr>
+                                    <p:animClr clrSpc="hsl">
+                                      <p:cBhvr>
+                                        <p:cTn id="118" dur="500" fill="hold"/>
+                                        <p:tgtEl>
+                                          <p:spTgt spid="12"/>
+                                        </p:tgtEl>
+                                        <p:attrNameLst>
+                                          <p:attrName>fillcolor</p:attrName>
+                                        </p:attrNameLst>
+                                      </p:cBhvr>
+                                      <p:by>
+                                        <p:hsl h="7200000" s="0" l="0"/>
+                                      </p:by>
+                                    </p:animClr>
+                                    <p:animClr clrSpc="hsl">
+                                      <p:cBhvr>
+                                        <p:cTn id="119" dur="500" fill="hold"/>
+                                        <p:tgtEl>
+                                          <p:spTgt spid="12"/>
+                                        </p:tgtEl>
+                                        <p:attrNameLst>
+                                          <p:attrName>stroke.color</p:attrName>
+                                        </p:attrNameLst>
+                                      </p:cBhvr>
+                                      <p:by>
+                                        <p:hsl h="7200000" s="0" l="0"/>
+                                      </p:by>
+                                    </p:animClr>
+                                    <p:set>
+                                      <p:cBhvr>
+                                        <p:cTn id="120" dur="500" fill="hold"/>
+                                        <p:tgtEl>
+                                          <p:spTgt spid="12"/>
+                                        </p:tgtEl>
+                                        <p:attrNameLst>
+                                          <p:attrName>fill.type</p:attrName>
+                                        </p:attrNameLst>
+                                      </p:cBhvr>
+                                      <p:to>
+                                        <p:strVal val="solid"/>
+                                      </p:to>
+                                    </p:set>
+                                  </p:childTnLst>
+                                </p:cTn>
+                              </p:par>
+                            </p:childTnLst>
+                          </p:cTn>
+                        </p:par>
+                      </p:childTnLst>
+                    </p:cTn>
+                  </p:par>
+                  <p:par>
+                    <p:cTn id="121" fill="hold">
+                      <p:stCondLst>
+                        <p:cond delay="indefinite"/>
+                      </p:stCondLst>
+                      <p:childTnLst>
+                        <p:par>
+                          <p:cTn id="122" fill="hold">
+                            <p:stCondLst>
+                              <p:cond delay="0"/>
+                            </p:stCondLst>
+                            <p:childTnLst>
+                              <p:par>
+                                <p:cTn id="123" presetID="21" presetClass="emph" presetSubtype="0" fill="hold" grpId="1" nodeType="clickEffect">
+                                  <p:stCondLst>
+                                    <p:cond delay="0"/>
+                                  </p:stCondLst>
+                                  <p:childTnLst>
+                                    <p:animClr clrSpc="hsl">
+                                      <p:cBhvr override="childStyle">
+                                        <p:cTn id="124" dur="500" fill="hold"/>
+                                        <p:tgtEl>
+                                          <p:spTgt spid="10"/>
+                                        </p:tgtEl>
+                                        <p:attrNameLst>
+                                          <p:attrName>style.color</p:attrName>
+                                        </p:attrNameLst>
+                                      </p:cBhvr>
+                                      <p:by>
+                                        <p:hsl h="7200000" s="0" l="0"/>
+                                      </p:by>
+                                    </p:animClr>
+                                    <p:animClr clrSpc="hsl">
+                                      <p:cBhvr>
+                                        <p:cTn id="125" dur="500" fill="hold"/>
+                                        <p:tgtEl>
+                                          <p:spTgt spid="10"/>
+                                        </p:tgtEl>
+                                        <p:attrNameLst>
+                                          <p:attrName>fillcolor</p:attrName>
+                                        </p:attrNameLst>
+                                      </p:cBhvr>
+                                      <p:by>
+                                        <p:hsl h="7200000" s="0" l="0"/>
+                                      </p:by>
+                                    </p:animClr>
+                                    <p:animClr clrSpc="hsl">
+                                      <p:cBhvr>
+                                        <p:cTn id="126" dur="500" fill="hold"/>
+                                        <p:tgtEl>
+                                          <p:spTgt spid="10"/>
+                                        </p:tgtEl>
+                                        <p:attrNameLst>
+                                          <p:attrName>stroke.color</p:attrName>
+                                        </p:attrNameLst>
+                                      </p:cBhvr>
+                                      <p:by>
+                                        <p:hsl h="7200000" s="0" l="0"/>
+                                      </p:by>
+                                    </p:animClr>
+                                    <p:set>
+                                      <p:cBhvr>
+                                        <p:cTn id="127" dur="500" fill="hold"/>
+                                        <p:tgtEl>
+                                          <p:spTgt spid="10"/>
+                                        </p:tgtEl>
+                                        <p:attrNameLst>
+                                          <p:attrName>fill.type</p:attrName>
+                                        </p:attrNameLst>
+                                      </p:cBhvr>
+                                      <p:to>
+                                        <p:strVal val="solid"/>
+                                      </p:to>
+                                    </p:set>
+                                  </p:childTnLst>
+                                </p:cTn>
+                              </p:par>
+                            </p:childTnLst>
+                          </p:cTn>
+                        </p:par>
+                      </p:childTnLst>
+                    </p:cTn>
+                  </p:par>
+                  <p:par>
+                    <p:cTn id="128" fill="hold">
+                      <p:stCondLst>
+                        <p:cond delay="indefinite"/>
+                      </p:stCondLst>
+                      <p:childTnLst>
+                        <p:par>
+                          <p:cTn id="129" fill="hold">
+                            <p:stCondLst>
+                              <p:cond delay="0"/>
+                            </p:stCondLst>
+                            <p:childTnLst>
+                              <p:par>
+                                <p:cTn id="130" presetID="21" presetClass="emph" presetSubtype="0" fill="hold" grpId="1" nodeType="clickEffect">
+                                  <p:stCondLst>
+                                    <p:cond delay="0"/>
+                                  </p:stCondLst>
+                                  <p:childTnLst>
+                                    <p:animClr clrSpc="hsl">
+                                      <p:cBhvr override="childStyle">
+                                        <p:cTn id="131" dur="500" fill="hold"/>
+                                        <p:tgtEl>
+                                          <p:spTgt spid="4"/>
+                                        </p:tgtEl>
+                                        <p:attrNameLst>
+                                          <p:attrName>style.color</p:attrName>
+                                        </p:attrNameLst>
+                                      </p:cBhvr>
+                                      <p:by>
+                                        <p:hsl h="7200000" s="0" l="0"/>
+                                      </p:by>
+                                    </p:animClr>
+                                    <p:animClr clrSpc="hsl">
+                                      <p:cBhvr>
+                                        <p:cTn id="132" dur="500" fill="hold"/>
+                                        <p:tgtEl>
+                                          <p:spTgt spid="4"/>
+                                        </p:tgtEl>
+                                        <p:attrNameLst>
+                                          <p:attrName>fillcolor</p:attrName>
+                                        </p:attrNameLst>
+                                      </p:cBhvr>
+                                      <p:by>
+                                        <p:hsl h="7200000" s="0" l="0"/>
+                                      </p:by>
+                                    </p:animClr>
+                                    <p:animClr clrSpc="hsl">
+                                      <p:cBhvr>
+                                        <p:cTn id="133" dur="500" fill="hold"/>
+                                        <p:tgtEl>
+                                          <p:spTgt spid="4"/>
+                                        </p:tgtEl>
+                                        <p:attrNameLst>
+                                          <p:attrName>stroke.color</p:attrName>
+                                        </p:attrNameLst>
+                                      </p:cBhvr>
+                                      <p:by>
+                                        <p:hsl h="7200000" s="0" l="0"/>
+                                      </p:by>
+                                    </p:animClr>
+                                    <p:set>
+                                      <p:cBhvr>
+                                        <p:cTn id="134" dur="500" fill="hold"/>
+                                        <p:tgtEl>
+                                          <p:spTgt spid="4"/>
+                                        </p:tgtEl>
+                                        <p:attrNameLst>
+                                          <p:attrName>fill.type</p:attrName>
+                                        </p:attrNameLst>
+                                      </p:cBhvr>
+                                      <p:to>
+                                        <p:strVal val="solid"/>
+                                      </p:to>
+                                    </p:set>
+                                  </p:childTnLst>
+                                </p:cTn>
+                              </p:par>
+                            </p:childTnLst>
+                          </p:cTn>
+                        </p:par>
+                      </p:childTnLst>
+                    </p:cTn>
+                  </p:par>
+                  <p:par>
+                    <p:cTn id="135" fill="hold">
+                      <p:stCondLst>
+                        <p:cond delay="indefinite"/>
+                      </p:stCondLst>
+                      <p:childTnLst>
+                        <p:par>
+                          <p:cTn id="136" fill="hold">
+                            <p:stCondLst>
+                              <p:cond delay="0"/>
+                            </p:stCondLst>
+                            <p:childTnLst>
+                              <p:par>
+                                <p:cTn id="137" presetID="21" presetClass="emph" presetSubtype="0" fill="hold" grpId="1" nodeType="clickEffect">
+                                  <p:stCondLst>
+                                    <p:cond delay="0"/>
+                                  </p:stCondLst>
+                                  <p:childTnLst>
+                                    <p:animClr clrSpc="hsl">
+                                      <p:cBhvr override="childStyle">
+                                        <p:cTn id="138" dur="500" fill="hold"/>
+                                        <p:tgtEl>
+                                          <p:spTgt spid="7"/>
+                                        </p:tgtEl>
+                                        <p:attrNameLst>
+                                          <p:attrName>style.color</p:attrName>
+                                        </p:attrNameLst>
+                                      </p:cBhvr>
+                                      <p:by>
+                                        <p:hsl h="7200000" s="0" l="0"/>
+                                      </p:by>
+                                    </p:animClr>
+                                    <p:animClr clrSpc="hsl">
+                                      <p:cBhvr>
+                                        <p:cTn id="139" dur="500" fill="hold"/>
+                                        <p:tgtEl>
+                                          <p:spTgt spid="7"/>
+                                        </p:tgtEl>
+                                        <p:attrNameLst>
+                                          <p:attrName>fillcolor</p:attrName>
+                                        </p:attrNameLst>
+                                      </p:cBhvr>
+                                      <p:by>
+                                        <p:hsl h="7200000" s="0" l="0"/>
+                                      </p:by>
+                                    </p:animClr>
+                                    <p:animClr clrSpc="hsl">
+                                      <p:cBhvr>
+                                        <p:cTn id="140" dur="500" fill="hold"/>
+                                        <p:tgtEl>
+                                          <p:spTgt spid="7"/>
+                                        </p:tgtEl>
+                                        <p:attrNameLst>
+                                          <p:attrName>stroke.color</p:attrName>
+                                        </p:attrNameLst>
+                                      </p:cBhvr>
+                                      <p:by>
+                                        <p:hsl h="7200000" s="0" l="0"/>
+                                      </p:by>
+                                    </p:animClr>
+                                    <p:set>
+                                      <p:cBhvr>
+                                        <p:cTn id="141" dur="500" fill="hold"/>
+                                        <p:tgtEl>
+                                          <p:spTgt spid="7"/>
+                                        </p:tgtEl>
+                                        <p:attrNameLst>
+                                          <p:attrName>fill.type</p:attrName>
+                                        </p:attrNameLst>
+                                      </p:cBhvr>
+                                      <p:to>
+                                        <p:strVal val="solid"/>
+                                      </p:to>
+                                    </p:set>
+                                  </p:childTnLst>
+                                </p:cTn>
+                              </p:par>
+                            </p:childTnLst>
+                          </p:cTn>
+                        </p:par>
+                      </p:childTnLst>
+                    </p:cTn>
+                  </p:par>
+                  <p:par>
+                    <p:cTn id="142" fill="hold">
+                      <p:stCondLst>
+                        <p:cond delay="indefinite"/>
+                      </p:stCondLst>
+                      <p:childTnLst>
+                        <p:par>
+                          <p:cTn id="143" fill="hold">
+                            <p:stCondLst>
+                              <p:cond delay="0"/>
+                            </p:stCondLst>
+                            <p:childTnLst>
+                              <p:par>
+                                <p:cTn id="144" presetID="21" presetClass="emph" presetSubtype="0" fill="hold" grpId="1" nodeType="clickEffect">
+                                  <p:stCondLst>
+                                    <p:cond delay="0"/>
+                                  </p:stCondLst>
+                                  <p:childTnLst>
+                                    <p:animClr clrSpc="hsl">
+                                      <p:cBhvr override="childStyle">
+                                        <p:cTn id="145" dur="500" fill="hold"/>
+                                        <p:tgtEl>
+                                          <p:spTgt spid="9"/>
+                                        </p:tgtEl>
+                                        <p:attrNameLst>
+                                          <p:attrName>style.color</p:attrName>
+                                        </p:attrNameLst>
+                                      </p:cBhvr>
+                                      <p:by>
+                                        <p:hsl h="7200000" s="0" l="0"/>
+                                      </p:by>
+                                    </p:animClr>
+                                    <p:animClr clrSpc="hsl">
+                                      <p:cBhvr>
+                                        <p:cTn id="146" dur="500" fill="hold"/>
+                                        <p:tgtEl>
+                                          <p:spTgt spid="9"/>
+                                        </p:tgtEl>
+                                        <p:attrNameLst>
+                                          <p:attrName>fillcolor</p:attrName>
+                                        </p:attrNameLst>
+                                      </p:cBhvr>
+                                      <p:by>
+                                        <p:hsl h="7200000" s="0" l="0"/>
+                                      </p:by>
+                                    </p:animClr>
+                                    <p:animClr clrSpc="hsl">
+                                      <p:cBhvr>
+                                        <p:cTn id="147" dur="500" fill="hold"/>
+                                        <p:tgtEl>
+                                          <p:spTgt spid="9"/>
+                                        </p:tgtEl>
+                                        <p:attrNameLst>
+                                          <p:attrName>stroke.color</p:attrName>
+                                        </p:attrNameLst>
+                                      </p:cBhvr>
+                                      <p:by>
+                                        <p:hsl h="7200000" s="0" l="0"/>
+                                      </p:by>
+                                    </p:animClr>
+                                    <p:set>
+                                      <p:cBhvr>
+                                        <p:cTn id="148" dur="500" fill="hold"/>
+                                        <p:tgtEl>
+                                          <p:spTgt spid="9"/>
+                                        </p:tgtEl>
+                                        <p:attrNameLst>
+                                          <p:attrName>fill.type</p:attrName>
+                                        </p:attrNameLst>
+                                      </p:cBhvr>
+                                      <p:to>
+                                        <p:strVal val="solid"/>
+                                      </p:to>
+                                    </p:set>
+                                  </p:childTnLst>
+                                </p:cTn>
+                              </p:par>
+                            </p:childTnLst>
+                          </p:cTn>
+                        </p:par>
+                      </p:childTnLst>
+                    </p:cTn>
+                  </p:par>
+                </p:childTnLst>
+              </p:cTn>
+              <p:prevCondLst>
+                <p:cond evt="onPrev" delay="0">
+                  <p:tgtEl>
+                    <p:sldTgt/>
+                  </p:tgtEl>
+                </p:cond>
+              </p:prevCondLst>
+              <p:nextCondLst>
+                <p:cond evt="onNext" delay="0">
+                  <p:tgtEl>
+                    <p:sldTgt/>
+                  </p:tgtEl>
+                </p:cond>
+              </p:nextCondLst>
+            </p:seq>
+          </p:childTnLst>
+        </p:cTn>
+      </p:par>
+    </p:tnLst>
+    <p:bldLst>
+      <p:bldP spid="4" grpId="0" animBg="1"/>
+      <p:bldP spid="4" grpId="1" animBg="1"/>
+      <p:bldP spid="5" grpId="0" animBg="1"/>
+      <p:bldP spid="5" grpId="1" animBg="1"/>
+      <p:bldP spid="6" grpId="0" animBg="1"/>
+      <p:bldP spid="6" grpId="1" animBg="1"/>
+      <p:bldP spid="7" grpId="0" animBg="1"/>
+      <p:bldP spid="7" grpId="1" animBg="1"/>
+      <p:bldP spid="8" grpId="0" animBg="1"/>
+      <p:bldP spid="8" grpId="1" animBg="1"/>
+      <p:bldP spid="9" grpId="0" animBg="1"/>
+      <p:bldP spid="9" grpId="1" animBg="1"/>
+      <p:bldP spid="10" grpId="0" animBg="1"/>
+      <p:bldP spid="10" grpId="1" animBg="1"/>
+      <p:bldP spid="11" grpId="0" animBg="1"/>
+      <p:bldP spid="11" grpId="1" animBg="1"/>
+      <p:bldP spid="12" grpId="0" animBg="1"/>
+      <p:bldP spid="12" grpId="1" animBg="1"/>
+      <p:bldP spid="22" grpId="0"/>
+      <p:bldP spid="23" grpId="0"/>
+      <p:bldP spid="24" grpId="0"/>
+      <p:bldP spid="25" grpId="0"/>
+      <p:bldP spid="26" grpId="0"/>
+      <p:bldP spid="27" grpId="0"/>
+      <p:bldP spid="28" grpId="0"/>
+      <p:bldP spid="32" grpId="0"/>
+      <p:bldP spid="33" grpId="0"/>
+    </p:bldLst>
+  </p:timing>
+</p:sld>
+</file>
+
 <file path=ppt/theme/theme1.xml><?xml version="1.0" encoding="utf-8"?>
 <a:theme xmlns:a="http://schemas.openxmlformats.org/drawingml/2006/main" name="Solstice">
   <a:themeElements>

--- a/Presentation.pptx
+++ b/Presentation.pptx
@@ -5,14 +5,16 @@
     <p:sldMasterId id="2147483660" r:id="rId1"/>
     <p:sldMasterId id="2147483684" r:id="rId2"/>
     <p:sldMasterId id="2147483696" r:id="rId3"/>
+    <p:sldMasterId id="2147483708" r:id="rId4"/>
   </p:sldMasterIdLst>
   <p:sldIdLst>
-    <p:sldId id="256" r:id="rId4"/>
-    <p:sldId id="257" r:id="rId5"/>
-    <p:sldId id="258" r:id="rId6"/>
-    <p:sldId id="259" r:id="rId7"/>
-    <p:sldId id="260" r:id="rId8"/>
+    <p:sldId id="256" r:id="rId5"/>
+    <p:sldId id="257" r:id="rId6"/>
+    <p:sldId id="258" r:id="rId7"/>
+    <p:sldId id="259" r:id="rId8"/>
     <p:sldId id="261" r:id="rId9"/>
+    <p:sldId id="260" r:id="rId10"/>
+    <p:sldId id="262" r:id="rId11"/>
   </p:sldIdLst>
   <p:sldSz cx="9144000" cy="6858000" type="screen4x3"/>
   <p:notesSz cx="6858000" cy="9144000"/>
@@ -10274,6 +10276,1621 @@
 </p:sldLayout>
 </file>
 
+<file path=ppt/slideLayouts/slideLayout34.xml><?xml version="1.0" encoding="utf-8"?>
+<p:sldLayout xmlns:a="http://schemas.openxmlformats.org/drawingml/2006/main" xmlns:r="http://schemas.openxmlformats.org/officeDocument/2006/relationships" xmlns:p="http://schemas.openxmlformats.org/presentationml/2006/main" showMasterSp="0" type="title" preserve="1">
+  <p:cSld name="Title Slide">
+    <p:bg>
+      <p:bgRef idx="1002">
+        <a:schemeClr val="bg1"/>
+      </p:bgRef>
+    </p:bg>
+    <p:spTree>
+      <p:nvGrpSpPr>
+        <p:cNvPr id="1" name=""/>
+        <p:cNvGrpSpPr/>
+        <p:nvPr/>
+      </p:nvGrpSpPr>
+      <p:grpSpPr>
+        <a:xfrm>
+          <a:off x="0" y="0"/>
+          <a:ext cx="0" cy="0"/>
+          <a:chOff x="0" y="0"/>
+          <a:chExt cx="0" cy="0"/>
+        </a:xfrm>
+      </p:grpSpPr>
+      <p:sp>
+        <p:nvSpPr>
+          <p:cNvPr id="8" name="Rectangle 7"/>
+          <p:cNvSpPr/>
+          <p:nvPr/>
+        </p:nvSpPr>
+        <p:spPr>
+          <a:xfrm flipH="1">
+            <a:off x="2667000" y="0"/>
+            <a:ext cx="6477000" cy="6858000"/>
+          </a:xfrm>
+          <a:prstGeom prst="rect">
+            <a:avLst/>
+          </a:prstGeom>
+          <a:blipFill>
+            <a:blip r:embed="rId2" cstate="print">
+              <a:alphaModFix amt="43000"/>
+            </a:blip>
+            <a:tile tx="0" ty="0" sx="50000" sy="50000" flip="none" algn="tl"/>
+          </a:blipFill>
+          <a:ln w="0" cap="flat" cmpd="sng" algn="ctr">
+            <a:noFill/>
+            <a:prstDash val="solid"/>
+          </a:ln>
+          <a:effectLst>
+            <a:fillOverlay blend="mult">
+              <a:gradFill rotWithShape="1">
+                <a:gsLst>
+                  <a:gs pos="0">
+                    <a:schemeClr val="tx2">
+                      <a:tint val="62000"/>
+                      <a:satMod val="420000"/>
+                    </a:schemeClr>
+                  </a:gs>
+                  <a:gs pos="100000">
+                    <a:schemeClr val="tx2">
+                      <a:shade val="20000"/>
+                      <a:satMod val="170000"/>
+                    </a:schemeClr>
+                  </a:gs>
+                </a:gsLst>
+                <a:path path="circle">
+                  <a:fillToRect l="50000" t="100000" r="50000"/>
+                </a:path>
+                <a:tileRect/>
+              </a:gradFill>
+            </a:fillOverlay>
+            <a:innerShdw blurRad="63500" dist="44450" dir="10800000">
+              <a:srgbClr val="000000">
+                <a:alpha val="50000"/>
+              </a:srgbClr>
+            </a:innerShdw>
+          </a:effectLst>
+        </p:spPr>
+        <p:style>
+          <a:lnRef idx="3">
+            <a:schemeClr val="lt1"/>
+          </a:lnRef>
+          <a:fillRef idx="1">
+            <a:schemeClr val="accent1"/>
+          </a:fillRef>
+          <a:effectRef idx="1">
+            <a:schemeClr val="accent1"/>
+          </a:effectRef>
+          <a:fontRef idx="minor">
+            <a:schemeClr val="lt1"/>
+          </a:fontRef>
+        </p:style>
+        <p:txBody>
+          <a:bodyPr anchor="ctr"/>
+          <a:lstStyle>
+            <a:extLst/>
+          </a:lstStyle>
+          <a:p>
+            <a:pPr algn="ctr" eaLnBrk="1" latinLnBrk="0" hangingPunct="1"/>
+            <a:endParaRPr kumimoji="0" lang="en-US"/>
+          </a:p>
+        </p:txBody>
+      </p:sp>
+      <p:sp>
+        <p:nvSpPr>
+          <p:cNvPr id="9" name="Straight Connector 8"/>
+          <p:cNvSpPr>
+            <a:spLocks noChangeShapeType="1"/>
+          </p:cNvSpPr>
+          <p:nvPr/>
+        </p:nvSpPr>
+        <p:spPr bwMode="auto">
+          <a:xfrm rot="16200000">
+            <a:off x="-762000" y="3429000"/>
+            <a:ext cx="6858000" cy="0"/>
+          </a:xfrm>
+          <a:prstGeom prst="line">
+            <a:avLst/>
+          </a:prstGeom>
+          <a:noFill/>
+          <a:ln w="11430" cap="flat" cmpd="sng" algn="ctr">
+            <a:solidFill>
+              <a:schemeClr val="bg1">
+                <a:shade val="95000"/>
+              </a:schemeClr>
+            </a:solidFill>
+            <a:prstDash val="solid"/>
+            <a:miter lim="800000"/>
+            <a:headEnd type="none" w="med" len="med"/>
+            <a:tailEnd type="none" w="med" len="med"/>
+          </a:ln>
+          <a:effectLst/>
+        </p:spPr>
+        <p:txBody>
+          <a:bodyPr vert="horz" wrap="square" lIns="91440" tIns="45720" rIns="91440" bIns="45720" anchor="t" compatLnSpc="1"/>
+          <a:lstStyle>
+            <a:extLst/>
+          </a:lstStyle>
+          <a:p>
+            <a:endParaRPr kumimoji="0" lang="en-US"/>
+          </a:p>
+        </p:txBody>
+      </p:sp>
+      <p:sp>
+        <p:nvSpPr>
+          <p:cNvPr id="12" name="Title 11"/>
+          <p:cNvSpPr>
+            <a:spLocks noGrp="1"/>
+          </p:cNvSpPr>
+          <p:nvPr>
+            <p:ph type="ctrTitle"/>
+          </p:nvPr>
+        </p:nvSpPr>
+        <p:spPr>
+          <a:xfrm>
+            <a:off x="3366868" y="533400"/>
+            <a:ext cx="5105400" cy="2868168"/>
+          </a:xfrm>
+        </p:spPr>
+        <p:txBody>
+          <a:bodyPr lIns="45720" tIns="0" rIns="45720">
+            <a:noAutofit/>
+          </a:bodyPr>
+          <a:lstStyle>
+            <a:lvl1pPr algn="r">
+              <a:defRPr sz="4200" b="1"/>
+            </a:lvl1pPr>
+            <a:extLst/>
+          </a:lstStyle>
+          <a:p>
+            <a:r>
+              <a:rPr kumimoji="0" lang="en-US" smtClean="0"/>
+              <a:t>Click to edit Master title style</a:t>
+            </a:r>
+            <a:endParaRPr kumimoji="0" lang="en-US"/>
+          </a:p>
+        </p:txBody>
+      </p:sp>
+      <p:sp>
+        <p:nvSpPr>
+          <p:cNvPr id="25" name="Subtitle 24"/>
+          <p:cNvSpPr>
+            <a:spLocks noGrp="1"/>
+          </p:cNvSpPr>
+          <p:nvPr>
+            <p:ph type="subTitle" idx="1"/>
+          </p:nvPr>
+        </p:nvSpPr>
+        <p:spPr>
+          <a:xfrm>
+            <a:off x="3354442" y="3539864"/>
+            <a:ext cx="5114778" cy="1101248"/>
+          </a:xfrm>
+        </p:spPr>
+        <p:txBody>
+          <a:bodyPr lIns="45720" tIns="0" rIns="45720" bIns="0"/>
+          <a:lstStyle>
+            <a:lvl1pPr marL="0" indent="0" algn="r">
+              <a:buNone/>
+              <a:defRPr sz="2200">
+                <a:solidFill>
+                  <a:srgbClr val="FFFFFF"/>
+                </a:solidFill>
+                <a:effectLst/>
+              </a:defRPr>
+            </a:lvl1pPr>
+            <a:lvl2pPr marL="457200" indent="0" algn="ctr">
+              <a:buNone/>
+            </a:lvl2pPr>
+            <a:lvl3pPr marL="914400" indent="0" algn="ctr">
+              <a:buNone/>
+            </a:lvl3pPr>
+            <a:lvl4pPr marL="1371600" indent="0" algn="ctr">
+              <a:buNone/>
+            </a:lvl4pPr>
+            <a:lvl5pPr marL="1828800" indent="0" algn="ctr">
+              <a:buNone/>
+            </a:lvl5pPr>
+            <a:lvl6pPr marL="2286000" indent="0" algn="ctr">
+              <a:buNone/>
+            </a:lvl6pPr>
+            <a:lvl7pPr marL="2743200" indent="0" algn="ctr">
+              <a:buNone/>
+            </a:lvl7pPr>
+            <a:lvl8pPr marL="3200400" indent="0" algn="ctr">
+              <a:buNone/>
+            </a:lvl8pPr>
+            <a:lvl9pPr marL="3657600" indent="0" algn="ctr">
+              <a:buNone/>
+            </a:lvl9pPr>
+            <a:extLst/>
+          </a:lstStyle>
+          <a:p>
+            <a:r>
+              <a:rPr kumimoji="0" lang="en-US" smtClean="0"/>
+              <a:t>Click to edit Master subtitle style</a:t>
+            </a:r>
+            <a:endParaRPr kumimoji="0" lang="en-US"/>
+          </a:p>
+        </p:txBody>
+      </p:sp>
+      <p:sp>
+        <p:nvSpPr>
+          <p:cNvPr id="31" name="Date Placeholder 30"/>
+          <p:cNvSpPr>
+            <a:spLocks noGrp="1"/>
+          </p:cNvSpPr>
+          <p:nvPr>
+            <p:ph type="dt" sz="half" idx="10"/>
+          </p:nvPr>
+        </p:nvSpPr>
+        <p:spPr>
+          <a:xfrm>
+            <a:off x="5871224" y="6557946"/>
+            <a:ext cx="2002464" cy="226902"/>
+          </a:xfrm>
+        </p:spPr>
+        <p:txBody>
+          <a:bodyPr/>
+          <a:lstStyle>
+            <a:lvl1pPr>
+              <a:defRPr lang="en-US" smtClean="0">
+                <a:solidFill>
+                  <a:srgbClr val="FFFFFF"/>
+                </a:solidFill>
+              </a:defRPr>
+            </a:lvl1pPr>
+            <a:extLst/>
+          </a:lstStyle>
+          <a:p>
+            <a:fld id="{1D8BD707-D9CF-40AE-B4C6-C98DA3205C09}" type="datetimeFigureOut">
+              <a:rPr lang="en-US" smtClean="0"/>
+              <a:pPr/>
+              <a:t>1/26/2018</a:t>
+            </a:fld>
+            <a:endParaRPr lang="en-US"/>
+          </a:p>
+        </p:txBody>
+      </p:sp>
+      <p:sp>
+        <p:nvSpPr>
+          <p:cNvPr id="18" name="Footer Placeholder 17"/>
+          <p:cNvSpPr>
+            <a:spLocks noGrp="1"/>
+          </p:cNvSpPr>
+          <p:nvPr>
+            <p:ph type="ftr" sz="quarter" idx="11"/>
+          </p:nvPr>
+        </p:nvSpPr>
+        <p:spPr>
+          <a:xfrm>
+            <a:off x="2819400" y="6557946"/>
+            <a:ext cx="2927722" cy="228600"/>
+          </a:xfrm>
+        </p:spPr>
+        <p:txBody>
+          <a:bodyPr/>
+          <a:lstStyle>
+            <a:lvl1pPr>
+              <a:defRPr lang="en-US" dirty="0">
+                <a:solidFill>
+                  <a:srgbClr val="FFFFFF"/>
+                </a:solidFill>
+              </a:defRPr>
+            </a:lvl1pPr>
+            <a:extLst/>
+          </a:lstStyle>
+          <a:p>
+            <a:endParaRPr lang="en-US"/>
+          </a:p>
+        </p:txBody>
+      </p:sp>
+      <p:sp>
+        <p:nvSpPr>
+          <p:cNvPr id="29" name="Slide Number Placeholder 28"/>
+          <p:cNvSpPr>
+            <a:spLocks noGrp="1"/>
+          </p:cNvSpPr>
+          <p:nvPr>
+            <p:ph type="sldNum" sz="quarter" idx="12"/>
+          </p:nvPr>
+        </p:nvSpPr>
+        <p:spPr>
+          <a:xfrm>
+            <a:off x="7880884" y="6556248"/>
+            <a:ext cx="588336" cy="228600"/>
+          </a:xfrm>
+        </p:spPr>
+        <p:txBody>
+          <a:bodyPr/>
+          <a:lstStyle>
+            <a:lvl1pPr>
+              <a:defRPr lang="en-US" smtClean="0">
+                <a:solidFill>
+                  <a:srgbClr val="FFFFFF"/>
+                </a:solidFill>
+              </a:defRPr>
+            </a:lvl1pPr>
+            <a:extLst/>
+          </a:lstStyle>
+          <a:p>
+            <a:fld id="{B6F15528-21DE-4FAA-801E-634DDDAF4B2B}" type="slidenum">
+              <a:rPr lang="en-US" smtClean="0"/>
+              <a:pPr/>
+              <a:t>‹#›</a:t>
+            </a:fld>
+            <a:endParaRPr lang="en-US"/>
+          </a:p>
+        </p:txBody>
+      </p:sp>
+    </p:spTree>
+  </p:cSld>
+  <p:clrMapOvr>
+    <a:overrideClrMapping bg1="lt1" tx1="dk1" bg2="lt2" tx2="dk2" accent1="accent1" accent2="accent2" accent3="accent3" accent4="accent4" accent5="accent5" accent6="accent6" hlink="hlink" folHlink="folHlink"/>
+  </p:clrMapOvr>
+</p:sldLayout>
+</file>
+
+<file path=ppt/slideLayouts/slideLayout35.xml><?xml version="1.0" encoding="utf-8"?>
+<p:sldLayout xmlns:a="http://schemas.openxmlformats.org/drawingml/2006/main" xmlns:r="http://schemas.openxmlformats.org/officeDocument/2006/relationships" xmlns:p="http://schemas.openxmlformats.org/presentationml/2006/main" type="obj" preserve="1">
+  <p:cSld name="Title and Content">
+    <p:spTree>
+      <p:nvGrpSpPr>
+        <p:cNvPr id="1" name=""/>
+        <p:cNvGrpSpPr/>
+        <p:nvPr/>
+      </p:nvGrpSpPr>
+      <p:grpSpPr>
+        <a:xfrm>
+          <a:off x="0" y="0"/>
+          <a:ext cx="0" cy="0"/>
+          <a:chOff x="0" y="0"/>
+          <a:chExt cx="0" cy="0"/>
+        </a:xfrm>
+      </p:grpSpPr>
+      <p:sp>
+        <p:nvSpPr>
+          <p:cNvPr id="2" name="Title 1"/>
+          <p:cNvSpPr>
+            <a:spLocks noGrp="1"/>
+          </p:cNvSpPr>
+          <p:nvPr>
+            <p:ph type="title"/>
+          </p:nvPr>
+        </p:nvSpPr>
+        <p:spPr/>
+        <p:txBody>
+          <a:bodyPr/>
+          <a:lstStyle>
+            <a:extLst/>
+          </a:lstStyle>
+          <a:p>
+            <a:r>
+              <a:rPr kumimoji="0" lang="en-US" smtClean="0"/>
+              <a:t>Click to edit Master title style</a:t>
+            </a:r>
+            <a:endParaRPr kumimoji="0" lang="en-US"/>
+          </a:p>
+        </p:txBody>
+      </p:sp>
+      <p:sp>
+        <p:nvSpPr>
+          <p:cNvPr id="3" name="Content Placeholder 2"/>
+          <p:cNvSpPr>
+            <a:spLocks noGrp="1"/>
+          </p:cNvSpPr>
+          <p:nvPr>
+            <p:ph idx="1"/>
+          </p:nvPr>
+        </p:nvSpPr>
+        <p:spPr/>
+        <p:txBody>
+          <a:bodyPr/>
+          <a:lstStyle>
+            <a:extLst/>
+          </a:lstStyle>
+          <a:p>
+            <a:pPr lvl="0" eaLnBrk="1" latinLnBrk="0" hangingPunct="1"/>
+            <a:r>
+              <a:rPr lang="en-US" smtClean="0"/>
+              <a:t>Click to edit Master text styles</a:t>
+            </a:r>
+          </a:p>
+          <a:p>
+            <a:pPr lvl="1" eaLnBrk="1" latinLnBrk="0" hangingPunct="1"/>
+            <a:r>
+              <a:rPr lang="en-US" smtClean="0"/>
+              <a:t>Second level</a:t>
+            </a:r>
+          </a:p>
+          <a:p>
+            <a:pPr lvl="2" eaLnBrk="1" latinLnBrk="0" hangingPunct="1"/>
+            <a:r>
+              <a:rPr lang="en-US" smtClean="0"/>
+              <a:t>Third level</a:t>
+            </a:r>
+          </a:p>
+          <a:p>
+            <a:pPr lvl="3" eaLnBrk="1" latinLnBrk="0" hangingPunct="1"/>
+            <a:r>
+              <a:rPr lang="en-US" smtClean="0"/>
+              <a:t>Fourth level</a:t>
+            </a:r>
+          </a:p>
+          <a:p>
+            <a:pPr lvl="4" eaLnBrk="1" latinLnBrk="0" hangingPunct="1"/>
+            <a:r>
+              <a:rPr lang="en-US" smtClean="0"/>
+              <a:t>Fifth level</a:t>
+            </a:r>
+            <a:endParaRPr kumimoji="0" lang="en-US"/>
+          </a:p>
+        </p:txBody>
+      </p:sp>
+      <p:sp>
+        <p:nvSpPr>
+          <p:cNvPr id="4" name="Date Placeholder 3"/>
+          <p:cNvSpPr>
+            <a:spLocks noGrp="1"/>
+          </p:cNvSpPr>
+          <p:nvPr>
+            <p:ph type="dt" sz="half" idx="10"/>
+          </p:nvPr>
+        </p:nvSpPr>
+        <p:spPr/>
+        <p:txBody>
+          <a:bodyPr/>
+          <a:lstStyle>
+            <a:extLst/>
+          </a:lstStyle>
+          <a:p>
+            <a:fld id="{1D8BD707-D9CF-40AE-B4C6-C98DA3205C09}" type="datetimeFigureOut">
+              <a:rPr lang="en-US" smtClean="0"/>
+              <a:pPr/>
+              <a:t>1/26/2018</a:t>
+            </a:fld>
+            <a:endParaRPr lang="en-US"/>
+          </a:p>
+        </p:txBody>
+      </p:sp>
+      <p:sp>
+        <p:nvSpPr>
+          <p:cNvPr id="5" name="Footer Placeholder 4"/>
+          <p:cNvSpPr>
+            <a:spLocks noGrp="1"/>
+          </p:cNvSpPr>
+          <p:nvPr>
+            <p:ph type="ftr" sz="quarter" idx="11"/>
+          </p:nvPr>
+        </p:nvSpPr>
+        <p:spPr/>
+        <p:txBody>
+          <a:bodyPr/>
+          <a:lstStyle>
+            <a:extLst/>
+          </a:lstStyle>
+          <a:p>
+            <a:endParaRPr lang="en-US"/>
+          </a:p>
+        </p:txBody>
+      </p:sp>
+      <p:sp>
+        <p:nvSpPr>
+          <p:cNvPr id="6" name="Slide Number Placeholder 5"/>
+          <p:cNvSpPr>
+            <a:spLocks noGrp="1"/>
+          </p:cNvSpPr>
+          <p:nvPr>
+            <p:ph type="sldNum" sz="quarter" idx="12"/>
+          </p:nvPr>
+        </p:nvSpPr>
+        <p:spPr/>
+        <p:txBody>
+          <a:bodyPr/>
+          <a:lstStyle>
+            <a:extLst/>
+          </a:lstStyle>
+          <a:p>
+            <a:fld id="{B6F15528-21DE-4FAA-801E-634DDDAF4B2B}" type="slidenum">
+              <a:rPr lang="en-US" smtClean="0"/>
+              <a:pPr/>
+              <a:t>‹#›</a:t>
+            </a:fld>
+            <a:endParaRPr lang="en-US"/>
+          </a:p>
+        </p:txBody>
+      </p:sp>
+    </p:spTree>
+  </p:cSld>
+  <p:clrMapOvr>
+    <a:masterClrMapping/>
+  </p:clrMapOvr>
+</p:sldLayout>
+</file>
+
+<file path=ppt/slideLayouts/slideLayout36.xml><?xml version="1.0" encoding="utf-8"?>
+<p:sldLayout xmlns:a="http://schemas.openxmlformats.org/drawingml/2006/main" xmlns:r="http://schemas.openxmlformats.org/officeDocument/2006/relationships" xmlns:p="http://schemas.openxmlformats.org/presentationml/2006/main" type="secHead" preserve="1">
+  <p:cSld name="Section Header">
+    <p:bg>
+      <p:bgRef idx="1001">
+        <a:schemeClr val="bg1"/>
+      </p:bgRef>
+    </p:bg>
+    <p:spTree>
+      <p:nvGrpSpPr>
+        <p:cNvPr id="1" name=""/>
+        <p:cNvGrpSpPr/>
+        <p:nvPr/>
+      </p:nvGrpSpPr>
+      <p:grpSpPr>
+        <a:xfrm>
+          <a:off x="0" y="0"/>
+          <a:ext cx="0" cy="0"/>
+          <a:chOff x="0" y="0"/>
+          <a:chExt cx="0" cy="0"/>
+        </a:xfrm>
+      </p:grpSpPr>
+      <p:sp>
+        <p:nvSpPr>
+          <p:cNvPr id="2" name="Title 1"/>
+          <p:cNvSpPr>
+            <a:spLocks noGrp="1"/>
+          </p:cNvSpPr>
+          <p:nvPr>
+            <p:ph type="title"/>
+          </p:nvPr>
+        </p:nvSpPr>
+        <p:spPr>
+          <a:xfrm>
+            <a:off x="1066800" y="2821837"/>
+            <a:ext cx="6255488" cy="1362075"/>
+          </a:xfrm>
+        </p:spPr>
+        <p:txBody>
+          <a:bodyPr tIns="0" anchor="t"/>
+          <a:lstStyle>
+            <a:lvl1pPr algn="r">
+              <a:buNone/>
+              <a:defRPr sz="4200" b="1" cap="all"/>
+            </a:lvl1pPr>
+            <a:extLst/>
+          </a:lstStyle>
+          <a:p>
+            <a:r>
+              <a:rPr kumimoji="0" lang="en-US" smtClean="0"/>
+              <a:t>Click to edit Master title style</a:t>
+            </a:r>
+            <a:endParaRPr kumimoji="0" lang="en-US"/>
+          </a:p>
+        </p:txBody>
+      </p:sp>
+      <p:sp>
+        <p:nvSpPr>
+          <p:cNvPr id="3" name="Text Placeholder 2"/>
+          <p:cNvSpPr>
+            <a:spLocks noGrp="1"/>
+          </p:cNvSpPr>
+          <p:nvPr>
+            <p:ph type="body" idx="1"/>
+          </p:nvPr>
+        </p:nvSpPr>
+        <p:spPr>
+          <a:xfrm>
+            <a:off x="1066800" y="1905000"/>
+            <a:ext cx="6255488" cy="743507"/>
+          </a:xfrm>
+        </p:spPr>
+        <p:txBody>
+          <a:bodyPr anchor="b"/>
+          <a:lstStyle>
+            <a:lvl1pPr marL="0" indent="0" algn="r">
+              <a:buNone/>
+              <a:defRPr sz="2000">
+                <a:solidFill>
+                  <a:schemeClr val="tx1"/>
+                </a:solidFill>
+                <a:effectLst/>
+              </a:defRPr>
+            </a:lvl1pPr>
+            <a:lvl2pPr>
+              <a:buNone/>
+              <a:defRPr sz="1800">
+                <a:solidFill>
+                  <a:schemeClr val="tx1">
+                    <a:tint val="75000"/>
+                  </a:schemeClr>
+                </a:solidFill>
+              </a:defRPr>
+            </a:lvl2pPr>
+            <a:lvl3pPr>
+              <a:buNone/>
+              <a:defRPr sz="1600">
+                <a:solidFill>
+                  <a:schemeClr val="tx1">
+                    <a:tint val="75000"/>
+                  </a:schemeClr>
+                </a:solidFill>
+              </a:defRPr>
+            </a:lvl3pPr>
+            <a:lvl4pPr>
+              <a:buNone/>
+              <a:defRPr sz="1400">
+                <a:solidFill>
+                  <a:schemeClr val="tx1">
+                    <a:tint val="75000"/>
+                  </a:schemeClr>
+                </a:solidFill>
+              </a:defRPr>
+            </a:lvl4pPr>
+            <a:lvl5pPr>
+              <a:buNone/>
+              <a:defRPr sz="1400">
+                <a:solidFill>
+                  <a:schemeClr val="tx1">
+                    <a:tint val="75000"/>
+                  </a:schemeClr>
+                </a:solidFill>
+              </a:defRPr>
+            </a:lvl5pPr>
+            <a:extLst/>
+          </a:lstStyle>
+          <a:p>
+            <a:pPr lvl="0" eaLnBrk="1" latinLnBrk="0" hangingPunct="1"/>
+            <a:r>
+              <a:rPr kumimoji="0" lang="en-US" smtClean="0"/>
+              <a:t>Click to edit Master text styles</a:t>
+            </a:r>
+          </a:p>
+        </p:txBody>
+      </p:sp>
+      <p:sp>
+        <p:nvSpPr>
+          <p:cNvPr id="4" name="Date Placeholder 3"/>
+          <p:cNvSpPr>
+            <a:spLocks noGrp="1"/>
+          </p:cNvSpPr>
+          <p:nvPr>
+            <p:ph type="dt" sz="half" idx="10"/>
+          </p:nvPr>
+        </p:nvSpPr>
+        <p:spPr>
+          <a:xfrm>
+            <a:off x="4724238" y="6556810"/>
+            <a:ext cx="2002464" cy="226902"/>
+          </a:xfrm>
+        </p:spPr>
+        <p:txBody>
+          <a:bodyPr bIns="0" anchor="b"/>
+          <a:lstStyle>
+            <a:lvl1pPr>
+              <a:defRPr>
+                <a:solidFill>
+                  <a:schemeClr val="tx2"/>
+                </a:solidFill>
+              </a:defRPr>
+            </a:lvl1pPr>
+            <a:extLst/>
+          </a:lstStyle>
+          <a:p>
+            <a:fld id="{1D8BD707-D9CF-40AE-B4C6-C98DA3205C09}" type="datetimeFigureOut">
+              <a:rPr lang="en-US" smtClean="0"/>
+              <a:pPr/>
+              <a:t>1/26/2018</a:t>
+            </a:fld>
+            <a:endParaRPr lang="en-US"/>
+          </a:p>
+        </p:txBody>
+      </p:sp>
+      <p:sp>
+        <p:nvSpPr>
+          <p:cNvPr id="5" name="Footer Placeholder 4"/>
+          <p:cNvSpPr>
+            <a:spLocks noGrp="1"/>
+          </p:cNvSpPr>
+          <p:nvPr>
+            <p:ph type="ftr" sz="quarter" idx="11"/>
+          </p:nvPr>
+        </p:nvSpPr>
+        <p:spPr>
+          <a:xfrm>
+            <a:off x="1735358" y="6556810"/>
+            <a:ext cx="2895600" cy="228600"/>
+          </a:xfrm>
+        </p:spPr>
+        <p:txBody>
+          <a:bodyPr bIns="0" anchor="b"/>
+          <a:lstStyle>
+            <a:lvl1pPr>
+              <a:defRPr>
+                <a:solidFill>
+                  <a:schemeClr val="tx2"/>
+                </a:solidFill>
+              </a:defRPr>
+            </a:lvl1pPr>
+            <a:extLst/>
+          </a:lstStyle>
+          <a:p>
+            <a:endParaRPr lang="en-US"/>
+          </a:p>
+        </p:txBody>
+      </p:sp>
+      <p:sp>
+        <p:nvSpPr>
+          <p:cNvPr id="6" name="Slide Number Placeholder 5"/>
+          <p:cNvSpPr>
+            <a:spLocks noGrp="1"/>
+          </p:cNvSpPr>
+          <p:nvPr>
+            <p:ph type="sldNum" sz="quarter" idx="12"/>
+          </p:nvPr>
+        </p:nvSpPr>
+        <p:spPr>
+          <a:xfrm>
+            <a:off x="6733952" y="6555112"/>
+            <a:ext cx="588336" cy="228600"/>
+          </a:xfrm>
+        </p:spPr>
+        <p:txBody>
+          <a:bodyPr/>
+          <a:lstStyle>
+            <a:extLst/>
+          </a:lstStyle>
+          <a:p>
+            <a:fld id="{B6F15528-21DE-4FAA-801E-634DDDAF4B2B}" type="slidenum">
+              <a:rPr lang="en-US" smtClean="0"/>
+              <a:pPr/>
+              <a:t>‹#›</a:t>
+            </a:fld>
+            <a:endParaRPr lang="en-US"/>
+          </a:p>
+        </p:txBody>
+      </p:sp>
+    </p:spTree>
+  </p:cSld>
+  <p:clrMapOvr>
+    <a:overrideClrMapping bg1="lt1" tx1="dk1" bg2="lt2" tx2="dk2" accent1="accent1" accent2="accent2" accent3="accent3" accent4="accent4" accent5="accent5" accent6="accent6" hlink="hlink" folHlink="folHlink"/>
+  </p:clrMapOvr>
+</p:sldLayout>
+</file>
+
+<file path=ppt/slideLayouts/slideLayout37.xml><?xml version="1.0" encoding="utf-8"?>
+<p:sldLayout xmlns:a="http://schemas.openxmlformats.org/drawingml/2006/main" xmlns:r="http://schemas.openxmlformats.org/officeDocument/2006/relationships" xmlns:p="http://schemas.openxmlformats.org/presentationml/2006/main" type="twoObj" preserve="1">
+  <p:cSld name="Two Content">
+    <p:spTree>
+      <p:nvGrpSpPr>
+        <p:cNvPr id="1" name=""/>
+        <p:cNvGrpSpPr/>
+        <p:nvPr/>
+      </p:nvGrpSpPr>
+      <p:grpSpPr>
+        <a:xfrm>
+          <a:off x="0" y="0"/>
+          <a:ext cx="0" cy="0"/>
+          <a:chOff x="0" y="0"/>
+          <a:chExt cx="0" cy="0"/>
+        </a:xfrm>
+      </p:grpSpPr>
+      <p:sp>
+        <p:nvSpPr>
+          <p:cNvPr id="2" name="Title 1"/>
+          <p:cNvSpPr>
+            <a:spLocks noGrp="1"/>
+          </p:cNvSpPr>
+          <p:nvPr>
+            <p:ph type="title"/>
+          </p:nvPr>
+        </p:nvSpPr>
+        <p:spPr>
+          <a:xfrm>
+            <a:off x="457200" y="320040"/>
+            <a:ext cx="7242048" cy="1143000"/>
+          </a:xfrm>
+        </p:spPr>
+        <p:txBody>
+          <a:bodyPr/>
+          <a:lstStyle>
+            <a:extLst/>
+          </a:lstStyle>
+          <a:p>
+            <a:r>
+              <a:rPr kumimoji="0" lang="en-US" smtClean="0"/>
+              <a:t>Click to edit Master title style</a:t>
+            </a:r>
+            <a:endParaRPr kumimoji="0" lang="en-US"/>
+          </a:p>
+        </p:txBody>
+      </p:sp>
+      <p:sp>
+        <p:nvSpPr>
+          <p:cNvPr id="3" name="Content Placeholder 2"/>
+          <p:cNvSpPr>
+            <a:spLocks noGrp="1"/>
+          </p:cNvSpPr>
+          <p:nvPr>
+            <p:ph sz="half" idx="1"/>
+          </p:nvPr>
+        </p:nvSpPr>
+        <p:spPr>
+          <a:xfrm>
+            <a:off x="457200" y="1600200"/>
+            <a:ext cx="3520440" cy="4525963"/>
+          </a:xfrm>
+        </p:spPr>
+        <p:txBody>
+          <a:bodyPr anchor="t"/>
+          <a:lstStyle>
+            <a:lvl1pPr>
+              <a:defRPr sz="2800"/>
+            </a:lvl1pPr>
+            <a:lvl2pPr>
+              <a:defRPr sz="2400"/>
+            </a:lvl2pPr>
+            <a:lvl3pPr>
+              <a:defRPr sz="2000"/>
+            </a:lvl3pPr>
+            <a:lvl4pPr>
+              <a:defRPr sz="1800"/>
+            </a:lvl4pPr>
+            <a:lvl5pPr>
+              <a:defRPr sz="1800"/>
+            </a:lvl5pPr>
+            <a:extLst/>
+          </a:lstStyle>
+          <a:p>
+            <a:pPr lvl="0" eaLnBrk="1" latinLnBrk="0" hangingPunct="1"/>
+            <a:r>
+              <a:rPr lang="en-US" smtClean="0"/>
+              <a:t>Click to edit Master text styles</a:t>
+            </a:r>
+          </a:p>
+          <a:p>
+            <a:pPr lvl="1" eaLnBrk="1" latinLnBrk="0" hangingPunct="1"/>
+            <a:r>
+              <a:rPr lang="en-US" smtClean="0"/>
+              <a:t>Second level</a:t>
+            </a:r>
+          </a:p>
+          <a:p>
+            <a:pPr lvl="2" eaLnBrk="1" latinLnBrk="0" hangingPunct="1"/>
+            <a:r>
+              <a:rPr lang="en-US" smtClean="0"/>
+              <a:t>Third level</a:t>
+            </a:r>
+          </a:p>
+          <a:p>
+            <a:pPr lvl="3" eaLnBrk="1" latinLnBrk="0" hangingPunct="1"/>
+            <a:r>
+              <a:rPr lang="en-US" smtClean="0"/>
+              <a:t>Fourth level</a:t>
+            </a:r>
+          </a:p>
+          <a:p>
+            <a:pPr lvl="4" eaLnBrk="1" latinLnBrk="0" hangingPunct="1"/>
+            <a:r>
+              <a:rPr lang="en-US" smtClean="0"/>
+              <a:t>Fifth level</a:t>
+            </a:r>
+            <a:endParaRPr kumimoji="0" lang="en-US"/>
+          </a:p>
+        </p:txBody>
+      </p:sp>
+      <p:sp>
+        <p:nvSpPr>
+          <p:cNvPr id="4" name="Content Placeholder 3"/>
+          <p:cNvSpPr>
+            <a:spLocks noGrp="1"/>
+          </p:cNvSpPr>
+          <p:nvPr>
+            <p:ph sz="half" idx="2"/>
+          </p:nvPr>
+        </p:nvSpPr>
+        <p:spPr>
+          <a:xfrm>
+            <a:off x="4178808" y="1600200"/>
+            <a:ext cx="3520440" cy="4525963"/>
+          </a:xfrm>
+        </p:spPr>
+        <p:txBody>
+          <a:bodyPr anchor="t"/>
+          <a:lstStyle>
+            <a:lvl1pPr>
+              <a:defRPr sz="2800"/>
+            </a:lvl1pPr>
+            <a:lvl2pPr>
+              <a:defRPr sz="2400"/>
+            </a:lvl2pPr>
+            <a:lvl3pPr>
+              <a:defRPr sz="2000"/>
+            </a:lvl3pPr>
+            <a:lvl4pPr>
+              <a:defRPr sz="1800"/>
+            </a:lvl4pPr>
+            <a:lvl5pPr>
+              <a:defRPr sz="1800"/>
+            </a:lvl5pPr>
+            <a:extLst/>
+          </a:lstStyle>
+          <a:p>
+            <a:pPr lvl="0" eaLnBrk="1" latinLnBrk="0" hangingPunct="1"/>
+            <a:r>
+              <a:rPr lang="en-US" smtClean="0"/>
+              <a:t>Click to edit Master text styles</a:t>
+            </a:r>
+          </a:p>
+          <a:p>
+            <a:pPr lvl="1" eaLnBrk="1" latinLnBrk="0" hangingPunct="1"/>
+            <a:r>
+              <a:rPr lang="en-US" smtClean="0"/>
+              <a:t>Second level</a:t>
+            </a:r>
+          </a:p>
+          <a:p>
+            <a:pPr lvl="2" eaLnBrk="1" latinLnBrk="0" hangingPunct="1"/>
+            <a:r>
+              <a:rPr lang="en-US" smtClean="0"/>
+              <a:t>Third level</a:t>
+            </a:r>
+          </a:p>
+          <a:p>
+            <a:pPr lvl="3" eaLnBrk="1" latinLnBrk="0" hangingPunct="1"/>
+            <a:r>
+              <a:rPr lang="en-US" smtClean="0"/>
+              <a:t>Fourth level</a:t>
+            </a:r>
+          </a:p>
+          <a:p>
+            <a:pPr lvl="4" eaLnBrk="1" latinLnBrk="0" hangingPunct="1"/>
+            <a:r>
+              <a:rPr lang="en-US" smtClean="0"/>
+              <a:t>Fifth level</a:t>
+            </a:r>
+            <a:endParaRPr kumimoji="0" lang="en-US"/>
+          </a:p>
+        </p:txBody>
+      </p:sp>
+      <p:sp>
+        <p:nvSpPr>
+          <p:cNvPr id="5" name="Date Placeholder 4"/>
+          <p:cNvSpPr>
+            <a:spLocks noGrp="1"/>
+          </p:cNvSpPr>
+          <p:nvPr>
+            <p:ph type="dt" sz="half" idx="10"/>
+          </p:nvPr>
+        </p:nvSpPr>
+        <p:spPr/>
+        <p:txBody>
+          <a:bodyPr/>
+          <a:lstStyle>
+            <a:extLst/>
+          </a:lstStyle>
+          <a:p>
+            <a:fld id="{1D8BD707-D9CF-40AE-B4C6-C98DA3205C09}" type="datetimeFigureOut">
+              <a:rPr lang="en-US" smtClean="0"/>
+              <a:pPr/>
+              <a:t>1/26/2018</a:t>
+            </a:fld>
+            <a:endParaRPr lang="en-US"/>
+          </a:p>
+        </p:txBody>
+      </p:sp>
+      <p:sp>
+        <p:nvSpPr>
+          <p:cNvPr id="6" name="Footer Placeholder 5"/>
+          <p:cNvSpPr>
+            <a:spLocks noGrp="1"/>
+          </p:cNvSpPr>
+          <p:nvPr>
+            <p:ph type="ftr" sz="quarter" idx="11"/>
+          </p:nvPr>
+        </p:nvSpPr>
+        <p:spPr/>
+        <p:txBody>
+          <a:bodyPr/>
+          <a:lstStyle>
+            <a:extLst/>
+          </a:lstStyle>
+          <a:p>
+            <a:endParaRPr lang="en-US"/>
+          </a:p>
+        </p:txBody>
+      </p:sp>
+      <p:sp>
+        <p:nvSpPr>
+          <p:cNvPr id="7" name="Slide Number Placeholder 6"/>
+          <p:cNvSpPr>
+            <a:spLocks noGrp="1"/>
+          </p:cNvSpPr>
+          <p:nvPr>
+            <p:ph type="sldNum" sz="quarter" idx="12"/>
+          </p:nvPr>
+        </p:nvSpPr>
+        <p:spPr/>
+        <p:txBody>
+          <a:bodyPr/>
+          <a:lstStyle>
+            <a:extLst/>
+          </a:lstStyle>
+          <a:p>
+            <a:fld id="{B6F15528-21DE-4FAA-801E-634DDDAF4B2B}" type="slidenum">
+              <a:rPr lang="en-US" smtClean="0"/>
+              <a:pPr/>
+              <a:t>‹#›</a:t>
+            </a:fld>
+            <a:endParaRPr lang="en-US"/>
+          </a:p>
+        </p:txBody>
+      </p:sp>
+    </p:spTree>
+  </p:cSld>
+  <p:clrMapOvr>
+    <a:masterClrMapping/>
+  </p:clrMapOvr>
+</p:sldLayout>
+</file>
+
+<file path=ppt/slideLayouts/slideLayout38.xml><?xml version="1.0" encoding="utf-8"?>
+<p:sldLayout xmlns:a="http://schemas.openxmlformats.org/drawingml/2006/main" xmlns:r="http://schemas.openxmlformats.org/officeDocument/2006/relationships" xmlns:p="http://schemas.openxmlformats.org/presentationml/2006/main" type="twoTxTwoObj" preserve="1">
+  <p:cSld name="Comparison">
+    <p:spTree>
+      <p:nvGrpSpPr>
+        <p:cNvPr id="1" name=""/>
+        <p:cNvGrpSpPr/>
+        <p:nvPr/>
+      </p:nvGrpSpPr>
+      <p:grpSpPr>
+        <a:xfrm>
+          <a:off x="0" y="0"/>
+          <a:ext cx="0" cy="0"/>
+          <a:chOff x="0" y="0"/>
+          <a:chExt cx="0" cy="0"/>
+        </a:xfrm>
+      </p:grpSpPr>
+      <p:sp>
+        <p:nvSpPr>
+          <p:cNvPr id="2" name="Title 1"/>
+          <p:cNvSpPr>
+            <a:spLocks noGrp="1"/>
+          </p:cNvSpPr>
+          <p:nvPr>
+            <p:ph type="title"/>
+          </p:nvPr>
+        </p:nvSpPr>
+        <p:spPr>
+          <a:xfrm>
+            <a:off x="457200" y="320040"/>
+            <a:ext cx="7242048" cy="1143000"/>
+          </a:xfrm>
+        </p:spPr>
+        <p:txBody>
+          <a:bodyPr anchor="b"/>
+          <a:lstStyle>
+            <a:lvl1pPr>
+              <a:defRPr/>
+            </a:lvl1pPr>
+            <a:extLst/>
+          </a:lstStyle>
+          <a:p>
+            <a:r>
+              <a:rPr kumimoji="0" lang="en-US" smtClean="0"/>
+              <a:t>Click to edit Master title style</a:t>
+            </a:r>
+            <a:endParaRPr kumimoji="0" lang="en-US"/>
+          </a:p>
+        </p:txBody>
+      </p:sp>
+      <p:sp>
+        <p:nvSpPr>
+          <p:cNvPr id="3" name="Text Placeholder 2"/>
+          <p:cNvSpPr>
+            <a:spLocks noGrp="1"/>
+          </p:cNvSpPr>
+          <p:nvPr>
+            <p:ph type="body" idx="1"/>
+          </p:nvPr>
+        </p:nvSpPr>
+        <p:spPr>
+          <a:xfrm>
+            <a:off x="457200" y="5867400"/>
+            <a:ext cx="3520440" cy="457200"/>
+          </a:xfrm>
+          <a:noFill/>
+          <a:ln w="12700" cap="flat" cmpd="sng" algn="ctr">
+            <a:solidFill>
+              <a:schemeClr val="tx2"/>
+            </a:solidFill>
+            <a:prstDash val="solid"/>
+          </a:ln>
+          <a:effectLst/>
+        </p:spPr>
+        <p:style>
+          <a:lnRef idx="1">
+            <a:schemeClr val="accent1"/>
+          </a:lnRef>
+          <a:fillRef idx="3">
+            <a:schemeClr val="accent1"/>
+          </a:fillRef>
+          <a:effectRef idx="2">
+            <a:schemeClr val="accent1"/>
+          </a:effectRef>
+          <a:fontRef idx="minor">
+            <a:schemeClr val="lt1"/>
+          </a:fontRef>
+        </p:style>
+        <p:txBody>
+          <a:bodyPr anchor="ctr"/>
+          <a:lstStyle>
+            <a:lvl1pPr marL="0" indent="0" algn="ctr">
+              <a:buNone/>
+              <a:defRPr sz="1800" b="1">
+                <a:solidFill>
+                  <a:schemeClr val="tx2"/>
+                </a:solidFill>
+                <a:effectLst/>
+              </a:defRPr>
+            </a:lvl1pPr>
+            <a:lvl2pPr>
+              <a:buNone/>
+              <a:defRPr sz="2000" b="1"/>
+            </a:lvl2pPr>
+            <a:lvl3pPr>
+              <a:buNone/>
+              <a:defRPr sz="1800" b="1"/>
+            </a:lvl3pPr>
+            <a:lvl4pPr>
+              <a:buNone/>
+              <a:defRPr sz="1600" b="1"/>
+            </a:lvl4pPr>
+            <a:lvl5pPr>
+              <a:buNone/>
+              <a:defRPr sz="1600" b="1"/>
+            </a:lvl5pPr>
+            <a:extLst/>
+          </a:lstStyle>
+          <a:p>
+            <a:pPr lvl="0" eaLnBrk="1" latinLnBrk="0" hangingPunct="1"/>
+            <a:r>
+              <a:rPr kumimoji="0" lang="en-US" smtClean="0"/>
+              <a:t>Click to edit Master text styles</a:t>
+            </a:r>
+          </a:p>
+        </p:txBody>
+      </p:sp>
+      <p:sp>
+        <p:nvSpPr>
+          <p:cNvPr id="4" name="Text Placeholder 3"/>
+          <p:cNvSpPr>
+            <a:spLocks noGrp="1"/>
+          </p:cNvSpPr>
+          <p:nvPr>
+            <p:ph type="body" sz="half" idx="3"/>
+          </p:nvPr>
+        </p:nvSpPr>
+        <p:spPr>
+          <a:xfrm>
+            <a:off x="4178808" y="5867400"/>
+            <a:ext cx="3520440" cy="457200"/>
+          </a:xfrm>
+          <a:noFill/>
+          <a:ln w="12700" cap="flat" cmpd="sng" algn="ctr">
+            <a:solidFill>
+              <a:schemeClr val="tx2"/>
+            </a:solidFill>
+            <a:prstDash val="solid"/>
+          </a:ln>
+          <a:effectLst/>
+        </p:spPr>
+        <p:style>
+          <a:lnRef idx="1">
+            <a:schemeClr val="accent2"/>
+          </a:lnRef>
+          <a:fillRef idx="3">
+            <a:schemeClr val="accent2"/>
+          </a:fillRef>
+          <a:effectRef idx="2">
+            <a:schemeClr val="accent2"/>
+          </a:effectRef>
+          <a:fontRef idx="minor">
+            <a:schemeClr val="lt1"/>
+          </a:fontRef>
+        </p:style>
+        <p:txBody>
+          <a:bodyPr anchor="ctr"/>
+          <a:lstStyle>
+            <a:lvl1pPr marL="0" indent="0" algn="ctr">
+              <a:buNone/>
+              <a:defRPr sz="1800" b="1">
+                <a:solidFill>
+                  <a:schemeClr val="tx2"/>
+                </a:solidFill>
+                <a:effectLst/>
+              </a:defRPr>
+            </a:lvl1pPr>
+            <a:lvl2pPr>
+              <a:buNone/>
+              <a:defRPr sz="2000" b="1"/>
+            </a:lvl2pPr>
+            <a:lvl3pPr>
+              <a:buNone/>
+              <a:defRPr sz="1800" b="1"/>
+            </a:lvl3pPr>
+            <a:lvl4pPr>
+              <a:buNone/>
+              <a:defRPr sz="1600" b="1"/>
+            </a:lvl4pPr>
+            <a:lvl5pPr>
+              <a:buNone/>
+              <a:defRPr sz="1600" b="1"/>
+            </a:lvl5pPr>
+            <a:extLst/>
+          </a:lstStyle>
+          <a:p>
+            <a:pPr lvl="0" eaLnBrk="1" latinLnBrk="0" hangingPunct="1"/>
+            <a:r>
+              <a:rPr kumimoji="0" lang="en-US" smtClean="0"/>
+              <a:t>Click to edit Master text styles</a:t>
+            </a:r>
+          </a:p>
+        </p:txBody>
+      </p:sp>
+      <p:sp>
+        <p:nvSpPr>
+          <p:cNvPr id="5" name="Content Placeholder 4"/>
+          <p:cNvSpPr>
+            <a:spLocks noGrp="1"/>
+          </p:cNvSpPr>
+          <p:nvPr>
+            <p:ph sz="quarter" idx="2"/>
+          </p:nvPr>
+        </p:nvSpPr>
+        <p:spPr>
+          <a:xfrm>
+            <a:off x="457200" y="1711840"/>
+            <a:ext cx="3520440" cy="4114800"/>
+          </a:xfrm>
+        </p:spPr>
+        <p:txBody>
+          <a:bodyPr/>
+          <a:lstStyle>
+            <a:lvl1pPr>
+              <a:defRPr sz="2400"/>
+            </a:lvl1pPr>
+            <a:lvl2pPr>
+              <a:defRPr sz="2000"/>
+            </a:lvl2pPr>
+            <a:lvl3pPr>
+              <a:defRPr sz="1800"/>
+            </a:lvl3pPr>
+            <a:lvl4pPr>
+              <a:defRPr sz="1600"/>
+            </a:lvl4pPr>
+            <a:lvl5pPr>
+              <a:defRPr sz="1600"/>
+            </a:lvl5pPr>
+            <a:extLst/>
+          </a:lstStyle>
+          <a:p>
+            <a:pPr lvl="0" eaLnBrk="1" latinLnBrk="0" hangingPunct="1"/>
+            <a:r>
+              <a:rPr lang="en-US" smtClean="0"/>
+              <a:t>Click to edit Master text styles</a:t>
+            </a:r>
+          </a:p>
+          <a:p>
+            <a:pPr lvl="1" eaLnBrk="1" latinLnBrk="0" hangingPunct="1"/>
+            <a:r>
+              <a:rPr lang="en-US" smtClean="0"/>
+              <a:t>Second level</a:t>
+            </a:r>
+          </a:p>
+          <a:p>
+            <a:pPr lvl="2" eaLnBrk="1" latinLnBrk="0" hangingPunct="1"/>
+            <a:r>
+              <a:rPr lang="en-US" smtClean="0"/>
+              <a:t>Third level</a:t>
+            </a:r>
+          </a:p>
+          <a:p>
+            <a:pPr lvl="3" eaLnBrk="1" latinLnBrk="0" hangingPunct="1"/>
+            <a:r>
+              <a:rPr lang="en-US" smtClean="0"/>
+              <a:t>Fourth level</a:t>
+            </a:r>
+          </a:p>
+          <a:p>
+            <a:pPr lvl="4" eaLnBrk="1" latinLnBrk="0" hangingPunct="1"/>
+            <a:r>
+              <a:rPr lang="en-US" smtClean="0"/>
+              <a:t>Fifth level</a:t>
+            </a:r>
+            <a:endParaRPr kumimoji="0" lang="en-US"/>
+          </a:p>
+        </p:txBody>
+      </p:sp>
+      <p:sp>
+        <p:nvSpPr>
+          <p:cNvPr id="6" name="Content Placeholder 5"/>
+          <p:cNvSpPr>
+            <a:spLocks noGrp="1"/>
+          </p:cNvSpPr>
+          <p:nvPr>
+            <p:ph sz="quarter" idx="4"/>
+          </p:nvPr>
+        </p:nvSpPr>
+        <p:spPr>
+          <a:xfrm>
+            <a:off x="4178808" y="1711840"/>
+            <a:ext cx="3520440" cy="4114800"/>
+          </a:xfrm>
+        </p:spPr>
+        <p:txBody>
+          <a:bodyPr/>
+          <a:lstStyle>
+            <a:lvl1pPr>
+              <a:defRPr sz="2400"/>
+            </a:lvl1pPr>
+            <a:lvl2pPr>
+              <a:defRPr sz="2000"/>
+            </a:lvl2pPr>
+            <a:lvl3pPr>
+              <a:defRPr sz="1800"/>
+            </a:lvl3pPr>
+            <a:lvl4pPr>
+              <a:defRPr sz="1600"/>
+            </a:lvl4pPr>
+            <a:lvl5pPr>
+              <a:defRPr sz="1600"/>
+            </a:lvl5pPr>
+            <a:extLst/>
+          </a:lstStyle>
+          <a:p>
+            <a:pPr lvl="0" eaLnBrk="1" latinLnBrk="0" hangingPunct="1"/>
+            <a:r>
+              <a:rPr lang="en-US" smtClean="0"/>
+              <a:t>Click to edit Master text styles</a:t>
+            </a:r>
+          </a:p>
+          <a:p>
+            <a:pPr lvl="1" eaLnBrk="1" latinLnBrk="0" hangingPunct="1"/>
+            <a:r>
+              <a:rPr lang="en-US" smtClean="0"/>
+              <a:t>Second level</a:t>
+            </a:r>
+          </a:p>
+          <a:p>
+            <a:pPr lvl="2" eaLnBrk="1" latinLnBrk="0" hangingPunct="1"/>
+            <a:r>
+              <a:rPr lang="en-US" smtClean="0"/>
+              <a:t>Third level</a:t>
+            </a:r>
+          </a:p>
+          <a:p>
+            <a:pPr lvl="3" eaLnBrk="1" latinLnBrk="0" hangingPunct="1"/>
+            <a:r>
+              <a:rPr lang="en-US" smtClean="0"/>
+              <a:t>Fourth level</a:t>
+            </a:r>
+          </a:p>
+          <a:p>
+            <a:pPr lvl="4" eaLnBrk="1" latinLnBrk="0" hangingPunct="1"/>
+            <a:r>
+              <a:rPr lang="en-US" smtClean="0"/>
+              <a:t>Fifth level</a:t>
+            </a:r>
+            <a:endParaRPr kumimoji="0" lang="en-US"/>
+          </a:p>
+        </p:txBody>
+      </p:sp>
+      <p:sp>
+        <p:nvSpPr>
+          <p:cNvPr id="7" name="Date Placeholder 6"/>
+          <p:cNvSpPr>
+            <a:spLocks noGrp="1"/>
+          </p:cNvSpPr>
+          <p:nvPr>
+            <p:ph type="dt" sz="half" idx="10"/>
+          </p:nvPr>
+        </p:nvSpPr>
+        <p:spPr/>
+        <p:txBody>
+          <a:bodyPr/>
+          <a:lstStyle>
+            <a:extLst/>
+          </a:lstStyle>
+          <a:p>
+            <a:fld id="{1D8BD707-D9CF-40AE-B4C6-C98DA3205C09}" type="datetimeFigureOut">
+              <a:rPr lang="en-US" smtClean="0"/>
+              <a:pPr/>
+              <a:t>1/26/2018</a:t>
+            </a:fld>
+            <a:endParaRPr lang="en-US"/>
+          </a:p>
+        </p:txBody>
+      </p:sp>
+      <p:sp>
+        <p:nvSpPr>
+          <p:cNvPr id="8" name="Footer Placeholder 7"/>
+          <p:cNvSpPr>
+            <a:spLocks noGrp="1"/>
+          </p:cNvSpPr>
+          <p:nvPr>
+            <p:ph type="ftr" sz="quarter" idx="11"/>
+          </p:nvPr>
+        </p:nvSpPr>
+        <p:spPr/>
+        <p:txBody>
+          <a:bodyPr/>
+          <a:lstStyle>
+            <a:extLst/>
+          </a:lstStyle>
+          <a:p>
+            <a:endParaRPr lang="en-US"/>
+          </a:p>
+        </p:txBody>
+      </p:sp>
+      <p:sp>
+        <p:nvSpPr>
+          <p:cNvPr id="9" name="Slide Number Placeholder 8"/>
+          <p:cNvSpPr>
+            <a:spLocks noGrp="1"/>
+          </p:cNvSpPr>
+          <p:nvPr>
+            <p:ph type="sldNum" sz="quarter" idx="12"/>
+          </p:nvPr>
+        </p:nvSpPr>
+        <p:spPr/>
+        <p:txBody>
+          <a:bodyPr/>
+          <a:lstStyle>
+            <a:extLst/>
+          </a:lstStyle>
+          <a:p>
+            <a:fld id="{B6F15528-21DE-4FAA-801E-634DDDAF4B2B}" type="slidenum">
+              <a:rPr lang="en-US" smtClean="0"/>
+              <a:pPr/>
+              <a:t>‹#›</a:t>
+            </a:fld>
+            <a:endParaRPr lang="en-US"/>
+          </a:p>
+        </p:txBody>
+      </p:sp>
+    </p:spTree>
+  </p:cSld>
+  <p:clrMapOvr>
+    <a:masterClrMapping/>
+  </p:clrMapOvr>
+</p:sldLayout>
+</file>
+
+<file path=ppt/slideLayouts/slideLayout39.xml><?xml version="1.0" encoding="utf-8"?>
+<p:sldLayout xmlns:a="http://schemas.openxmlformats.org/drawingml/2006/main" xmlns:r="http://schemas.openxmlformats.org/officeDocument/2006/relationships" xmlns:p="http://schemas.openxmlformats.org/presentationml/2006/main" type="titleOnly" preserve="1">
+  <p:cSld name="Title Only">
+    <p:spTree>
+      <p:nvGrpSpPr>
+        <p:cNvPr id="1" name=""/>
+        <p:cNvGrpSpPr/>
+        <p:nvPr/>
+      </p:nvGrpSpPr>
+      <p:grpSpPr>
+        <a:xfrm>
+          <a:off x="0" y="0"/>
+          <a:ext cx="0" cy="0"/>
+          <a:chOff x="0" y="0"/>
+          <a:chExt cx="0" cy="0"/>
+        </a:xfrm>
+      </p:grpSpPr>
+      <p:sp>
+        <p:nvSpPr>
+          <p:cNvPr id="2" name="Title 1"/>
+          <p:cNvSpPr>
+            <a:spLocks noGrp="1"/>
+          </p:cNvSpPr>
+          <p:nvPr>
+            <p:ph type="title"/>
+          </p:nvPr>
+        </p:nvSpPr>
+        <p:spPr>
+          <a:xfrm>
+            <a:off x="457200" y="320040"/>
+            <a:ext cx="7242048" cy="1143000"/>
+          </a:xfrm>
+        </p:spPr>
+        <p:txBody>
+          <a:bodyPr/>
+          <a:lstStyle>
+            <a:extLst/>
+          </a:lstStyle>
+          <a:p>
+            <a:r>
+              <a:rPr kumimoji="0" lang="en-US" smtClean="0"/>
+              <a:t>Click to edit Master title style</a:t>
+            </a:r>
+            <a:endParaRPr kumimoji="0" lang="en-US"/>
+          </a:p>
+        </p:txBody>
+      </p:sp>
+      <p:sp>
+        <p:nvSpPr>
+          <p:cNvPr id="3" name="Date Placeholder 2"/>
+          <p:cNvSpPr>
+            <a:spLocks noGrp="1"/>
+          </p:cNvSpPr>
+          <p:nvPr>
+            <p:ph type="dt" sz="half" idx="10"/>
+          </p:nvPr>
+        </p:nvSpPr>
+        <p:spPr/>
+        <p:txBody>
+          <a:bodyPr/>
+          <a:lstStyle>
+            <a:extLst/>
+          </a:lstStyle>
+          <a:p>
+            <a:fld id="{1D8BD707-D9CF-40AE-B4C6-C98DA3205C09}" type="datetimeFigureOut">
+              <a:rPr lang="en-US" smtClean="0"/>
+              <a:pPr/>
+              <a:t>1/26/2018</a:t>
+            </a:fld>
+            <a:endParaRPr lang="en-US"/>
+          </a:p>
+        </p:txBody>
+      </p:sp>
+      <p:sp>
+        <p:nvSpPr>
+          <p:cNvPr id="4" name="Footer Placeholder 3"/>
+          <p:cNvSpPr>
+            <a:spLocks noGrp="1"/>
+          </p:cNvSpPr>
+          <p:nvPr>
+            <p:ph type="ftr" sz="quarter" idx="11"/>
+          </p:nvPr>
+        </p:nvSpPr>
+        <p:spPr/>
+        <p:txBody>
+          <a:bodyPr/>
+          <a:lstStyle>
+            <a:extLst/>
+          </a:lstStyle>
+          <a:p>
+            <a:endParaRPr lang="en-US"/>
+          </a:p>
+        </p:txBody>
+      </p:sp>
+      <p:sp>
+        <p:nvSpPr>
+          <p:cNvPr id="5" name="Slide Number Placeholder 4"/>
+          <p:cNvSpPr>
+            <a:spLocks noGrp="1"/>
+          </p:cNvSpPr>
+          <p:nvPr>
+            <p:ph type="sldNum" sz="quarter" idx="12"/>
+          </p:nvPr>
+        </p:nvSpPr>
+        <p:spPr/>
+        <p:txBody>
+          <a:bodyPr/>
+          <a:lstStyle>
+            <a:extLst/>
+          </a:lstStyle>
+          <a:p>
+            <a:fld id="{B6F15528-21DE-4FAA-801E-634DDDAF4B2B}" type="slidenum">
+              <a:rPr lang="en-US" smtClean="0"/>
+              <a:pPr/>
+              <a:t>‹#›</a:t>
+            </a:fld>
+            <a:endParaRPr lang="en-US"/>
+          </a:p>
+        </p:txBody>
+      </p:sp>
+    </p:spTree>
+  </p:cSld>
+  <p:clrMapOvr>
+    <a:masterClrMapping/>
+  </p:clrMapOvr>
+</p:sldLayout>
+</file>
+
 <file path=ppt/slideLayouts/slideLayout4.xml><?xml version="1.0" encoding="utf-8"?>
 <p:sldLayout xmlns:a="http://schemas.openxmlformats.org/drawingml/2006/main" xmlns:r="http://schemas.openxmlformats.org/officeDocument/2006/relationships" xmlns:p="http://schemas.openxmlformats.org/presentationml/2006/main" type="twoObj" preserve="1">
   <p:cSld name="Two Content">
@@ -10530,6 +12147,1195 @@
         <p:txBody>
           <a:bodyPr/>
           <a:lstStyle>
+            <a:extLst/>
+          </a:lstStyle>
+          <a:p>
+            <a:fld id="{B6F15528-21DE-4FAA-801E-634DDDAF4B2B}" type="slidenum">
+              <a:rPr lang="en-US" smtClean="0"/>
+              <a:pPr/>
+              <a:t>‹#›</a:t>
+            </a:fld>
+            <a:endParaRPr lang="en-US"/>
+          </a:p>
+        </p:txBody>
+      </p:sp>
+    </p:spTree>
+  </p:cSld>
+  <p:clrMapOvr>
+    <a:masterClrMapping/>
+  </p:clrMapOvr>
+</p:sldLayout>
+</file>
+
+<file path=ppt/slideLayouts/slideLayout40.xml><?xml version="1.0" encoding="utf-8"?>
+<p:sldLayout xmlns:a="http://schemas.openxmlformats.org/drawingml/2006/main" xmlns:r="http://schemas.openxmlformats.org/officeDocument/2006/relationships" xmlns:p="http://schemas.openxmlformats.org/presentationml/2006/main" type="blank" preserve="1">
+  <p:cSld name="Blank">
+    <p:spTree>
+      <p:nvGrpSpPr>
+        <p:cNvPr id="1" name=""/>
+        <p:cNvGrpSpPr/>
+        <p:nvPr/>
+      </p:nvGrpSpPr>
+      <p:grpSpPr>
+        <a:xfrm>
+          <a:off x="0" y="0"/>
+          <a:ext cx="0" cy="0"/>
+          <a:chOff x="0" y="0"/>
+          <a:chExt cx="0" cy="0"/>
+        </a:xfrm>
+      </p:grpSpPr>
+      <p:sp>
+        <p:nvSpPr>
+          <p:cNvPr id="2" name="Date Placeholder 1"/>
+          <p:cNvSpPr>
+            <a:spLocks noGrp="1"/>
+          </p:cNvSpPr>
+          <p:nvPr>
+            <p:ph type="dt" sz="half" idx="10"/>
+          </p:nvPr>
+        </p:nvSpPr>
+        <p:spPr/>
+        <p:txBody>
+          <a:bodyPr/>
+          <a:lstStyle>
+            <a:lvl1pPr>
+              <a:defRPr>
+                <a:solidFill>
+                  <a:schemeClr val="tx2"/>
+                </a:solidFill>
+              </a:defRPr>
+            </a:lvl1pPr>
+            <a:extLst/>
+          </a:lstStyle>
+          <a:p>
+            <a:fld id="{1D8BD707-D9CF-40AE-B4C6-C98DA3205C09}" type="datetimeFigureOut">
+              <a:rPr lang="en-US" smtClean="0"/>
+              <a:pPr/>
+              <a:t>1/26/2018</a:t>
+            </a:fld>
+            <a:endParaRPr lang="en-US"/>
+          </a:p>
+        </p:txBody>
+      </p:sp>
+      <p:sp>
+        <p:nvSpPr>
+          <p:cNvPr id="3" name="Footer Placeholder 2"/>
+          <p:cNvSpPr>
+            <a:spLocks noGrp="1"/>
+          </p:cNvSpPr>
+          <p:nvPr>
+            <p:ph type="ftr" sz="quarter" idx="11"/>
+          </p:nvPr>
+        </p:nvSpPr>
+        <p:spPr/>
+        <p:txBody>
+          <a:bodyPr/>
+          <a:lstStyle>
+            <a:lvl1pPr>
+              <a:defRPr>
+                <a:solidFill>
+                  <a:schemeClr val="tx2"/>
+                </a:solidFill>
+              </a:defRPr>
+            </a:lvl1pPr>
+            <a:extLst/>
+          </a:lstStyle>
+          <a:p>
+            <a:endParaRPr lang="en-US"/>
+          </a:p>
+        </p:txBody>
+      </p:sp>
+      <p:sp>
+        <p:nvSpPr>
+          <p:cNvPr id="4" name="Slide Number Placeholder 3"/>
+          <p:cNvSpPr>
+            <a:spLocks noGrp="1"/>
+          </p:cNvSpPr>
+          <p:nvPr>
+            <p:ph type="sldNum" sz="quarter" idx="12"/>
+          </p:nvPr>
+        </p:nvSpPr>
+        <p:spPr/>
+        <p:txBody>
+          <a:bodyPr/>
+          <a:lstStyle>
+            <a:extLst/>
+          </a:lstStyle>
+          <a:p>
+            <a:fld id="{B6F15528-21DE-4FAA-801E-634DDDAF4B2B}" type="slidenum">
+              <a:rPr lang="en-US" smtClean="0"/>
+              <a:pPr/>
+              <a:t>‹#›</a:t>
+            </a:fld>
+            <a:endParaRPr lang="en-US"/>
+          </a:p>
+        </p:txBody>
+      </p:sp>
+    </p:spTree>
+  </p:cSld>
+  <p:clrMapOvr>
+    <a:masterClrMapping/>
+  </p:clrMapOvr>
+</p:sldLayout>
+</file>
+
+<file path=ppt/slideLayouts/slideLayout41.xml><?xml version="1.0" encoding="utf-8"?>
+<p:sldLayout xmlns:a="http://schemas.openxmlformats.org/drawingml/2006/main" xmlns:r="http://schemas.openxmlformats.org/officeDocument/2006/relationships" xmlns:p="http://schemas.openxmlformats.org/presentationml/2006/main" type="objTx" preserve="1">
+  <p:cSld name="Content with Caption">
+    <p:spTree>
+      <p:nvGrpSpPr>
+        <p:cNvPr id="1" name=""/>
+        <p:cNvGrpSpPr/>
+        <p:nvPr/>
+      </p:nvGrpSpPr>
+      <p:grpSpPr>
+        <a:xfrm>
+          <a:off x="0" y="0"/>
+          <a:ext cx="0" cy="0"/>
+          <a:chOff x="0" y="0"/>
+          <a:chExt cx="0" cy="0"/>
+        </a:xfrm>
+      </p:grpSpPr>
+      <p:sp>
+        <p:nvSpPr>
+          <p:cNvPr id="2" name="Title 1"/>
+          <p:cNvSpPr>
+            <a:spLocks noGrp="1"/>
+          </p:cNvSpPr>
+          <p:nvPr>
+            <p:ph type="title"/>
+          </p:nvPr>
+        </p:nvSpPr>
+        <p:spPr>
+          <a:xfrm>
+            <a:off x="457200" y="228600"/>
+            <a:ext cx="5897880" cy="1173480"/>
+          </a:xfrm>
+        </p:spPr>
+        <p:txBody>
+          <a:bodyPr wrap="square" anchor="b"/>
+          <a:lstStyle>
+            <a:lvl1pPr algn="l">
+              <a:buNone/>
+              <a:defRPr lang="en-US" sz="2400" baseline="0" smtClean="0"/>
+            </a:lvl1pPr>
+            <a:extLst/>
+          </a:lstStyle>
+          <a:p>
+            <a:r>
+              <a:rPr kumimoji="0" lang="en-US" smtClean="0"/>
+              <a:t>Click to edit Master title style</a:t>
+            </a:r>
+            <a:endParaRPr kumimoji="0" lang="en-US"/>
+          </a:p>
+        </p:txBody>
+      </p:sp>
+      <p:sp>
+        <p:nvSpPr>
+          <p:cNvPr id="3" name="Text Placeholder 2"/>
+          <p:cNvSpPr>
+            <a:spLocks noGrp="1"/>
+          </p:cNvSpPr>
+          <p:nvPr>
+            <p:ph type="body" idx="2"/>
+          </p:nvPr>
+        </p:nvSpPr>
+        <p:spPr>
+          <a:xfrm>
+            <a:off x="457200" y="1497416"/>
+            <a:ext cx="5897880" cy="602512"/>
+          </a:xfrm>
+        </p:spPr>
+        <p:txBody>
+          <a:bodyPr rot="0" spcFirstLastPara="0" vertOverflow="overflow" horzOverflow="overflow" vert="horz" wrap="square" lIns="45720" tIns="0" rIns="0" bIns="0" numCol="1" spcCol="0" rtlCol="0" fromWordArt="0" anchor="t" anchorCtr="0" forceAA="0" compatLnSpc="1">
+            <a:normAutofit/>
+          </a:bodyPr>
+          <a:lstStyle>
+            <a:lvl1pPr marL="0" indent="0">
+              <a:spcBef>
+                <a:spcPts val="0"/>
+              </a:spcBef>
+              <a:spcAft>
+                <a:spcPts val="0"/>
+              </a:spcAft>
+              <a:buNone/>
+              <a:defRPr sz="1400"/>
+            </a:lvl1pPr>
+            <a:lvl2pPr>
+              <a:buNone/>
+              <a:defRPr sz="1200"/>
+            </a:lvl2pPr>
+            <a:lvl3pPr>
+              <a:buNone/>
+              <a:defRPr sz="1000"/>
+            </a:lvl3pPr>
+            <a:lvl4pPr>
+              <a:buNone/>
+              <a:defRPr sz="900"/>
+            </a:lvl4pPr>
+            <a:lvl5pPr>
+              <a:buNone/>
+              <a:defRPr sz="900"/>
+            </a:lvl5pPr>
+            <a:extLst/>
+          </a:lstStyle>
+          <a:p>
+            <a:pPr lvl="0" eaLnBrk="1" latinLnBrk="0" hangingPunct="1"/>
+            <a:r>
+              <a:rPr kumimoji="0" lang="en-US" smtClean="0"/>
+              <a:t>Click to edit Master text styles</a:t>
+            </a:r>
+          </a:p>
+        </p:txBody>
+      </p:sp>
+      <p:sp>
+        <p:nvSpPr>
+          <p:cNvPr id="4" name="Content Placeholder 3"/>
+          <p:cNvSpPr>
+            <a:spLocks noGrp="1"/>
+          </p:cNvSpPr>
+          <p:nvPr>
+            <p:ph sz="half" idx="1"/>
+          </p:nvPr>
+        </p:nvSpPr>
+        <p:spPr>
+          <a:xfrm>
+            <a:off x="457200" y="2133600"/>
+            <a:ext cx="7239000" cy="4371752"/>
+          </a:xfrm>
+        </p:spPr>
+        <p:txBody>
+          <a:bodyPr/>
+          <a:lstStyle>
+            <a:lvl1pPr>
+              <a:defRPr sz="3200"/>
+            </a:lvl1pPr>
+            <a:lvl2pPr>
+              <a:defRPr sz="2800"/>
+            </a:lvl2pPr>
+            <a:lvl3pPr>
+              <a:defRPr sz="2400"/>
+            </a:lvl3pPr>
+            <a:lvl4pPr>
+              <a:defRPr sz="2000"/>
+            </a:lvl4pPr>
+            <a:lvl5pPr>
+              <a:defRPr sz="2000"/>
+            </a:lvl5pPr>
+            <a:extLst/>
+          </a:lstStyle>
+          <a:p>
+            <a:pPr lvl="0" eaLnBrk="1" latinLnBrk="0" hangingPunct="1"/>
+            <a:r>
+              <a:rPr lang="en-US" smtClean="0"/>
+              <a:t>Click to edit Master text styles</a:t>
+            </a:r>
+          </a:p>
+          <a:p>
+            <a:pPr lvl="1" eaLnBrk="1" latinLnBrk="0" hangingPunct="1"/>
+            <a:r>
+              <a:rPr lang="en-US" smtClean="0"/>
+              <a:t>Second level</a:t>
+            </a:r>
+          </a:p>
+          <a:p>
+            <a:pPr lvl="2" eaLnBrk="1" latinLnBrk="0" hangingPunct="1"/>
+            <a:r>
+              <a:rPr lang="en-US" smtClean="0"/>
+              <a:t>Third level</a:t>
+            </a:r>
+          </a:p>
+          <a:p>
+            <a:pPr lvl="3" eaLnBrk="1" latinLnBrk="0" hangingPunct="1"/>
+            <a:r>
+              <a:rPr lang="en-US" smtClean="0"/>
+              <a:t>Fourth level</a:t>
+            </a:r>
+          </a:p>
+          <a:p>
+            <a:pPr lvl="4" eaLnBrk="1" latinLnBrk="0" hangingPunct="1"/>
+            <a:r>
+              <a:rPr lang="en-US" smtClean="0"/>
+              <a:t>Fifth level</a:t>
+            </a:r>
+            <a:endParaRPr kumimoji="0" lang="en-US"/>
+          </a:p>
+        </p:txBody>
+      </p:sp>
+      <p:sp>
+        <p:nvSpPr>
+          <p:cNvPr id="5" name="Date Placeholder 4"/>
+          <p:cNvSpPr>
+            <a:spLocks noGrp="1"/>
+          </p:cNvSpPr>
+          <p:nvPr>
+            <p:ph type="dt" sz="half" idx="10"/>
+          </p:nvPr>
+        </p:nvSpPr>
+        <p:spPr/>
+        <p:txBody>
+          <a:bodyPr/>
+          <a:lstStyle>
+            <a:extLst/>
+          </a:lstStyle>
+          <a:p>
+            <a:fld id="{1D8BD707-D9CF-40AE-B4C6-C98DA3205C09}" type="datetimeFigureOut">
+              <a:rPr lang="en-US" smtClean="0"/>
+              <a:pPr/>
+              <a:t>1/26/2018</a:t>
+            </a:fld>
+            <a:endParaRPr lang="en-US"/>
+          </a:p>
+        </p:txBody>
+      </p:sp>
+      <p:sp>
+        <p:nvSpPr>
+          <p:cNvPr id="6" name="Footer Placeholder 5"/>
+          <p:cNvSpPr>
+            <a:spLocks noGrp="1"/>
+          </p:cNvSpPr>
+          <p:nvPr>
+            <p:ph type="ftr" sz="quarter" idx="11"/>
+          </p:nvPr>
+        </p:nvSpPr>
+        <p:spPr/>
+        <p:txBody>
+          <a:bodyPr/>
+          <a:lstStyle>
+            <a:extLst/>
+          </a:lstStyle>
+          <a:p>
+            <a:endParaRPr lang="en-US"/>
+          </a:p>
+        </p:txBody>
+      </p:sp>
+      <p:sp>
+        <p:nvSpPr>
+          <p:cNvPr id="7" name="Slide Number Placeholder 6"/>
+          <p:cNvSpPr>
+            <a:spLocks noGrp="1"/>
+          </p:cNvSpPr>
+          <p:nvPr>
+            <p:ph type="sldNum" sz="quarter" idx="12"/>
+          </p:nvPr>
+        </p:nvSpPr>
+        <p:spPr/>
+        <p:txBody>
+          <a:bodyPr/>
+          <a:lstStyle>
+            <a:extLst/>
+          </a:lstStyle>
+          <a:p>
+            <a:fld id="{B6F15528-21DE-4FAA-801E-634DDDAF4B2B}" type="slidenum">
+              <a:rPr lang="en-US" smtClean="0"/>
+              <a:pPr/>
+              <a:t>‹#›</a:t>
+            </a:fld>
+            <a:endParaRPr lang="en-US"/>
+          </a:p>
+        </p:txBody>
+      </p:sp>
+    </p:spTree>
+  </p:cSld>
+  <p:clrMapOvr>
+    <a:masterClrMapping/>
+  </p:clrMapOvr>
+</p:sldLayout>
+</file>
+
+<file path=ppt/slideLayouts/slideLayout42.xml><?xml version="1.0" encoding="utf-8"?>
+<p:sldLayout xmlns:a="http://schemas.openxmlformats.org/drawingml/2006/main" xmlns:r="http://schemas.openxmlformats.org/officeDocument/2006/relationships" xmlns:p="http://schemas.openxmlformats.org/presentationml/2006/main" showMasterSp="0" type="picTx" preserve="1">
+  <p:cSld name="Picture with Caption">
+    <p:bg>
+      <p:bgRef idx="1002">
+        <a:schemeClr val="bg2"/>
+      </p:bgRef>
+    </p:bg>
+    <p:spTree>
+      <p:nvGrpSpPr>
+        <p:cNvPr id="1" name=""/>
+        <p:cNvGrpSpPr/>
+        <p:nvPr/>
+      </p:nvGrpSpPr>
+      <p:grpSpPr>
+        <a:xfrm>
+          <a:off x="0" y="0"/>
+          <a:ext cx="0" cy="0"/>
+          <a:chOff x="0" y="0"/>
+          <a:chExt cx="0" cy="0"/>
+        </a:xfrm>
+      </p:grpSpPr>
+      <p:sp>
+        <p:nvSpPr>
+          <p:cNvPr id="8" name="Rectangle 7"/>
+          <p:cNvSpPr/>
+          <p:nvPr/>
+        </p:nvSpPr>
+        <p:spPr>
+          <a:xfrm rot="21240000">
+            <a:off x="597968" y="1004668"/>
+            <a:ext cx="4319527" cy="4312573"/>
+          </a:xfrm>
+          <a:prstGeom prst="rect">
+            <a:avLst/>
+          </a:prstGeom>
+          <a:solidFill>
+            <a:srgbClr val="FAFAFA"/>
+          </a:solidFill>
+          <a:ln w="1270" cap="rnd" cmpd="sng" algn="ctr">
+            <a:solidFill>
+              <a:srgbClr val="EAEAEA"/>
+            </a:solidFill>
+            <a:prstDash val="solid"/>
+          </a:ln>
+          <a:effectLst>
+            <a:outerShdw blurRad="25000" dist="12700" dir="5400000" algn="t" rotWithShape="0">
+              <a:srgbClr val="000000">
+                <a:alpha val="40000"/>
+              </a:srgbClr>
+            </a:outerShdw>
+          </a:effectLst>
+        </p:spPr>
+        <p:style>
+          <a:lnRef idx="2">
+            <a:schemeClr val="accent1"/>
+          </a:lnRef>
+          <a:fillRef idx="1">
+            <a:schemeClr val="accent1"/>
+          </a:fillRef>
+          <a:effectRef idx="0">
+            <a:schemeClr val="accent1"/>
+          </a:effectRef>
+          <a:fontRef idx="minor">
+            <a:schemeClr val="lt1"/>
+          </a:fontRef>
+        </p:style>
+        <p:txBody>
+          <a:bodyPr rtlCol="0" anchor="ctr"/>
+          <a:lstStyle>
+            <a:extLst/>
+          </a:lstStyle>
+          <a:p>
+            <a:pPr algn="ctr" eaLnBrk="1" latinLnBrk="0" hangingPunct="1"/>
+            <a:endParaRPr kumimoji="0" lang="en-US"/>
+          </a:p>
+        </p:txBody>
+      </p:sp>
+      <p:sp>
+        <p:nvSpPr>
+          <p:cNvPr id="9" name="Rectangle 8"/>
+          <p:cNvSpPr/>
+          <p:nvPr/>
+        </p:nvSpPr>
+        <p:spPr>
+          <a:xfrm rot="21420000">
+            <a:off x="596706" y="998816"/>
+            <a:ext cx="4319527" cy="4312573"/>
+          </a:xfrm>
+          <a:prstGeom prst="rect">
+            <a:avLst/>
+          </a:prstGeom>
+          <a:solidFill>
+            <a:srgbClr val="FAFAFA"/>
+          </a:solidFill>
+          <a:ln w="1270" cap="rnd" cmpd="sng" algn="ctr">
+            <a:solidFill>
+              <a:srgbClr val="EAEAEA"/>
+            </a:solidFill>
+            <a:prstDash val="solid"/>
+          </a:ln>
+          <a:effectLst>
+            <a:outerShdw blurRad="28000" dist="12700" dir="5400000" algn="tl" rotWithShape="0">
+              <a:srgbClr val="000000">
+                <a:alpha val="40000"/>
+              </a:srgbClr>
+            </a:outerShdw>
+          </a:effectLst>
+        </p:spPr>
+        <p:style>
+          <a:lnRef idx="2">
+            <a:schemeClr val="accent1"/>
+          </a:lnRef>
+          <a:fillRef idx="1">
+            <a:schemeClr val="accent1"/>
+          </a:fillRef>
+          <a:effectRef idx="0">
+            <a:schemeClr val="accent1"/>
+          </a:effectRef>
+          <a:fontRef idx="minor">
+            <a:schemeClr val="lt1"/>
+          </a:fontRef>
+        </p:style>
+        <p:txBody>
+          <a:bodyPr rtlCol="0" anchor="ctr"/>
+          <a:lstStyle>
+            <a:extLst/>
+          </a:lstStyle>
+          <a:p>
+            <a:pPr algn="ctr" eaLnBrk="1" latinLnBrk="0" hangingPunct="1"/>
+            <a:endParaRPr kumimoji="0" lang="en-US"/>
+          </a:p>
+        </p:txBody>
+      </p:sp>
+      <p:sp>
+        <p:nvSpPr>
+          <p:cNvPr id="2" name="Title 1"/>
+          <p:cNvSpPr>
+            <a:spLocks noGrp="1"/>
+          </p:cNvSpPr>
+          <p:nvPr>
+            <p:ph type="title"/>
+          </p:nvPr>
+        </p:nvSpPr>
+        <p:spPr>
+          <a:xfrm>
+            <a:off x="5389098" y="1143000"/>
+            <a:ext cx="3429000" cy="2057400"/>
+          </a:xfrm>
+        </p:spPr>
+        <p:txBody>
+          <a:bodyPr vert="horz" anchor="b"/>
+          <a:lstStyle>
+            <a:lvl1pPr algn="l">
+              <a:buNone/>
+              <a:defRPr sz="3000" b="1" baseline="0">
+                <a:ln w="500">
+                  <a:solidFill>
+                    <a:schemeClr val="tx2">
+                      <a:shade val="10000"/>
+                      <a:satMod val="135000"/>
+                    </a:schemeClr>
+                  </a:solidFill>
+                </a:ln>
+                <a:gradFill>
+                  <a:gsLst>
+                    <a:gs pos="0">
+                      <a:schemeClr val="accent4">
+                        <a:tint val="13000"/>
+                      </a:schemeClr>
+                    </a:gs>
+                    <a:gs pos="10000">
+                      <a:schemeClr val="accent4">
+                        <a:tint val="20000"/>
+                      </a:schemeClr>
+                    </a:gs>
+                    <a:gs pos="49000">
+                      <a:schemeClr val="accent4">
+                        <a:tint val="70000"/>
+                      </a:schemeClr>
+                    </a:gs>
+                    <a:gs pos="50000">
+                      <a:schemeClr val="accent4">
+                        <a:tint val="97000"/>
+                      </a:schemeClr>
+                    </a:gs>
+                    <a:gs pos="100000">
+                      <a:schemeClr val="accent4">
+                        <a:tint val="20000"/>
+                      </a:schemeClr>
+                    </a:gs>
+                  </a:gsLst>
+                  <a:lin ang="5400000" scaled="1"/>
+                </a:gradFill>
+                <a:effectLst/>
+              </a:defRPr>
+            </a:lvl1pPr>
+            <a:extLst/>
+          </a:lstStyle>
+          <a:p>
+            <a:r>
+              <a:rPr kumimoji="0" lang="en-US" smtClean="0"/>
+              <a:t>Click to edit Master title style</a:t>
+            </a:r>
+            <a:endParaRPr kumimoji="0" lang="en-US" dirty="0"/>
+          </a:p>
+        </p:txBody>
+      </p:sp>
+      <p:sp>
+        <p:nvSpPr>
+          <p:cNvPr id="4" name="Text Placeholder 3"/>
+          <p:cNvSpPr>
+            <a:spLocks noGrp="1"/>
+          </p:cNvSpPr>
+          <p:nvPr>
+            <p:ph type="body" sz="half" idx="2"/>
+          </p:nvPr>
+        </p:nvSpPr>
+        <p:spPr>
+          <a:xfrm>
+            <a:off x="5389098" y="3283634"/>
+            <a:ext cx="3429000" cy="1920240"/>
+          </a:xfrm>
+        </p:spPr>
+        <p:txBody>
+          <a:bodyPr rot="0" spcFirstLastPara="0" vertOverflow="overflow" horzOverflow="overflow" vert="horz" wrap="square" lIns="82296" tIns="0" rIns="0" bIns="0" numCol="1" spcCol="0" rtlCol="0" fromWordArt="0" anchor="t" anchorCtr="0" forceAA="0" compatLnSpc="1">
+            <a:normAutofit/>
+          </a:bodyPr>
+          <a:lstStyle>
+            <a:lvl1pPr marL="0" indent="0">
+              <a:lnSpc>
+                <a:spcPct val="100000"/>
+              </a:lnSpc>
+              <a:spcBef>
+                <a:spcPts val="0"/>
+              </a:spcBef>
+              <a:buFontTx/>
+              <a:buNone/>
+              <a:defRPr sz="1400" baseline="0">
+                <a:solidFill>
+                  <a:schemeClr val="tx1"/>
+                </a:solidFill>
+              </a:defRPr>
+            </a:lvl1pPr>
+            <a:lvl2pPr>
+              <a:defRPr sz="1200"/>
+            </a:lvl2pPr>
+            <a:lvl3pPr>
+              <a:defRPr sz="1000"/>
+            </a:lvl3pPr>
+            <a:lvl4pPr>
+              <a:defRPr sz="900"/>
+            </a:lvl4pPr>
+            <a:lvl5pPr>
+              <a:defRPr sz="900"/>
+            </a:lvl5pPr>
+            <a:extLst/>
+          </a:lstStyle>
+          <a:p>
+            <a:pPr marL="0" marR="0" lvl="0" indent="0" algn="l" defTabSz="0" rtl="0" eaLnBrk="1" fontAlgn="auto" latinLnBrk="0" hangingPunct="1">
+              <a:lnSpc>
+                <a:spcPct val="100000"/>
+              </a:lnSpc>
+              <a:spcBef>
+                <a:spcPts val="0"/>
+              </a:spcBef>
+              <a:spcAft>
+                <a:spcPts val="0"/>
+              </a:spcAft>
+              <a:buClr>
+                <a:schemeClr val="tx2"/>
+              </a:buClr>
+              <a:buSzPct val="73000"/>
+              <a:buFontTx/>
+              <a:buNone/>
+              <a:tabLst/>
+              <a:defRPr/>
+            </a:pPr>
+            <a:r>
+              <a:rPr kumimoji="0" lang="en-US" smtClean="0"/>
+              <a:t>Click to edit Master text styles</a:t>
+            </a:r>
+          </a:p>
+        </p:txBody>
+      </p:sp>
+      <p:sp>
+        <p:nvSpPr>
+          <p:cNvPr id="5" name="Date Placeholder 4"/>
+          <p:cNvSpPr>
+            <a:spLocks noGrp="1"/>
+          </p:cNvSpPr>
+          <p:nvPr>
+            <p:ph type="dt" sz="half" idx="10"/>
+          </p:nvPr>
+        </p:nvSpPr>
+        <p:spPr/>
+        <p:txBody>
+          <a:bodyPr/>
+          <a:lstStyle>
+            <a:extLst/>
+          </a:lstStyle>
+          <a:p>
+            <a:fld id="{1D8BD707-D9CF-40AE-B4C6-C98DA3205C09}" type="datetimeFigureOut">
+              <a:rPr lang="en-US" smtClean="0"/>
+              <a:pPr/>
+              <a:t>1/26/2018</a:t>
+            </a:fld>
+            <a:endParaRPr lang="en-US"/>
+          </a:p>
+        </p:txBody>
+      </p:sp>
+      <p:sp>
+        <p:nvSpPr>
+          <p:cNvPr id="6" name="Footer Placeholder 5"/>
+          <p:cNvSpPr>
+            <a:spLocks noGrp="1"/>
+          </p:cNvSpPr>
+          <p:nvPr>
+            <p:ph type="ftr" sz="quarter" idx="11"/>
+          </p:nvPr>
+        </p:nvSpPr>
+        <p:spPr/>
+        <p:txBody>
+          <a:bodyPr/>
+          <a:lstStyle>
+            <a:extLst/>
+          </a:lstStyle>
+          <a:p>
+            <a:endParaRPr lang="en-US"/>
+          </a:p>
+        </p:txBody>
+      </p:sp>
+      <p:sp>
+        <p:nvSpPr>
+          <p:cNvPr id="7" name="Slide Number Placeholder 6"/>
+          <p:cNvSpPr>
+            <a:spLocks noGrp="1"/>
+          </p:cNvSpPr>
+          <p:nvPr>
+            <p:ph type="sldNum" sz="quarter" idx="12"/>
+          </p:nvPr>
+        </p:nvSpPr>
+        <p:spPr/>
+        <p:txBody>
+          <a:bodyPr/>
+          <a:lstStyle>
+            <a:extLst/>
+          </a:lstStyle>
+          <a:p>
+            <a:fld id="{B6F15528-21DE-4FAA-801E-634DDDAF4B2B}" type="slidenum">
+              <a:rPr lang="en-US" smtClean="0"/>
+              <a:pPr/>
+              <a:t>‹#›</a:t>
+            </a:fld>
+            <a:endParaRPr lang="en-US"/>
+          </a:p>
+        </p:txBody>
+      </p:sp>
+      <p:sp>
+        <p:nvSpPr>
+          <p:cNvPr id="10" name="Picture Placeholder 9"/>
+          <p:cNvSpPr>
+            <a:spLocks noGrp="1"/>
+          </p:cNvSpPr>
+          <p:nvPr>
+            <p:ph type="pic" idx="1"/>
+          </p:nvPr>
+        </p:nvSpPr>
+        <p:spPr>
+          <a:xfrm>
+            <a:off x="663682" y="1041002"/>
+            <a:ext cx="4206240" cy="4206240"/>
+          </a:xfrm>
+          <a:solidFill>
+            <a:schemeClr val="bg2">
+              <a:shade val="50000"/>
+            </a:schemeClr>
+          </a:solidFill>
+          <a:ln w="107950">
+            <a:solidFill>
+              <a:srgbClr val="FFFFFF"/>
+            </a:solidFill>
+            <a:miter lim="800000"/>
+          </a:ln>
+          <a:effectLst>
+            <a:outerShdw blurRad="44450" dist="3810" dir="5400000" algn="tl" rotWithShape="0">
+              <a:srgbClr val="000000">
+                <a:alpha val="60000"/>
+              </a:srgbClr>
+            </a:outerShdw>
+          </a:effectLst>
+          <a:scene3d>
+            <a:camera prst="orthographicFront"/>
+            <a:lightRig rig="threePt" dir="t"/>
+          </a:scene3d>
+          <a:sp3d contourW="3810">
+            <a:contourClr>
+              <a:srgbClr val="969696"/>
+            </a:contourClr>
+          </a:sp3d>
+        </p:spPr>
+        <p:txBody>
+          <a:bodyPr/>
+          <a:lstStyle>
+            <a:lvl1pPr marL="0" indent="0">
+              <a:buNone/>
+              <a:defRPr sz="3200"/>
+            </a:lvl1pPr>
+            <a:extLst/>
+          </a:lstStyle>
+          <a:p>
+            <a:r>
+              <a:rPr kumimoji="0" lang="en-US" smtClean="0"/>
+              <a:t>Click icon to add picture</a:t>
+            </a:r>
+            <a:endParaRPr kumimoji="0" lang="en-US" dirty="0"/>
+          </a:p>
+        </p:txBody>
+      </p:sp>
+    </p:spTree>
+  </p:cSld>
+  <p:clrMapOvr>
+    <a:overrideClrMapping bg1="dk1" tx1="lt1" bg2="dk2" tx2="lt2" accent1="accent1" accent2="accent2" accent3="accent3" accent4="accent4" accent5="accent5" accent6="accent6" hlink="hlink" folHlink="folHlink"/>
+  </p:clrMapOvr>
+</p:sldLayout>
+</file>
+
+<file path=ppt/slideLayouts/slideLayout43.xml><?xml version="1.0" encoding="utf-8"?>
+<p:sldLayout xmlns:a="http://schemas.openxmlformats.org/drawingml/2006/main" xmlns:r="http://schemas.openxmlformats.org/officeDocument/2006/relationships" xmlns:p="http://schemas.openxmlformats.org/presentationml/2006/main" type="vertTx" preserve="1">
+  <p:cSld name="Title and Vertical Text">
+    <p:spTree>
+      <p:nvGrpSpPr>
+        <p:cNvPr id="1" name=""/>
+        <p:cNvGrpSpPr/>
+        <p:nvPr/>
+      </p:nvGrpSpPr>
+      <p:grpSpPr>
+        <a:xfrm>
+          <a:off x="0" y="0"/>
+          <a:ext cx="0" cy="0"/>
+          <a:chOff x="0" y="0"/>
+          <a:chExt cx="0" cy="0"/>
+        </a:xfrm>
+      </p:grpSpPr>
+      <p:sp>
+        <p:nvSpPr>
+          <p:cNvPr id="2" name="Title 1"/>
+          <p:cNvSpPr>
+            <a:spLocks noGrp="1"/>
+          </p:cNvSpPr>
+          <p:nvPr>
+            <p:ph type="title"/>
+          </p:nvPr>
+        </p:nvSpPr>
+        <p:spPr/>
+        <p:txBody>
+          <a:bodyPr/>
+          <a:lstStyle>
+            <a:extLst/>
+          </a:lstStyle>
+          <a:p>
+            <a:r>
+              <a:rPr kumimoji="0" lang="en-US" smtClean="0"/>
+              <a:t>Click to edit Master title style</a:t>
+            </a:r>
+            <a:endParaRPr kumimoji="0" lang="en-US"/>
+          </a:p>
+        </p:txBody>
+      </p:sp>
+      <p:sp>
+        <p:nvSpPr>
+          <p:cNvPr id="3" name="Vertical Text Placeholder 2"/>
+          <p:cNvSpPr>
+            <a:spLocks noGrp="1"/>
+          </p:cNvSpPr>
+          <p:nvPr>
+            <p:ph type="body" orient="vert" idx="1"/>
+          </p:nvPr>
+        </p:nvSpPr>
+        <p:spPr/>
+        <p:txBody>
+          <a:bodyPr vert="eaVert"/>
+          <a:lstStyle>
+            <a:extLst/>
+          </a:lstStyle>
+          <a:p>
+            <a:pPr lvl="0" eaLnBrk="1" latinLnBrk="0" hangingPunct="1"/>
+            <a:r>
+              <a:rPr lang="en-US" smtClean="0"/>
+              <a:t>Click to edit Master text styles</a:t>
+            </a:r>
+          </a:p>
+          <a:p>
+            <a:pPr lvl="1" eaLnBrk="1" latinLnBrk="0" hangingPunct="1"/>
+            <a:r>
+              <a:rPr lang="en-US" smtClean="0"/>
+              <a:t>Second level</a:t>
+            </a:r>
+          </a:p>
+          <a:p>
+            <a:pPr lvl="2" eaLnBrk="1" latinLnBrk="0" hangingPunct="1"/>
+            <a:r>
+              <a:rPr lang="en-US" smtClean="0"/>
+              <a:t>Third level</a:t>
+            </a:r>
+          </a:p>
+          <a:p>
+            <a:pPr lvl="3" eaLnBrk="1" latinLnBrk="0" hangingPunct="1"/>
+            <a:r>
+              <a:rPr lang="en-US" smtClean="0"/>
+              <a:t>Fourth level</a:t>
+            </a:r>
+          </a:p>
+          <a:p>
+            <a:pPr lvl="4" eaLnBrk="1" latinLnBrk="0" hangingPunct="1"/>
+            <a:r>
+              <a:rPr lang="en-US" smtClean="0"/>
+              <a:t>Fifth level</a:t>
+            </a:r>
+            <a:endParaRPr kumimoji="0" lang="en-US"/>
+          </a:p>
+        </p:txBody>
+      </p:sp>
+      <p:sp>
+        <p:nvSpPr>
+          <p:cNvPr id="4" name="Date Placeholder 3"/>
+          <p:cNvSpPr>
+            <a:spLocks noGrp="1"/>
+          </p:cNvSpPr>
+          <p:nvPr>
+            <p:ph type="dt" sz="half" idx="10"/>
+          </p:nvPr>
+        </p:nvSpPr>
+        <p:spPr/>
+        <p:txBody>
+          <a:bodyPr/>
+          <a:lstStyle>
+            <a:extLst/>
+          </a:lstStyle>
+          <a:p>
+            <a:fld id="{1D8BD707-D9CF-40AE-B4C6-C98DA3205C09}" type="datetimeFigureOut">
+              <a:rPr lang="en-US" smtClean="0"/>
+              <a:pPr/>
+              <a:t>1/26/2018</a:t>
+            </a:fld>
+            <a:endParaRPr lang="en-US"/>
+          </a:p>
+        </p:txBody>
+      </p:sp>
+      <p:sp>
+        <p:nvSpPr>
+          <p:cNvPr id="5" name="Footer Placeholder 4"/>
+          <p:cNvSpPr>
+            <a:spLocks noGrp="1"/>
+          </p:cNvSpPr>
+          <p:nvPr>
+            <p:ph type="ftr" sz="quarter" idx="11"/>
+          </p:nvPr>
+        </p:nvSpPr>
+        <p:spPr/>
+        <p:txBody>
+          <a:bodyPr/>
+          <a:lstStyle>
+            <a:extLst/>
+          </a:lstStyle>
+          <a:p>
+            <a:endParaRPr lang="en-US"/>
+          </a:p>
+        </p:txBody>
+      </p:sp>
+      <p:sp>
+        <p:nvSpPr>
+          <p:cNvPr id="6" name="Slide Number Placeholder 5"/>
+          <p:cNvSpPr>
+            <a:spLocks noGrp="1"/>
+          </p:cNvSpPr>
+          <p:nvPr>
+            <p:ph type="sldNum" sz="quarter" idx="12"/>
+          </p:nvPr>
+        </p:nvSpPr>
+        <p:spPr/>
+        <p:txBody>
+          <a:bodyPr/>
+          <a:lstStyle>
+            <a:extLst/>
+          </a:lstStyle>
+          <a:p>
+            <a:fld id="{B6F15528-21DE-4FAA-801E-634DDDAF4B2B}" type="slidenum">
+              <a:rPr lang="en-US" smtClean="0"/>
+              <a:pPr/>
+              <a:t>‹#›</a:t>
+            </a:fld>
+            <a:endParaRPr lang="en-US"/>
+          </a:p>
+        </p:txBody>
+      </p:sp>
+    </p:spTree>
+  </p:cSld>
+  <p:clrMapOvr>
+    <a:masterClrMapping/>
+  </p:clrMapOvr>
+</p:sldLayout>
+</file>
+
+<file path=ppt/slideLayouts/slideLayout44.xml><?xml version="1.0" encoding="utf-8"?>
+<p:sldLayout xmlns:a="http://schemas.openxmlformats.org/drawingml/2006/main" xmlns:r="http://schemas.openxmlformats.org/officeDocument/2006/relationships" xmlns:p="http://schemas.openxmlformats.org/presentationml/2006/main" type="vertTitleAndTx" preserve="1">
+  <p:cSld name="Vertical Title and Text">
+    <p:spTree>
+      <p:nvGrpSpPr>
+        <p:cNvPr id="1" name=""/>
+        <p:cNvGrpSpPr/>
+        <p:nvPr/>
+      </p:nvGrpSpPr>
+      <p:grpSpPr>
+        <a:xfrm>
+          <a:off x="0" y="0"/>
+          <a:ext cx="0" cy="0"/>
+          <a:chOff x="0" y="0"/>
+          <a:chExt cx="0" cy="0"/>
+        </a:xfrm>
+      </p:grpSpPr>
+      <p:sp>
+        <p:nvSpPr>
+          <p:cNvPr id="2" name="Vertical Title 1"/>
+          <p:cNvSpPr>
+            <a:spLocks noGrp="1"/>
+          </p:cNvSpPr>
+          <p:nvPr>
+            <p:ph type="title" orient="vert"/>
+          </p:nvPr>
+        </p:nvSpPr>
+        <p:spPr>
+          <a:xfrm>
+            <a:off x="6553200" y="274955"/>
+            <a:ext cx="1524000" cy="5851525"/>
+          </a:xfrm>
+        </p:spPr>
+        <p:txBody>
+          <a:bodyPr vert="eaVert" anchor="t"/>
+          <a:lstStyle>
+            <a:extLst/>
+          </a:lstStyle>
+          <a:p>
+            <a:r>
+              <a:rPr kumimoji="0" lang="en-US" smtClean="0"/>
+              <a:t>Click to edit Master title style</a:t>
+            </a:r>
+            <a:endParaRPr kumimoji="0" lang="en-US"/>
+          </a:p>
+        </p:txBody>
+      </p:sp>
+      <p:sp>
+        <p:nvSpPr>
+          <p:cNvPr id="3" name="Vertical Text Placeholder 2"/>
+          <p:cNvSpPr>
+            <a:spLocks noGrp="1"/>
+          </p:cNvSpPr>
+          <p:nvPr>
+            <p:ph type="body" orient="vert" idx="1"/>
+          </p:nvPr>
+        </p:nvSpPr>
+        <p:spPr>
+          <a:xfrm>
+            <a:off x="457200" y="274642"/>
+            <a:ext cx="6019800" cy="5851525"/>
+          </a:xfrm>
+        </p:spPr>
+        <p:txBody>
+          <a:bodyPr vert="eaVert"/>
+          <a:lstStyle>
+            <a:extLst/>
+          </a:lstStyle>
+          <a:p>
+            <a:pPr lvl="0" eaLnBrk="1" latinLnBrk="0" hangingPunct="1"/>
+            <a:r>
+              <a:rPr lang="en-US" smtClean="0"/>
+              <a:t>Click to edit Master text styles</a:t>
+            </a:r>
+          </a:p>
+          <a:p>
+            <a:pPr lvl="1" eaLnBrk="1" latinLnBrk="0" hangingPunct="1"/>
+            <a:r>
+              <a:rPr lang="en-US" smtClean="0"/>
+              <a:t>Second level</a:t>
+            </a:r>
+          </a:p>
+          <a:p>
+            <a:pPr lvl="2" eaLnBrk="1" latinLnBrk="0" hangingPunct="1"/>
+            <a:r>
+              <a:rPr lang="en-US" smtClean="0"/>
+              <a:t>Third level</a:t>
+            </a:r>
+          </a:p>
+          <a:p>
+            <a:pPr lvl="3" eaLnBrk="1" latinLnBrk="0" hangingPunct="1"/>
+            <a:r>
+              <a:rPr lang="en-US" smtClean="0"/>
+              <a:t>Fourth level</a:t>
+            </a:r>
+          </a:p>
+          <a:p>
+            <a:pPr lvl="4" eaLnBrk="1" latinLnBrk="0" hangingPunct="1"/>
+            <a:r>
+              <a:rPr lang="en-US" smtClean="0"/>
+              <a:t>Fifth level</a:t>
+            </a:r>
+            <a:endParaRPr kumimoji="0" lang="en-US"/>
+          </a:p>
+        </p:txBody>
+      </p:sp>
+      <p:sp>
+        <p:nvSpPr>
+          <p:cNvPr id="4" name="Date Placeholder 3"/>
+          <p:cNvSpPr>
+            <a:spLocks noGrp="1"/>
+          </p:cNvSpPr>
+          <p:nvPr>
+            <p:ph type="dt" sz="half" idx="10"/>
+          </p:nvPr>
+        </p:nvSpPr>
+        <p:spPr>
+          <a:xfrm>
+            <a:off x="4242816" y="6557946"/>
+            <a:ext cx="2002464" cy="226902"/>
+          </a:xfrm>
+        </p:spPr>
+        <p:txBody>
+          <a:bodyPr/>
+          <a:lstStyle>
+            <a:extLst/>
+          </a:lstStyle>
+          <a:p>
+            <a:fld id="{1D8BD707-D9CF-40AE-B4C6-C98DA3205C09}" type="datetimeFigureOut">
+              <a:rPr lang="en-US" smtClean="0"/>
+              <a:pPr/>
+              <a:t>1/26/2018</a:t>
+            </a:fld>
+            <a:endParaRPr lang="en-US"/>
+          </a:p>
+        </p:txBody>
+      </p:sp>
+      <p:sp>
+        <p:nvSpPr>
+          <p:cNvPr id="5" name="Footer Placeholder 4"/>
+          <p:cNvSpPr>
+            <a:spLocks noGrp="1"/>
+          </p:cNvSpPr>
+          <p:nvPr>
+            <p:ph type="ftr" sz="quarter" idx="11"/>
+          </p:nvPr>
+        </p:nvSpPr>
+        <p:spPr>
+          <a:xfrm>
+            <a:off x="457200" y="6556248"/>
+            <a:ext cx="3657600" cy="228600"/>
+          </a:xfrm>
+        </p:spPr>
+        <p:txBody>
+          <a:bodyPr/>
+          <a:lstStyle>
+            <a:extLst/>
+          </a:lstStyle>
+          <a:p>
+            <a:endParaRPr lang="en-US"/>
+          </a:p>
+        </p:txBody>
+      </p:sp>
+      <p:sp>
+        <p:nvSpPr>
+          <p:cNvPr id="6" name="Slide Number Placeholder 5"/>
+          <p:cNvSpPr>
+            <a:spLocks noGrp="1"/>
+          </p:cNvSpPr>
+          <p:nvPr>
+            <p:ph type="sldNum" sz="quarter" idx="12"/>
+          </p:nvPr>
+        </p:nvSpPr>
+        <p:spPr>
+          <a:xfrm>
+            <a:off x="6254496" y="6553200"/>
+            <a:ext cx="588336" cy="228600"/>
+          </a:xfrm>
+        </p:spPr>
+        <p:txBody>
+          <a:bodyPr/>
+          <a:lstStyle>
+            <a:lvl1pPr>
+              <a:defRPr>
+                <a:solidFill>
+                  <a:schemeClr val="tx2"/>
+                </a:solidFill>
+              </a:defRPr>
+            </a:lvl1pPr>
             <a:extLst/>
           </a:lstStyle>
           <a:p>
@@ -14379,6 +17185,672 @@
           <a:cs typeface="+mn-cs"/>
         </a:defRPr>
       </a:lvl9pPr>
+    </p:otherStyle>
+  </p:txStyles>
+</p:sldMaster>
+</file>
+
+<file path=ppt/slideMasters/slideMaster4.xml><?xml version="1.0" encoding="utf-8"?>
+<p:sldMaster xmlns:a="http://schemas.openxmlformats.org/drawingml/2006/main" xmlns:r="http://schemas.openxmlformats.org/officeDocument/2006/relationships" xmlns:p="http://schemas.openxmlformats.org/presentationml/2006/main">
+  <p:cSld>
+    <p:bg>
+      <p:bgRef idx="1001">
+        <a:schemeClr val="bg1"/>
+      </p:bgRef>
+    </p:bg>
+    <p:spTree>
+      <p:nvGrpSpPr>
+        <p:cNvPr id="1" name=""/>
+        <p:cNvGrpSpPr/>
+        <p:nvPr/>
+      </p:nvGrpSpPr>
+      <p:grpSpPr>
+        <a:xfrm>
+          <a:off x="0" y="0"/>
+          <a:ext cx="0" cy="0"/>
+          <a:chOff x="0" y="0"/>
+          <a:chExt cx="0" cy="0"/>
+        </a:xfrm>
+      </p:grpSpPr>
+      <p:sp>
+        <p:nvSpPr>
+          <p:cNvPr id="9" name="Rectangle 8"/>
+          <p:cNvSpPr/>
+          <p:nvPr/>
+        </p:nvSpPr>
+        <p:spPr>
+          <a:xfrm flipH="1">
+            <a:off x="8153400" y="0"/>
+            <a:ext cx="990600" cy="6858000"/>
+          </a:xfrm>
+          <a:prstGeom prst="rect">
+            <a:avLst/>
+          </a:prstGeom>
+          <a:blipFill>
+            <a:blip r:embed="rId13" cstate="print">
+              <a:alphaModFix amt="43000"/>
+            </a:blip>
+            <a:tile tx="0" ty="0" sx="50000" sy="50000" flip="none" algn="tl"/>
+          </a:blipFill>
+          <a:ln w="0" cap="flat" cmpd="sng" algn="ctr">
+            <a:noFill/>
+            <a:prstDash val="solid"/>
+          </a:ln>
+          <a:effectLst>
+            <a:fillOverlay blend="mult">
+              <a:gradFill rotWithShape="1">
+                <a:gsLst>
+                  <a:gs pos="0">
+                    <a:schemeClr val="tx2">
+                      <a:tint val="62000"/>
+                      <a:satMod val="420000"/>
+                    </a:schemeClr>
+                  </a:gs>
+                  <a:gs pos="100000">
+                    <a:schemeClr val="tx2">
+                      <a:shade val="20000"/>
+                      <a:satMod val="170000"/>
+                    </a:schemeClr>
+                  </a:gs>
+                </a:gsLst>
+                <a:path path="circle">
+                  <a:fillToRect l="50000" t="110000" r="50000" b="-10000"/>
+                </a:path>
+                <a:tileRect/>
+              </a:gradFill>
+            </a:fillOverlay>
+            <a:innerShdw blurRad="63500" dist="44450" dir="10800000">
+              <a:srgbClr val="000000">
+                <a:alpha val="45000"/>
+              </a:srgbClr>
+            </a:innerShdw>
+          </a:effectLst>
+        </p:spPr>
+        <p:style>
+          <a:lnRef idx="3">
+            <a:schemeClr val="lt1"/>
+          </a:lnRef>
+          <a:fillRef idx="1">
+            <a:schemeClr val="accent1"/>
+          </a:fillRef>
+          <a:effectRef idx="1">
+            <a:schemeClr val="accent1"/>
+          </a:effectRef>
+          <a:fontRef idx="minor">
+            <a:schemeClr val="lt1"/>
+          </a:fontRef>
+        </p:style>
+        <p:txBody>
+          <a:bodyPr anchor="ctr"/>
+          <a:lstStyle>
+            <a:extLst/>
+          </a:lstStyle>
+          <a:p>
+            <a:pPr algn="ctr" eaLnBrk="1" latinLnBrk="0" hangingPunct="1"/>
+            <a:endParaRPr kumimoji="0" lang="en-US"/>
+          </a:p>
+        </p:txBody>
+      </p:sp>
+      <p:sp>
+        <p:nvSpPr>
+          <p:cNvPr id="3" name="Title Placeholder 2"/>
+          <p:cNvSpPr>
+            <a:spLocks noGrp="1"/>
+          </p:cNvSpPr>
+          <p:nvPr>
+            <p:ph type="title"/>
+          </p:nvPr>
+        </p:nvSpPr>
+        <p:spPr>
+          <a:xfrm>
+            <a:off x="457200" y="320040"/>
+            <a:ext cx="7239000" cy="1143000"/>
+          </a:xfrm>
+          <a:prstGeom prst="rect">
+            <a:avLst/>
+          </a:prstGeom>
+        </p:spPr>
+        <p:txBody>
+          <a:bodyPr vert="horz" lIns="45720" tIns="0" rIns="45720" bIns="0" anchor="b" anchorCtr="0">
+            <a:normAutofit/>
+          </a:bodyPr>
+          <a:lstStyle>
+            <a:extLst/>
+          </a:lstStyle>
+          <a:p>
+            <a:r>
+              <a:rPr kumimoji="0" lang="en-US" smtClean="0"/>
+              <a:t>Click to edit Master title style</a:t>
+            </a:r>
+            <a:endParaRPr kumimoji="0" lang="en-US"/>
+          </a:p>
+        </p:txBody>
+      </p:sp>
+      <p:sp>
+        <p:nvSpPr>
+          <p:cNvPr id="31" name="Text Placeholder 30"/>
+          <p:cNvSpPr>
+            <a:spLocks noGrp="1"/>
+          </p:cNvSpPr>
+          <p:nvPr>
+            <p:ph type="body" idx="1"/>
+          </p:nvPr>
+        </p:nvSpPr>
+        <p:spPr>
+          <a:xfrm>
+            <a:off x="457200" y="1609416"/>
+            <a:ext cx="7239000" cy="4846320"/>
+          </a:xfrm>
+          <a:prstGeom prst="rect">
+            <a:avLst/>
+          </a:prstGeom>
+        </p:spPr>
+        <p:txBody>
+          <a:bodyPr vert="horz">
+            <a:normAutofit/>
+          </a:bodyPr>
+          <a:lstStyle>
+            <a:extLst/>
+          </a:lstStyle>
+          <a:p>
+            <a:pPr lvl="0" eaLnBrk="1" latinLnBrk="0" hangingPunct="1"/>
+            <a:r>
+              <a:rPr kumimoji="0" lang="en-US" smtClean="0"/>
+              <a:t>Click to edit Master text styles</a:t>
+            </a:r>
+          </a:p>
+          <a:p>
+            <a:pPr lvl="1" eaLnBrk="1" latinLnBrk="0" hangingPunct="1"/>
+            <a:r>
+              <a:rPr kumimoji="0" lang="en-US" smtClean="0"/>
+              <a:t>Second level</a:t>
+            </a:r>
+          </a:p>
+          <a:p>
+            <a:pPr lvl="2" eaLnBrk="1" latinLnBrk="0" hangingPunct="1"/>
+            <a:r>
+              <a:rPr kumimoji="0" lang="en-US" smtClean="0"/>
+              <a:t>Third level</a:t>
+            </a:r>
+          </a:p>
+          <a:p>
+            <a:pPr lvl="3" eaLnBrk="1" latinLnBrk="0" hangingPunct="1"/>
+            <a:r>
+              <a:rPr kumimoji="0" lang="en-US" smtClean="0"/>
+              <a:t>Fourth level</a:t>
+            </a:r>
+          </a:p>
+          <a:p>
+            <a:pPr lvl="4" eaLnBrk="1" latinLnBrk="0" hangingPunct="1"/>
+            <a:r>
+              <a:rPr kumimoji="0" lang="en-US" smtClean="0"/>
+              <a:t>Fifth level</a:t>
+            </a:r>
+            <a:endParaRPr kumimoji="0" lang="en-US"/>
+          </a:p>
+        </p:txBody>
+      </p:sp>
+      <p:sp>
+        <p:nvSpPr>
+          <p:cNvPr id="27" name="Date Placeholder 26"/>
+          <p:cNvSpPr>
+            <a:spLocks noGrp="1"/>
+          </p:cNvSpPr>
+          <p:nvPr>
+            <p:ph type="dt" sz="half" idx="2"/>
+          </p:nvPr>
+        </p:nvSpPr>
+        <p:spPr>
+          <a:xfrm>
+            <a:off x="4245936" y="6557946"/>
+            <a:ext cx="2002464" cy="226902"/>
+          </a:xfrm>
+          <a:prstGeom prst="rect">
+            <a:avLst/>
+          </a:prstGeom>
+        </p:spPr>
+        <p:txBody>
+          <a:bodyPr vert="horz" tIns="0" bIns="0" anchor="b"/>
+          <a:lstStyle>
+            <a:lvl1pPr algn="l" eaLnBrk="1" latinLnBrk="0" hangingPunct="1">
+              <a:defRPr kumimoji="0" sz="1000">
+                <a:solidFill>
+                  <a:schemeClr val="tx2"/>
+                </a:solidFill>
+              </a:defRPr>
+            </a:lvl1pPr>
+            <a:extLst/>
+          </a:lstStyle>
+          <a:p>
+            <a:fld id="{1D8BD707-D9CF-40AE-B4C6-C98DA3205C09}" type="datetimeFigureOut">
+              <a:rPr lang="en-US" smtClean="0"/>
+              <a:pPr/>
+              <a:t>1/26/2018</a:t>
+            </a:fld>
+            <a:endParaRPr lang="en-US"/>
+          </a:p>
+        </p:txBody>
+      </p:sp>
+      <p:sp>
+        <p:nvSpPr>
+          <p:cNvPr id="4" name="Footer Placeholder 3"/>
+          <p:cNvSpPr>
+            <a:spLocks noGrp="1"/>
+          </p:cNvSpPr>
+          <p:nvPr>
+            <p:ph type="ftr" sz="quarter" idx="3"/>
+          </p:nvPr>
+        </p:nvSpPr>
+        <p:spPr>
+          <a:xfrm>
+            <a:off x="457200" y="6557946"/>
+            <a:ext cx="3657600" cy="228600"/>
+          </a:xfrm>
+          <a:prstGeom prst="rect">
+            <a:avLst/>
+          </a:prstGeom>
+        </p:spPr>
+        <p:txBody>
+          <a:bodyPr vert="horz" tIns="0" bIns="0" anchor="b"/>
+          <a:lstStyle>
+            <a:lvl1pPr algn="r" eaLnBrk="1" latinLnBrk="0" hangingPunct="1">
+              <a:defRPr kumimoji="0" sz="1000">
+                <a:solidFill>
+                  <a:schemeClr val="tx2"/>
+                </a:solidFill>
+              </a:defRPr>
+            </a:lvl1pPr>
+            <a:extLst/>
+          </a:lstStyle>
+          <a:p>
+            <a:endParaRPr lang="en-US"/>
+          </a:p>
+        </p:txBody>
+      </p:sp>
+      <p:sp>
+        <p:nvSpPr>
+          <p:cNvPr id="16" name="Slide Number Placeholder 15"/>
+          <p:cNvSpPr>
+            <a:spLocks noGrp="1"/>
+          </p:cNvSpPr>
+          <p:nvPr>
+            <p:ph type="sldNum" sz="quarter" idx="4"/>
+          </p:nvPr>
+        </p:nvSpPr>
+        <p:spPr>
+          <a:xfrm>
+            <a:off x="6251448" y="6556248"/>
+            <a:ext cx="588336" cy="228600"/>
+          </a:xfrm>
+          <a:prstGeom prst="rect">
+            <a:avLst/>
+          </a:prstGeom>
+        </p:spPr>
+        <p:txBody>
+          <a:bodyPr vert="horz" lIns="0" tIns="0" rIns="0" bIns="0" anchor="b"/>
+          <a:lstStyle>
+            <a:lvl1pPr algn="r" eaLnBrk="1" latinLnBrk="0" hangingPunct="1">
+              <a:defRPr kumimoji="0" sz="1100">
+                <a:solidFill>
+                  <a:schemeClr val="tx2"/>
+                </a:solidFill>
+              </a:defRPr>
+            </a:lvl1pPr>
+            <a:extLst/>
+          </a:lstStyle>
+          <a:p>
+            <a:fld id="{B6F15528-21DE-4FAA-801E-634DDDAF4B2B}" type="slidenum">
+              <a:rPr lang="en-US" smtClean="0"/>
+              <a:pPr/>
+              <a:t>‹#›</a:t>
+            </a:fld>
+            <a:endParaRPr lang="en-US"/>
+          </a:p>
+        </p:txBody>
+      </p:sp>
+    </p:spTree>
+  </p:cSld>
+  <p:clrMap bg1="lt1" tx1="dk1" bg2="lt2" tx2="dk2" accent1="accent1" accent2="accent2" accent3="accent3" accent4="accent4" accent5="accent5" accent6="accent6" hlink="hlink" folHlink="folHlink"/>
+  <p:sldLayoutIdLst>
+    <p:sldLayoutId id="2147483709" r:id="rId1"/>
+    <p:sldLayoutId id="2147483710" r:id="rId2"/>
+    <p:sldLayoutId id="2147483711" r:id="rId3"/>
+    <p:sldLayoutId id="2147483712" r:id="rId4"/>
+    <p:sldLayoutId id="2147483713" r:id="rId5"/>
+    <p:sldLayoutId id="2147483714" r:id="rId6"/>
+    <p:sldLayoutId id="2147483715" r:id="rId7"/>
+    <p:sldLayoutId id="2147483716" r:id="rId8"/>
+    <p:sldLayoutId id="2147483717" r:id="rId9"/>
+    <p:sldLayoutId id="2147483718" r:id="rId10"/>
+    <p:sldLayoutId id="2147483719" r:id="rId11"/>
+  </p:sldLayoutIdLst>
+  <p:txStyles>
+    <p:titleStyle>
+      <a:lvl1pPr algn="l" rtl="0" eaLnBrk="1" latinLnBrk="0" hangingPunct="1">
+        <a:spcBef>
+          <a:spcPct val="0"/>
+        </a:spcBef>
+        <a:buNone/>
+        <a:defRPr kumimoji="0" sz="3800" b="1" kern="1200" cap="all" baseline="0">
+          <a:ln w="500">
+            <a:solidFill>
+              <a:schemeClr val="tx2">
+                <a:shade val="20000"/>
+                <a:satMod val="120000"/>
+              </a:schemeClr>
+            </a:solidFill>
+          </a:ln>
+          <a:gradFill>
+            <a:gsLst>
+              <a:gs pos="0">
+                <a:schemeClr val="accent4">
+                  <a:tint val="13000"/>
+                </a:schemeClr>
+              </a:gs>
+              <a:gs pos="10000">
+                <a:schemeClr val="accent4">
+                  <a:tint val="20000"/>
+                </a:schemeClr>
+              </a:gs>
+              <a:gs pos="49000">
+                <a:schemeClr val="accent4">
+                  <a:tint val="70000"/>
+                </a:schemeClr>
+              </a:gs>
+              <a:gs pos="50000">
+                <a:schemeClr val="accent4">
+                  <a:tint val="97000"/>
+                </a:schemeClr>
+              </a:gs>
+              <a:gs pos="100000">
+                <a:schemeClr val="accent4">
+                  <a:tint val="20000"/>
+                </a:schemeClr>
+              </a:gs>
+            </a:gsLst>
+            <a:lin ang="5400000" scaled="1"/>
+          </a:gradFill>
+          <a:effectLst/>
+          <a:latin typeface="+mj-lt"/>
+          <a:ea typeface="+mj-ea"/>
+          <a:cs typeface="+mj-cs"/>
+        </a:defRPr>
+      </a:lvl1pPr>
+      <a:extLst/>
+    </p:titleStyle>
+    <p:bodyStyle>
+      <a:lvl1pPr marL="274320" indent="-274320" algn="l" rtl="0" eaLnBrk="1" latinLnBrk="0" hangingPunct="1">
+        <a:spcBef>
+          <a:spcPts val="600"/>
+        </a:spcBef>
+        <a:buClr>
+          <a:schemeClr val="tx2"/>
+        </a:buClr>
+        <a:buSzPct val="73000"/>
+        <a:buFont typeface="Wingdings 2"/>
+        <a:buChar char=""/>
+        <a:defRPr kumimoji="0" sz="2600" kern="1200" baseline="0">
+          <a:solidFill>
+            <a:schemeClr val="tx1"/>
+          </a:solidFill>
+          <a:latin typeface="+mn-lt"/>
+          <a:ea typeface="+mn-ea"/>
+          <a:cs typeface="+mn-cs"/>
+        </a:defRPr>
+      </a:lvl1pPr>
+      <a:lvl2pPr marL="521208" indent="-228600" algn="l" rtl="0" eaLnBrk="1" latinLnBrk="0" hangingPunct="1">
+        <a:spcBef>
+          <a:spcPts val="500"/>
+        </a:spcBef>
+        <a:buClr>
+          <a:schemeClr val="accent4"/>
+        </a:buClr>
+        <a:buSzPct val="80000"/>
+        <a:buFont typeface="Wingdings 2"/>
+        <a:buChar char=""/>
+        <a:defRPr kumimoji="0" sz="2300" kern="1200">
+          <a:solidFill>
+            <a:schemeClr val="tx1">
+              <a:tint val="85000"/>
+            </a:schemeClr>
+          </a:solidFill>
+          <a:latin typeface="+mn-lt"/>
+          <a:ea typeface="+mn-ea"/>
+          <a:cs typeface="+mn-cs"/>
+        </a:defRPr>
+      </a:lvl2pPr>
+      <a:lvl3pPr marL="758952" indent="-228600" algn="l" rtl="0" eaLnBrk="1" latinLnBrk="0" hangingPunct="1">
+        <a:spcBef>
+          <a:spcPts val="400"/>
+        </a:spcBef>
+        <a:buClr>
+          <a:schemeClr val="accent4"/>
+        </a:buClr>
+        <a:buSzPct val="60000"/>
+        <a:buFont typeface="Wingdings"/>
+        <a:buChar char=""/>
+        <a:defRPr kumimoji="0" sz="2000" kern="1200">
+          <a:solidFill>
+            <a:schemeClr val="tx1"/>
+          </a:solidFill>
+          <a:latin typeface="+mn-lt"/>
+          <a:ea typeface="+mn-ea"/>
+          <a:cs typeface="+mn-cs"/>
+        </a:defRPr>
+      </a:lvl3pPr>
+      <a:lvl4pPr marL="1005840" indent="-228600" algn="l" rtl="0" eaLnBrk="1" latinLnBrk="0" hangingPunct="1">
+        <a:spcBef>
+          <a:spcPct val="20000"/>
+        </a:spcBef>
+        <a:buClr>
+          <a:schemeClr val="accent4"/>
+        </a:buClr>
+        <a:buSzPct val="80000"/>
+        <a:buFont typeface="Wingdings 2"/>
+        <a:buChar char=""/>
+        <a:defRPr kumimoji="0" sz="2000" kern="1200">
+          <a:solidFill>
+            <a:schemeClr val="tx1">
+              <a:tint val="85000"/>
+            </a:schemeClr>
+          </a:solidFill>
+          <a:latin typeface="+mn-lt"/>
+          <a:ea typeface="+mn-ea"/>
+          <a:cs typeface="+mn-cs"/>
+        </a:defRPr>
+      </a:lvl4pPr>
+      <a:lvl5pPr marL="1280160" indent="-228600" algn="l" rtl="0" eaLnBrk="1" latinLnBrk="0" hangingPunct="1">
+        <a:spcBef>
+          <a:spcPts val="400"/>
+        </a:spcBef>
+        <a:buClr>
+          <a:schemeClr val="accent4"/>
+        </a:buClr>
+        <a:buSzPct val="70000"/>
+        <a:buFont typeface="Wingdings"/>
+        <a:buChar char=""/>
+        <a:defRPr kumimoji="0" sz="1800" kern="1200">
+          <a:solidFill>
+            <a:schemeClr val="tx1"/>
+          </a:solidFill>
+          <a:latin typeface="+mn-lt"/>
+          <a:ea typeface="+mn-ea"/>
+          <a:cs typeface="+mn-cs"/>
+        </a:defRPr>
+      </a:lvl5pPr>
+      <a:lvl6pPr marL="1472184" indent="-182880" algn="l" rtl="0" eaLnBrk="1" latinLnBrk="0" hangingPunct="1">
+        <a:spcBef>
+          <a:spcPts val="400"/>
+        </a:spcBef>
+        <a:buClr>
+          <a:schemeClr val="accent4"/>
+        </a:buClr>
+        <a:buSzPct val="80000"/>
+        <a:buFont typeface="Wingdings 2"/>
+        <a:buChar char=""/>
+        <a:defRPr kumimoji="0" sz="1800" kern="1200">
+          <a:solidFill>
+            <a:schemeClr val="tx1">
+              <a:tint val="85000"/>
+            </a:schemeClr>
+          </a:solidFill>
+          <a:latin typeface="+mn-lt"/>
+          <a:ea typeface="+mn-ea"/>
+          <a:cs typeface="+mn-cs"/>
+        </a:defRPr>
+      </a:lvl6pPr>
+      <a:lvl7pPr marL="1673352" indent="-182880" algn="l" rtl="0" eaLnBrk="1" latinLnBrk="0" hangingPunct="1">
+        <a:spcBef>
+          <a:spcPct val="20000"/>
+        </a:spcBef>
+        <a:buClr>
+          <a:schemeClr val="accent4"/>
+        </a:buClr>
+        <a:buSzPct val="80000"/>
+        <a:buFont typeface="Wingdings 2"/>
+        <a:buChar char=""/>
+        <a:defRPr kumimoji="0" sz="1600" kern="1200" baseline="0">
+          <a:solidFill>
+            <a:schemeClr val="tx1"/>
+          </a:solidFill>
+          <a:latin typeface="+mn-lt"/>
+          <a:ea typeface="+mn-ea"/>
+          <a:cs typeface="+mn-cs"/>
+        </a:defRPr>
+      </a:lvl7pPr>
+      <a:lvl8pPr marL="1847088" indent="-182880" algn="l" rtl="0" eaLnBrk="1" latinLnBrk="0" hangingPunct="1">
+        <a:spcBef>
+          <a:spcPts val="300"/>
+        </a:spcBef>
+        <a:buClr>
+          <a:schemeClr val="accent4"/>
+        </a:buClr>
+        <a:buSzPct val="100000"/>
+        <a:buChar char="•"/>
+        <a:defRPr kumimoji="0" sz="1600" kern="1200" baseline="0">
+          <a:solidFill>
+            <a:schemeClr val="tx1">
+              <a:tint val="85000"/>
+            </a:schemeClr>
+          </a:solidFill>
+          <a:latin typeface="+mn-lt"/>
+          <a:ea typeface="+mn-ea"/>
+          <a:cs typeface="+mn-cs"/>
+        </a:defRPr>
+      </a:lvl8pPr>
+      <a:lvl9pPr marL="2057400" indent="-182880" algn="l" rtl="0" eaLnBrk="1" latinLnBrk="0" hangingPunct="1">
+        <a:spcBef>
+          <a:spcPct val="20000"/>
+        </a:spcBef>
+        <a:buClr>
+          <a:schemeClr val="accent4"/>
+        </a:buClr>
+        <a:buSzPct val="100000"/>
+        <a:buFont typeface="Wingdings"/>
+        <a:buChar char="§"/>
+        <a:defRPr kumimoji="0" sz="1400" kern="1200" baseline="0">
+          <a:solidFill>
+            <a:schemeClr val="tx1"/>
+          </a:solidFill>
+          <a:latin typeface="+mn-lt"/>
+          <a:ea typeface="+mn-ea"/>
+          <a:cs typeface="+mn-cs"/>
+        </a:defRPr>
+      </a:lvl9pPr>
+      <a:extLst/>
+    </p:bodyStyle>
+    <p:otherStyle>
+      <a:lvl1pPr marL="0" algn="l" rtl="0" eaLnBrk="1" latinLnBrk="0" hangingPunct="1">
+        <a:defRPr kumimoji="0" kern="1200">
+          <a:solidFill>
+            <a:schemeClr val="tx1"/>
+          </a:solidFill>
+          <a:latin typeface="+mn-lt"/>
+          <a:ea typeface="+mn-ea"/>
+          <a:cs typeface="+mn-cs"/>
+        </a:defRPr>
+      </a:lvl1pPr>
+      <a:lvl2pPr marL="457200" algn="l" rtl="0" eaLnBrk="1" latinLnBrk="0" hangingPunct="1">
+        <a:defRPr kumimoji="0" kern="1200">
+          <a:solidFill>
+            <a:schemeClr val="tx1"/>
+          </a:solidFill>
+          <a:latin typeface="+mn-lt"/>
+          <a:ea typeface="+mn-ea"/>
+          <a:cs typeface="+mn-cs"/>
+        </a:defRPr>
+      </a:lvl2pPr>
+      <a:lvl3pPr marL="914400" algn="l" rtl="0" eaLnBrk="1" latinLnBrk="0" hangingPunct="1">
+        <a:defRPr kumimoji="0" kern="1200">
+          <a:solidFill>
+            <a:schemeClr val="tx1"/>
+          </a:solidFill>
+          <a:latin typeface="+mn-lt"/>
+          <a:ea typeface="+mn-ea"/>
+          <a:cs typeface="+mn-cs"/>
+        </a:defRPr>
+      </a:lvl3pPr>
+      <a:lvl4pPr marL="1371600" algn="l" rtl="0" eaLnBrk="1" latinLnBrk="0" hangingPunct="1">
+        <a:defRPr kumimoji="0" kern="1200">
+          <a:solidFill>
+            <a:schemeClr val="tx1"/>
+          </a:solidFill>
+          <a:latin typeface="+mn-lt"/>
+          <a:ea typeface="+mn-ea"/>
+          <a:cs typeface="+mn-cs"/>
+        </a:defRPr>
+      </a:lvl4pPr>
+      <a:lvl5pPr marL="1828800" algn="l" rtl="0" eaLnBrk="1" latinLnBrk="0" hangingPunct="1">
+        <a:defRPr kumimoji="0" kern="1200">
+          <a:solidFill>
+            <a:schemeClr val="tx1"/>
+          </a:solidFill>
+          <a:latin typeface="+mn-lt"/>
+          <a:ea typeface="+mn-ea"/>
+          <a:cs typeface="+mn-cs"/>
+        </a:defRPr>
+      </a:lvl5pPr>
+      <a:lvl6pPr marL="2286000" algn="l" rtl="0" eaLnBrk="1" latinLnBrk="0" hangingPunct="1">
+        <a:defRPr kumimoji="0" kern="1200">
+          <a:solidFill>
+            <a:schemeClr val="tx1"/>
+          </a:solidFill>
+          <a:latin typeface="+mn-lt"/>
+          <a:ea typeface="+mn-ea"/>
+          <a:cs typeface="+mn-cs"/>
+        </a:defRPr>
+      </a:lvl6pPr>
+      <a:lvl7pPr marL="2743200" algn="l" rtl="0" eaLnBrk="1" latinLnBrk="0" hangingPunct="1">
+        <a:defRPr kumimoji="0" kern="1200">
+          <a:solidFill>
+            <a:schemeClr val="tx1"/>
+          </a:solidFill>
+          <a:latin typeface="+mn-lt"/>
+          <a:ea typeface="+mn-ea"/>
+          <a:cs typeface="+mn-cs"/>
+        </a:defRPr>
+      </a:lvl7pPr>
+      <a:lvl8pPr marL="3200400" algn="l" rtl="0" eaLnBrk="1" latinLnBrk="0" hangingPunct="1">
+        <a:defRPr kumimoji="0" kern="1200">
+          <a:solidFill>
+            <a:schemeClr val="tx1"/>
+          </a:solidFill>
+          <a:latin typeface="+mn-lt"/>
+          <a:ea typeface="+mn-ea"/>
+          <a:cs typeface="+mn-cs"/>
+        </a:defRPr>
+      </a:lvl8pPr>
+      <a:lvl9pPr marL="3657600" algn="l" rtl="0" eaLnBrk="1" latinLnBrk="0" hangingPunct="1">
+        <a:defRPr kumimoji="0" kern="1200">
+          <a:solidFill>
+            <a:schemeClr val="tx1"/>
+          </a:solidFill>
+          <a:latin typeface="+mn-lt"/>
+          <a:ea typeface="+mn-ea"/>
+          <a:cs typeface="+mn-cs"/>
+        </a:defRPr>
+      </a:lvl9pPr>
+      <a:extLst/>
     </p:otherStyle>
   </p:txStyles>
 </p:sldMaster>
@@ -17369,99 +20841,6 @@
 </file>
 
 <file path=ppt/slides/slide5.xml><?xml version="1.0" encoding="utf-8"?>
-<p:sld xmlns:a="http://schemas.openxmlformats.org/drawingml/2006/main" xmlns:r="http://schemas.openxmlformats.org/officeDocument/2006/relationships" xmlns:p="http://schemas.openxmlformats.org/presentationml/2006/main">
-  <p:cSld>
-    <p:spTree>
-      <p:nvGrpSpPr>
-        <p:cNvPr id="1" name=""/>
-        <p:cNvGrpSpPr/>
-        <p:nvPr/>
-      </p:nvGrpSpPr>
-      <p:grpSpPr>
-        <a:xfrm>
-          <a:off x="0" y="0"/>
-          <a:ext cx="0" cy="0"/>
-          <a:chOff x="0" y="0"/>
-          <a:chExt cx="0" cy="0"/>
-        </a:xfrm>
-      </p:grpSpPr>
-      <p:sp>
-        <p:nvSpPr>
-          <p:cNvPr id="2" name="Title 1"/>
-          <p:cNvSpPr>
-            <a:spLocks noGrp="1"/>
-          </p:cNvSpPr>
-          <p:nvPr>
-            <p:ph type="title"/>
-          </p:nvPr>
-        </p:nvSpPr>
-        <p:spPr/>
-        <p:txBody>
-          <a:bodyPr/>
-          <a:lstStyle/>
-          <a:p>
-            <a:pPr algn="ctr"/>
-            <a:r>
-              <a:rPr lang="en-US" dirty="0" smtClean="0"/>
-              <a:t>Block Structure</a:t>
-            </a:r>
-            <a:endParaRPr lang="en-IN" dirty="0"/>
-          </a:p>
-        </p:txBody>
-      </p:sp>
-      <p:pic>
-        <p:nvPicPr>
-          <p:cNvPr id="1026" name="Picture 2" descr="C:\Users\Dits\Desktop\biconnected.png"/>
-          <p:cNvPicPr>
-            <a:picLocks noChangeAspect="1" noChangeArrowheads="1"/>
-          </p:cNvPicPr>
-          <p:nvPr/>
-        </p:nvPicPr>
-        <p:blipFill>
-          <a:blip r:embed="rId2" cstate="print">
-            <a:clrChange>
-              <a:clrFrom>
-                <a:srgbClr val="FFFFFF"/>
-              </a:clrFrom>
-              <a:clrTo>
-                <a:srgbClr val="FFFFFF">
-                  <a:alpha val="0"/>
-                </a:srgbClr>
-              </a:clrTo>
-            </a:clrChange>
-          </a:blip>
-          <a:srcRect/>
-          <a:stretch>
-            <a:fillRect/>
-          </a:stretch>
-        </p:blipFill>
-        <p:spPr bwMode="auto">
-          <a:xfrm>
-            <a:off x="2209800" y="1676400"/>
-            <a:ext cx="4905375" cy="4844514"/>
-          </a:xfrm>
-          <a:prstGeom prst="rect">
-            <a:avLst/>
-          </a:prstGeom>
-          <a:noFill/>
-        </p:spPr>
-      </p:pic>
-    </p:spTree>
-  </p:cSld>
-  <p:clrMapOvr>
-    <a:masterClrMapping/>
-  </p:clrMapOvr>
-  <p:timing>
-    <p:tnLst>
-      <p:par>
-        <p:cTn id="1" dur="indefinite" restart="never" nodeType="tmRoot"/>
-      </p:par>
-    </p:tnLst>
-  </p:timing>
-</p:sld>
-</file>
-
-<file path=ppt/slides/slide6.xml><?xml version="1.0" encoding="utf-8"?>
 <p:sld xmlns:a="http://schemas.openxmlformats.org/drawingml/2006/main" xmlns:r="http://schemas.openxmlformats.org/officeDocument/2006/relationships" xmlns:p="http://schemas.openxmlformats.org/presentationml/2006/main">
   <p:cSld>
     <p:spTree>
@@ -20652,6 +24031,203 @@
 </p:sld>
 </file>
 
+<file path=ppt/slides/slide6.xml><?xml version="1.0" encoding="utf-8"?>
+<p:sld xmlns:a="http://schemas.openxmlformats.org/drawingml/2006/main" xmlns:r="http://schemas.openxmlformats.org/officeDocument/2006/relationships" xmlns:p="http://schemas.openxmlformats.org/presentationml/2006/main">
+  <p:cSld>
+    <p:spTree>
+      <p:nvGrpSpPr>
+        <p:cNvPr id="1" name=""/>
+        <p:cNvGrpSpPr/>
+        <p:nvPr/>
+      </p:nvGrpSpPr>
+      <p:grpSpPr>
+        <a:xfrm>
+          <a:off x="0" y="0"/>
+          <a:ext cx="0" cy="0"/>
+          <a:chOff x="0" y="0"/>
+          <a:chExt cx="0" cy="0"/>
+        </a:xfrm>
+      </p:grpSpPr>
+      <p:sp>
+        <p:nvSpPr>
+          <p:cNvPr id="2" name="Title 1"/>
+          <p:cNvSpPr>
+            <a:spLocks noGrp="1"/>
+          </p:cNvSpPr>
+          <p:nvPr>
+            <p:ph type="title"/>
+          </p:nvPr>
+        </p:nvSpPr>
+        <p:spPr>
+          <a:xfrm>
+            <a:off x="457200" y="381000"/>
+            <a:ext cx="7239000" cy="853440"/>
+          </a:xfrm>
+        </p:spPr>
+        <p:txBody>
+          <a:bodyPr/>
+          <a:lstStyle/>
+          <a:p>
+            <a:pPr algn="ctr"/>
+            <a:r>
+              <a:rPr lang="en-US" dirty="0" smtClean="0"/>
+              <a:t>Block Structure</a:t>
+            </a:r>
+            <a:endParaRPr lang="en-IN" dirty="0"/>
+          </a:p>
+        </p:txBody>
+      </p:sp>
+      <p:pic>
+        <p:nvPicPr>
+          <p:cNvPr id="1026" name="Picture 2" descr="C:\Users\Dits\Desktop\biconnected.png"/>
+          <p:cNvPicPr>
+            <a:picLocks noChangeAspect="1" noChangeArrowheads="1"/>
+          </p:cNvPicPr>
+          <p:nvPr/>
+        </p:nvPicPr>
+        <p:blipFill>
+          <a:blip r:embed="rId2" cstate="print">
+            <a:clrChange>
+              <a:clrFrom>
+                <a:srgbClr val="FFFFFF"/>
+              </a:clrFrom>
+              <a:clrTo>
+                <a:srgbClr val="FFFFFF">
+                  <a:alpha val="0"/>
+                </a:srgbClr>
+              </a:clrTo>
+            </a:clrChange>
+          </a:blip>
+          <a:srcRect/>
+          <a:stretch>
+            <a:fillRect/>
+          </a:stretch>
+        </p:blipFill>
+        <p:spPr bwMode="auto">
+          <a:xfrm>
+            <a:off x="2209800" y="1676400"/>
+            <a:ext cx="4905375" cy="4844514"/>
+          </a:xfrm>
+          <a:prstGeom prst="rect">
+            <a:avLst/>
+          </a:prstGeom>
+          <a:noFill/>
+        </p:spPr>
+      </p:pic>
+    </p:spTree>
+  </p:cSld>
+  <p:clrMapOvr>
+    <a:masterClrMapping/>
+  </p:clrMapOvr>
+  <p:timing>
+    <p:tnLst>
+      <p:par>
+        <p:cTn id="1" dur="indefinite" restart="never" nodeType="tmRoot"/>
+      </p:par>
+    </p:tnLst>
+  </p:timing>
+</p:sld>
+</file>
+
+<file path=ppt/slides/slide7.xml><?xml version="1.0" encoding="utf-8"?>
+<p:sld xmlns:a="http://schemas.openxmlformats.org/drawingml/2006/main" xmlns:r="http://schemas.openxmlformats.org/officeDocument/2006/relationships" xmlns:p="http://schemas.openxmlformats.org/presentationml/2006/main">
+  <p:cSld>
+    <p:spTree>
+      <p:nvGrpSpPr>
+        <p:cNvPr id="1" name=""/>
+        <p:cNvGrpSpPr/>
+        <p:nvPr/>
+      </p:nvGrpSpPr>
+      <p:grpSpPr>
+        <a:xfrm>
+          <a:off x="0" y="0"/>
+          <a:ext cx="0" cy="0"/>
+          <a:chOff x="0" y="0"/>
+          <a:chExt cx="0" cy="0"/>
+        </a:xfrm>
+      </p:grpSpPr>
+      <p:sp>
+        <p:nvSpPr>
+          <p:cNvPr id="2" name="Title 1"/>
+          <p:cNvSpPr>
+            <a:spLocks noGrp="1"/>
+          </p:cNvSpPr>
+          <p:nvPr>
+            <p:ph type="title"/>
+          </p:nvPr>
+        </p:nvSpPr>
+        <p:spPr>
+          <a:xfrm>
+            <a:off x="457200" y="685800"/>
+            <a:ext cx="7239000" cy="777240"/>
+          </a:xfrm>
+        </p:spPr>
+        <p:txBody>
+          <a:bodyPr/>
+          <a:lstStyle/>
+          <a:p>
+            <a:pPr algn="ctr"/>
+            <a:r>
+              <a:rPr lang="en-US" dirty="0" smtClean="0"/>
+              <a:t>Procedure</a:t>
+            </a:r>
+            <a:endParaRPr lang="en-IN" dirty="0"/>
+          </a:p>
+        </p:txBody>
+      </p:sp>
+      <p:pic>
+        <p:nvPicPr>
+          <p:cNvPr id="2050" name="Picture 2"/>
+          <p:cNvPicPr>
+            <a:picLocks noGrp="1" noChangeAspect="1" noChangeArrowheads="1"/>
+          </p:cNvPicPr>
+          <p:nvPr>
+            <p:ph idx="1"/>
+          </p:nvPr>
+        </p:nvPicPr>
+        <p:blipFill>
+          <a:blip r:embed="rId2" cstate="print">
+            <a:clrChange>
+              <a:clrFrom>
+                <a:srgbClr val="FFFFFF"/>
+              </a:clrFrom>
+              <a:clrTo>
+                <a:srgbClr val="FFFFFF">
+                  <a:alpha val="0"/>
+                </a:srgbClr>
+              </a:clrTo>
+            </a:clrChange>
+          </a:blip>
+          <a:srcRect/>
+          <a:stretch>
+            <a:fillRect/>
+          </a:stretch>
+        </p:blipFill>
+        <p:spPr bwMode="auto">
+          <a:xfrm>
+            <a:off x="152400" y="2133600"/>
+            <a:ext cx="8174544" cy="2962693"/>
+          </a:xfrm>
+          <a:prstGeom prst="rect">
+            <a:avLst/>
+          </a:prstGeom>
+          <a:noFill/>
+          <a:ln w="9525">
+            <a:noFill/>
+            <a:miter lim="800000"/>
+            <a:headEnd/>
+            <a:tailEnd/>
+          </a:ln>
+        </p:spPr>
+      </p:pic>
+    </p:spTree>
+  </p:cSld>
+  <p:clrMapOvr>
+    <a:masterClrMapping/>
+  </p:clrMapOvr>
+</p:sld>
+</file>
+
 <file path=ppt/theme/theme1.xml><?xml version="1.0" encoding="utf-8"?>
 <a:theme xmlns:a="http://schemas.openxmlformats.org/drawingml/2006/main" name="Solstice">
   <a:themeElements>
@@ -21533,4 +25109,303 @@
   <a:objectDefaults/>
   <a:extraClrSchemeLst/>
 </a:theme>
+</file>
+
+<file path=ppt/theme/theme4.xml><?xml version="1.0" encoding="utf-8"?>
+<a:theme xmlns:a="http://schemas.openxmlformats.org/drawingml/2006/main" name="Opulent">
+  <a:themeElements>
+    <a:clrScheme name="Opulent">
+      <a:dk1>
+        <a:sysClr val="windowText" lastClr="000000"/>
+      </a:dk1>
+      <a:lt1>
+        <a:sysClr val="window" lastClr="FFFFFF"/>
+      </a:lt1>
+      <a:dk2>
+        <a:srgbClr val="B13F9A"/>
+      </a:dk2>
+      <a:lt2>
+        <a:srgbClr val="F4E7ED"/>
+      </a:lt2>
+      <a:accent1>
+        <a:srgbClr val="B83D68"/>
+      </a:accent1>
+      <a:accent2>
+        <a:srgbClr val="AC66BB"/>
+      </a:accent2>
+      <a:accent3>
+        <a:srgbClr val="DE6C36"/>
+      </a:accent3>
+      <a:accent4>
+        <a:srgbClr val="F9B639"/>
+      </a:accent4>
+      <a:accent5>
+        <a:srgbClr val="CF6DA4"/>
+      </a:accent5>
+      <a:accent6>
+        <a:srgbClr val="FA8D3D"/>
+      </a:accent6>
+      <a:hlink>
+        <a:srgbClr val="FFDE66"/>
+      </a:hlink>
+      <a:folHlink>
+        <a:srgbClr val="D490C5"/>
+      </a:folHlink>
+    </a:clrScheme>
+    <a:fontScheme name="Opulent">
+      <a:majorFont>
+        <a:latin typeface="Trebuchet MS"/>
+        <a:ea typeface=""/>
+        <a:cs typeface=""/>
+        <a:font script="Jpan" typeface="HG丸ｺﾞｼｯｸM-PRO"/>
+        <a:font script="Hang" typeface="HY그래픽M"/>
+        <a:font script="Hans" typeface="黑体"/>
+        <a:font script="Hant" typeface="微軟正黑體"/>
+        <a:font script="Arab" typeface="Tahoma"/>
+        <a:font script="Hebr" typeface="Gisha"/>
+        <a:font script="Thai" typeface="IrisUPC"/>
+        <a:font script="Ethi" typeface="Nyala"/>
+        <a:font script="Beng" typeface="Vrinda"/>
+        <a:font script="Gujr" typeface="Shruti"/>
+        <a:font script="Khmr" typeface="DaunPenh"/>
+        <a:font script="Knda" typeface="Tunga"/>
+        <a:font script="Guru" typeface="Raavi"/>
+        <a:font script="Cans" typeface="Euphemia"/>
+        <a:font script="Cher" typeface="Plantagenet Cherokee"/>
+        <a:font script="Yiii" typeface="Microsoft Yi Baiti"/>
+        <a:font script="Tibt" typeface="Microsoft Himalaya"/>
+        <a:font script="Thaa" typeface="MV Boli"/>
+        <a:font script="Deva" typeface="Mangal"/>
+        <a:font script="Telu" typeface="Gautami"/>
+        <a:font script="Taml" typeface="Latha"/>
+        <a:font script="Syrc" typeface="Estrangelo Edessa"/>
+        <a:font script="Orya" typeface="Kalinga"/>
+        <a:font script="Mlym" typeface="Kartika"/>
+        <a:font script="Laoo" typeface="DokChampa"/>
+        <a:font script="Sinh" typeface="Iskoola Pota"/>
+        <a:font script="Mong" typeface="Mongolian Baiti"/>
+        <a:font script="Viet" typeface="Tahoma"/>
+        <a:font script="Uigh" typeface="Microsoft Uighur"/>
+      </a:majorFont>
+      <a:minorFont>
+        <a:latin typeface="Trebuchet MS"/>
+        <a:ea typeface=""/>
+        <a:cs typeface=""/>
+        <a:font script="Jpan" typeface="HG丸ｺﾞｼｯｸM-PRO"/>
+        <a:font script="Hang" typeface="HY그래픽M"/>
+        <a:font script="Hans" typeface="华文新魏"/>
+        <a:font script="Hant" typeface="微軟正黑體"/>
+        <a:font script="Arab" typeface="Tahoma"/>
+        <a:font script="Hebr" typeface="Gisha"/>
+        <a:font script="Thai" typeface="IrisUPC"/>
+        <a:font script="Ethi" typeface="Nyala"/>
+        <a:font script="Beng" typeface="Vrinda"/>
+        <a:font script="Gujr" typeface="Shruti"/>
+        <a:font script="Khmr" typeface="DaunPenh"/>
+        <a:font script="Knda" typeface="Tunga"/>
+        <a:font script="Guru" typeface="Raavi"/>
+        <a:font script="Cans" typeface="Euphemia"/>
+        <a:font script="Cher" typeface="Plantagenet Cherokee"/>
+        <a:font script="Yiii" typeface="Microsoft Yi Baiti"/>
+        <a:font script="Tibt" typeface="Microsoft Himalaya"/>
+        <a:font script="Thaa" typeface="MV Boli"/>
+        <a:font script="Deva" typeface="Mangal"/>
+        <a:font script="Telu" typeface="Gautami"/>
+        <a:font script="Taml" typeface="Latha"/>
+        <a:font script="Syrc" typeface="Estrangelo Edessa"/>
+        <a:font script="Orya" typeface="Kalinga"/>
+        <a:font script="Mlym" typeface="Kartika"/>
+        <a:font script="Laoo" typeface="DokChampa"/>
+        <a:font script="Sinh" typeface="Iskoola Pota"/>
+        <a:font script="Mong" typeface="Mongolian Baiti"/>
+        <a:font script="Viet" typeface="Arial"/>
+        <a:font script="Uigh" typeface="Microsoft Uighur"/>
+      </a:minorFont>
+    </a:fontScheme>
+    <a:fmtScheme name="Opulent">
+      <a:fillStyleLst>
+        <a:solidFill>
+          <a:schemeClr val="phClr"/>
+        </a:solidFill>
+        <a:gradFill rotWithShape="1">
+          <a:gsLst>
+            <a:gs pos="0">
+              <a:schemeClr val="phClr">
+                <a:tint val="15000"/>
+                <a:satMod val="250000"/>
+              </a:schemeClr>
+            </a:gs>
+            <a:gs pos="49000">
+              <a:schemeClr val="phClr">
+                <a:tint val="50000"/>
+                <a:satMod val="200000"/>
+              </a:schemeClr>
+            </a:gs>
+            <a:gs pos="49100">
+              <a:schemeClr val="phClr">
+                <a:tint val="64000"/>
+                <a:satMod val="160000"/>
+              </a:schemeClr>
+            </a:gs>
+            <a:gs pos="92000">
+              <a:schemeClr val="phClr">
+                <a:tint val="50000"/>
+                <a:satMod val="200000"/>
+              </a:schemeClr>
+            </a:gs>
+            <a:gs pos="100000">
+              <a:schemeClr val="phClr">
+                <a:tint val="43000"/>
+                <a:satMod val="190000"/>
+              </a:schemeClr>
+            </a:gs>
+          </a:gsLst>
+          <a:lin ang="5400000" scaled="1"/>
+        </a:gradFill>
+        <a:gradFill rotWithShape="1">
+          <a:gsLst>
+            <a:gs pos="0">
+              <a:schemeClr val="phClr">
+                <a:tint val="74000"/>
+              </a:schemeClr>
+            </a:gs>
+            <a:gs pos="49000">
+              <a:schemeClr val="phClr">
+                <a:tint val="96000"/>
+                <a:shade val="84000"/>
+                <a:satMod val="110000"/>
+              </a:schemeClr>
+            </a:gs>
+            <a:gs pos="49100">
+              <a:schemeClr val="phClr">
+                <a:shade val="55000"/>
+                <a:satMod val="150000"/>
+              </a:schemeClr>
+            </a:gs>
+            <a:gs pos="92000">
+              <a:schemeClr val="phClr">
+                <a:tint val="98000"/>
+                <a:shade val="90000"/>
+                <a:satMod val="128000"/>
+              </a:schemeClr>
+            </a:gs>
+            <a:gs pos="100000">
+              <a:schemeClr val="phClr">
+                <a:tint val="90000"/>
+                <a:shade val="97000"/>
+                <a:satMod val="128000"/>
+              </a:schemeClr>
+            </a:gs>
+          </a:gsLst>
+          <a:lin ang="5400000" scaled="1"/>
+        </a:gradFill>
+      </a:fillStyleLst>
+      <a:lnStyleLst>
+        <a:ln w="11430" cap="flat" cmpd="sng" algn="ctr">
+          <a:solidFill>
+            <a:schemeClr val="phClr"/>
+          </a:solidFill>
+          <a:prstDash val="solid"/>
+        </a:ln>
+        <a:ln w="40000" cap="flat" cmpd="sng" algn="ctr">
+          <a:solidFill>
+            <a:schemeClr val="phClr"/>
+          </a:solidFill>
+          <a:prstDash val="solid"/>
+        </a:ln>
+        <a:ln w="31800" cap="flat" cmpd="sng" algn="ctr">
+          <a:solidFill>
+            <a:schemeClr val="phClr"/>
+          </a:solidFill>
+          <a:prstDash val="solid"/>
+        </a:ln>
+      </a:lnStyleLst>
+      <a:effectStyleLst>
+        <a:effectStyle>
+          <a:effectLst>
+            <a:outerShdw blurRad="50800" dist="25000" dir="5400000" rotWithShape="0">
+              <a:schemeClr val="phClr">
+                <a:shade val="30000"/>
+                <a:satMod val="150000"/>
+                <a:alpha val="38000"/>
+              </a:schemeClr>
+            </a:outerShdw>
+          </a:effectLst>
+        </a:effectStyle>
+        <a:effectStyle>
+          <a:effectLst>
+            <a:outerShdw blurRad="39000" dist="25400" dir="5400000" rotWithShape="0">
+              <a:schemeClr val="phClr">
+                <a:shade val="33000"/>
+                <a:alpha val="83000"/>
+              </a:schemeClr>
+            </a:outerShdw>
+          </a:effectLst>
+        </a:effectStyle>
+        <a:effectStyle>
+          <a:effectLst>
+            <a:outerShdw blurRad="39000" dist="25400" dir="5400000" rotWithShape="0">
+              <a:schemeClr val="phClr">
+                <a:shade val="33000"/>
+                <a:alpha val="83000"/>
+              </a:schemeClr>
+            </a:outerShdw>
+          </a:effectLst>
+          <a:scene3d>
+            <a:camera prst="orthographicFront" fov="0">
+              <a:rot lat="0" lon="0" rev="0"/>
+            </a:camera>
+            <a:lightRig rig="contrasting" dir="t">
+              <a:rot lat="0" lon="0" rev="1500000"/>
+            </a:lightRig>
+          </a:scene3d>
+          <a:sp3d extrusionH="127000" prstMaterial="powder">
+            <a:bevelT w="50800" h="63500"/>
+          </a:sp3d>
+        </a:effectStyle>
+      </a:effectStyleLst>
+      <a:bgFillStyleLst>
+        <a:solidFill>
+          <a:schemeClr val="phClr"/>
+        </a:solidFill>
+        <a:gradFill rotWithShape="1">
+          <a:gsLst>
+            <a:gs pos="0">
+              <a:schemeClr val="phClr">
+                <a:tint val="78000"/>
+                <a:satMod val="220000"/>
+              </a:schemeClr>
+            </a:gs>
+            <a:gs pos="100000">
+              <a:schemeClr val="phClr">
+                <a:shade val="35000"/>
+                <a:satMod val="155000"/>
+              </a:schemeClr>
+            </a:gs>
+          </a:gsLst>
+          <a:path path="circle">
+            <a:fillToRect l="50000" t="50000" r="50000" b="50000"/>
+          </a:path>
+        </a:gradFill>
+        <a:blipFill>
+          <a:blip xmlns:r="http://schemas.openxmlformats.org/officeDocument/2006/relationships" r:embed="rId1">
+            <a:duotone>
+              <a:schemeClr val="phClr">
+                <a:shade val="60000"/>
+                <a:satMod val="180000"/>
+              </a:schemeClr>
+              <a:schemeClr val="phClr">
+                <a:tint val="500"/>
+                <a:satMod val="150000"/>
+              </a:schemeClr>
+            </a:duotone>
+          </a:blip>
+          <a:tile tx="0" ty="0" sx="50000" sy="50000" flip="none" algn="tl"/>
+        </a:blipFill>
+      </a:bgFillStyleLst>
+    </a:fmtScheme>
+  </a:themeElements>
+  <a:objectDefaults/>
+  <a:extraClrSchemeLst/>
+</a:theme>
 </file>